--- a/_posts/ithome/2021/22.Plotly-Express/22.Plotly-Express.pptx
+++ b/_posts/ithome/2021/22.Plotly-Express/22.Plotly-Express.pptx
@@ -7,6 +7,10 @@
   <p:sldIdLst>
     <p:sldId id="256" r:id="rId2"/>
     <p:sldId id="257" r:id="rId3"/>
+    <p:sldId id="261" r:id="rId4"/>
+    <p:sldId id="258" r:id="rId5"/>
+    <p:sldId id="259" r:id="rId6"/>
+    <p:sldId id="260" r:id="rId7"/>
   </p:sldIdLst>
   <p:sldSz cx="12192000" cy="6858000"/>
   <p:notesSz cx="6858000" cy="9144000"/>
@@ -105,6 +109,11 @@
       </a:defRPr>
     </a:lvl9pPr>
   </p:defaultTextStyle>
+  <p:extLst>
+    <p:ext uri="{EFAFB233-063F-42B5-8137-9DF3F51BA10A}">
+      <p15:sldGuideLst xmlns:p15="http://schemas.microsoft.com/office/powerpoint/2012/main"/>
+    </p:ext>
+  </p:extLst>
 </p:presentation>
 </file>
 
@@ -3899,6 +3908,2456 @@
 </p:sld>
 </file>
 
+<file path=ppt/slides/slide3.xml><?xml version="1.0" encoding="utf-8"?>
+<p:sld xmlns:a="http://schemas.openxmlformats.org/drawingml/2006/main" xmlns:r="http://schemas.openxmlformats.org/officeDocument/2006/relationships" xmlns:p="http://schemas.openxmlformats.org/presentationml/2006/main">
+  <p:cSld>
+    <p:spTree>
+      <p:nvGrpSpPr>
+        <p:cNvPr id="1" name=""/>
+        <p:cNvGrpSpPr/>
+        <p:nvPr/>
+      </p:nvGrpSpPr>
+      <p:grpSpPr>
+        <a:xfrm>
+          <a:off x="0" y="0"/>
+          <a:ext cx="0" cy="0"/>
+          <a:chOff x="0" y="0"/>
+          <a:chExt cx="0" cy="0"/>
+        </a:xfrm>
+      </p:grpSpPr>
+      <p:pic>
+        <p:nvPicPr>
+          <p:cNvPr id="3" name="Picture 2">
+            <a:extLst>
+              <a:ext uri="{FF2B5EF4-FFF2-40B4-BE49-F238E27FC236}">
+                <a16:creationId xmlns:a16="http://schemas.microsoft.com/office/drawing/2014/main" id="{92CB77CE-5104-5E4D-9265-4240A7FDCE1B}"/>
+              </a:ext>
+            </a:extLst>
+          </p:cNvPr>
+          <p:cNvPicPr>
+            <a:picLocks noChangeAspect="1"/>
+          </p:cNvPicPr>
+          <p:nvPr/>
+        </p:nvPicPr>
+        <p:blipFill>
+          <a:blip r:embed="rId2"/>
+          <a:stretch>
+            <a:fillRect/>
+          </a:stretch>
+        </p:blipFill>
+        <p:spPr>
+          <a:xfrm>
+            <a:off x="3637868" y="1244427"/>
+            <a:ext cx="5282201" cy="3521467"/>
+          </a:xfrm>
+          <a:prstGeom prst="rect">
+            <a:avLst/>
+          </a:prstGeom>
+        </p:spPr>
+      </p:pic>
+      <p:grpSp>
+        <p:nvGrpSpPr>
+          <p:cNvPr id="4" name="Group 3">
+            <a:extLst>
+              <a:ext uri="{FF2B5EF4-FFF2-40B4-BE49-F238E27FC236}">
+                <a16:creationId xmlns:a16="http://schemas.microsoft.com/office/drawing/2014/main" id="{CC223A0B-DD49-6B48-A838-2217AD17C7EC}"/>
+              </a:ext>
+            </a:extLst>
+          </p:cNvPr>
+          <p:cNvGrpSpPr/>
+          <p:nvPr/>
+        </p:nvGrpSpPr>
+        <p:grpSpPr>
+          <a:xfrm>
+            <a:off x="3383760" y="4412762"/>
+            <a:ext cx="5764444" cy="1050587"/>
+            <a:chOff x="3360126" y="3971848"/>
+            <a:chExt cx="5764444" cy="1050587"/>
+          </a:xfrm>
+        </p:grpSpPr>
+        <p:grpSp>
+          <p:nvGrpSpPr>
+            <p:cNvPr id="5" name="Group 4">
+              <a:extLst>
+                <a:ext uri="{FF2B5EF4-FFF2-40B4-BE49-F238E27FC236}">
+                  <a16:creationId xmlns:a16="http://schemas.microsoft.com/office/drawing/2014/main" id="{16102C40-9F95-CD42-8B25-C3CE40F25755}"/>
+                </a:ext>
+              </a:extLst>
+            </p:cNvPr>
+            <p:cNvGrpSpPr/>
+            <p:nvPr/>
+          </p:nvGrpSpPr>
+          <p:grpSpPr>
+            <a:xfrm>
+              <a:off x="3360126" y="4324980"/>
+              <a:ext cx="2735874" cy="328935"/>
+              <a:chOff x="7237110" y="4273903"/>
+              <a:chExt cx="2735874" cy="328935"/>
+            </a:xfrm>
+          </p:grpSpPr>
+          <p:sp>
+            <p:nvSpPr>
+              <p:cNvPr id="10" name="Intelligent Information Retrieval Laboratory">
+                <a:extLst>
+                  <a:ext uri="{FF2B5EF4-FFF2-40B4-BE49-F238E27FC236}">
+                    <a16:creationId xmlns:a16="http://schemas.microsoft.com/office/drawing/2014/main" id="{49D191B8-DFE1-224E-A6B1-AC5B706CEAF5}"/>
+                  </a:ext>
+                </a:extLst>
+              </p:cNvPr>
+              <p:cNvSpPr txBox="1"/>
+              <p:nvPr/>
+            </p:nvSpPr>
+            <p:spPr>
+              <a:xfrm>
+                <a:off x="7237110" y="4273903"/>
+                <a:ext cx="2590800" cy="328935"/>
+              </a:xfrm>
+              <a:prstGeom prst="rect">
+                <a:avLst/>
+              </a:prstGeom>
+              <a:noFill/>
+              <a:ln w="12700" cap="flat">
+                <a:noFill/>
+                <a:miter lim="400000"/>
+              </a:ln>
+              <a:effectLst/>
+              <a:extLst>
+                <a:ext uri="{C572A759-6A51-4108-AA02-DFA0A04FC94B}">
+                  <ma14:wrappingTextBoxFlag xmlns:ma14="http://schemas.microsoft.com/office/mac/drawingml/2011/main" xmlns:a14="http://schemas.microsoft.com/office/drawing/2010/main" xmlns:m="http://schemas.openxmlformats.org/officeDocument/2006/math" xmlns="" val="1"/>
+                </a:ext>
+              </a:extLst>
+            </p:spPr>
+            <p:txBody>
+              <a:bodyPr wrap="square" lIns="71437" tIns="71437" rIns="71437" bIns="71437" numCol="1" anchor="ctr">
+                <a:spAutoFit/>
+              </a:bodyPr>
+              <a:lstStyle>
+                <a:lvl1pPr algn="l" defTabSz="821531">
+                  <a:defRPr sz="2400" b="0">
+                    <a:solidFill>
+                      <a:srgbClr val="FFFFFF"/>
+                    </a:solidFill>
+                    <a:latin typeface="Helvetica Neue Bold Condensed"/>
+                    <a:ea typeface="Helvetica Neue Bold Condensed"/>
+                    <a:cs typeface="Helvetica Neue Bold Condensed"/>
+                    <a:sym typeface="Helvetica Neue Bold Condensed"/>
+                  </a:defRPr>
+                </a:lvl1pPr>
+              </a:lstStyle>
+              <a:p>
+                <a:r>
+                  <a:rPr kumimoji="0" lang="zh-TW" altLang="en-US" sz="1050" b="0" i="0" u="none" strike="noStrike" cap="none" spc="0" normalizeH="0" baseline="0" dirty="0">
+                    <a:ln>
+                      <a:noFill/>
+                    </a:ln>
+                    <a:solidFill>
+                      <a:schemeClr val="tx1">
+                        <a:alpha val="15000"/>
+                      </a:schemeClr>
+                    </a:solidFill>
+                    <a:effectLst/>
+                    <a:uFillTx/>
+                    <a:latin typeface="Helvetica Neue Bold Condensed"/>
+                    <a:ea typeface="Helvetica Neue Bold Condensed"/>
+                    <a:cs typeface="Helvetica Neue Bold Condensed"/>
+                    <a:sym typeface="Helvetica Neue Bold Condensed"/>
+                  </a:rPr>
+                  <a:t>第</a:t>
+                </a:r>
+                <a:r>
+                  <a:rPr kumimoji="0" lang="en-US" altLang="zh-TW" sz="1050" b="0" i="0" u="none" strike="noStrike" cap="none" spc="0" normalizeH="0" baseline="0" dirty="0">
+                    <a:ln>
+                      <a:noFill/>
+                    </a:ln>
+                    <a:solidFill>
+                      <a:schemeClr val="tx1">
+                        <a:alpha val="15000"/>
+                      </a:schemeClr>
+                    </a:solidFill>
+                    <a:effectLst/>
+                    <a:uFillTx/>
+                    <a:latin typeface="Helvetica Neue Bold Condensed"/>
+                    <a:ea typeface="Helvetica Neue Bold Condensed"/>
+                    <a:cs typeface="Helvetica Neue Bold Condensed"/>
+                    <a:sym typeface="Helvetica Neue Bold Condensed"/>
+                  </a:rPr>
+                  <a:t>13</a:t>
+                </a:r>
+                <a:r>
+                  <a:rPr kumimoji="0" lang="zh-TW" altLang="en-US" sz="1050" b="0" i="0" u="none" strike="noStrike" cap="none" spc="0" normalizeH="0" baseline="0" dirty="0">
+                    <a:ln>
+                      <a:noFill/>
+                    </a:ln>
+                    <a:solidFill>
+                      <a:schemeClr val="tx1">
+                        <a:alpha val="15000"/>
+                      </a:schemeClr>
+                    </a:solidFill>
+                    <a:effectLst/>
+                    <a:uFillTx/>
+                    <a:latin typeface="Helvetica Neue Bold Condensed"/>
+                    <a:ea typeface="Helvetica Neue Bold Condensed"/>
+                    <a:cs typeface="Helvetica Neue Bold Condensed"/>
+                    <a:sym typeface="Helvetica Neue Bold Condensed"/>
+                  </a:rPr>
+                  <a:t>屆 </a:t>
+                </a:r>
+                <a:r>
+                  <a:rPr kumimoji="0" lang="en-US" sz="1200" b="0" i="0" u="none" strike="noStrike" cap="none" spc="0" normalizeH="0" baseline="0" dirty="0">
+                    <a:ln>
+                      <a:noFill/>
+                    </a:ln>
+                    <a:solidFill>
+                      <a:schemeClr val="tx1">
+                        <a:alpha val="15000"/>
+                      </a:schemeClr>
+                    </a:solidFill>
+                    <a:effectLst/>
+                    <a:uFillTx/>
+                    <a:latin typeface="Helvetica Neue Bold Condensed"/>
+                    <a:ea typeface="Helvetica Neue Bold Condensed"/>
+                    <a:cs typeface="Helvetica Neue Bold Condensed"/>
+                    <a:sym typeface="Helvetica Neue Bold Condensed"/>
+                  </a:rPr>
+                  <a:t>iT</a:t>
+                </a:r>
+                <a:r>
+                  <a:rPr kumimoji="0" lang="zh-TW" altLang="en-US" sz="1100" b="0" i="0" u="none" strike="noStrike" cap="none" spc="0" normalizeH="0" baseline="0" dirty="0">
+                    <a:ln>
+                      <a:noFill/>
+                    </a:ln>
+                    <a:solidFill>
+                      <a:schemeClr val="tx1">
+                        <a:alpha val="15000"/>
+                      </a:schemeClr>
+                    </a:solidFill>
+                    <a:effectLst/>
+                    <a:uFillTx/>
+                    <a:latin typeface="Helvetica Neue Bold Condensed"/>
+                    <a:ea typeface="Helvetica Neue Bold Condensed"/>
+                    <a:cs typeface="Helvetica Neue Bold Condensed"/>
+                    <a:sym typeface="Helvetica Neue Bold Condensed"/>
+                  </a:rPr>
+                  <a:t>邦</a:t>
+                </a:r>
+                <a:r>
+                  <a:rPr kumimoji="0" lang="zh-TW" altLang="en-US" sz="1000" b="0" i="0" u="none" strike="noStrike" cap="none" spc="0" normalizeH="0" baseline="0" dirty="0">
+                    <a:ln>
+                      <a:noFill/>
+                    </a:ln>
+                    <a:solidFill>
+                      <a:schemeClr val="tx1">
+                        <a:alpha val="15000"/>
+                      </a:schemeClr>
+                    </a:solidFill>
+                    <a:effectLst/>
+                    <a:uFillTx/>
+                    <a:latin typeface="Helvetica Neue Bold Condensed"/>
+                    <a:ea typeface="Helvetica Neue Bold Condensed"/>
+                    <a:cs typeface="Helvetica Neue Bold Condensed"/>
+                    <a:sym typeface="Helvetica Neue Bold Condensed"/>
+                  </a:rPr>
+                  <a:t>幫忙</a:t>
+                </a:r>
+                <a:r>
+                  <a:rPr kumimoji="0" lang="zh-TW" altLang="en-US" sz="1100" b="0" i="0" u="none" strike="noStrike" cap="none" spc="0" normalizeH="0" baseline="0" dirty="0">
+                    <a:ln>
+                      <a:noFill/>
+                    </a:ln>
+                    <a:solidFill>
+                      <a:schemeClr val="tx1">
+                        <a:alpha val="15000"/>
+                      </a:schemeClr>
+                    </a:solidFill>
+                    <a:effectLst/>
+                    <a:uFillTx/>
+                    <a:latin typeface="Helvetica Neue Bold Condensed"/>
+                    <a:ea typeface="Helvetica Neue Bold Condensed"/>
+                    <a:cs typeface="Helvetica Neue Bold Condensed"/>
+                    <a:sym typeface="Helvetica Neue Bold Condensed"/>
+                  </a:rPr>
+                  <a:t> 鐵人賽</a:t>
+                </a:r>
+                <a:endParaRPr sz="1100" dirty="0">
+                  <a:solidFill>
+                    <a:schemeClr val="tx1">
+                      <a:alpha val="15000"/>
+                    </a:schemeClr>
+                  </a:solidFill>
+                </a:endParaRPr>
+              </a:p>
+            </p:txBody>
+          </p:sp>
+          <p:sp>
+            <p:nvSpPr>
+              <p:cNvPr id="11" name="Intelligent Information Retrieval Laboratory">
+                <a:extLst>
+                  <a:ext uri="{FF2B5EF4-FFF2-40B4-BE49-F238E27FC236}">
+                    <a16:creationId xmlns:a16="http://schemas.microsoft.com/office/drawing/2014/main" id="{C7E54B41-27FD-E748-BF1E-6960E48B7A11}"/>
+                  </a:ext>
+                </a:extLst>
+              </p:cNvPr>
+              <p:cNvSpPr txBox="1"/>
+              <p:nvPr/>
+            </p:nvSpPr>
+            <p:spPr>
+              <a:xfrm>
+                <a:off x="8753784" y="4289292"/>
+                <a:ext cx="1219200" cy="313546"/>
+              </a:xfrm>
+              <a:prstGeom prst="rect">
+                <a:avLst/>
+              </a:prstGeom>
+              <a:noFill/>
+              <a:ln w="12700" cap="flat">
+                <a:noFill/>
+                <a:miter lim="400000"/>
+              </a:ln>
+              <a:effectLst/>
+              <a:extLst>
+                <a:ext uri="{C572A759-6A51-4108-AA02-DFA0A04FC94B}">
+                  <ma14:wrappingTextBoxFlag xmlns:ma14="http://schemas.microsoft.com/office/mac/drawingml/2011/main" xmlns:a14="http://schemas.microsoft.com/office/drawing/2010/main" xmlns:m="http://schemas.openxmlformats.org/officeDocument/2006/math" xmlns="" val="1"/>
+                </a:ext>
+              </a:extLst>
+            </p:spPr>
+            <p:txBody>
+              <a:bodyPr wrap="square" lIns="71437" tIns="71437" rIns="71437" bIns="71437" numCol="1" anchor="ctr">
+                <a:spAutoFit/>
+              </a:bodyPr>
+              <a:lstStyle>
+                <a:lvl1pPr algn="l" defTabSz="821531">
+                  <a:defRPr sz="2400" b="0">
+                    <a:solidFill>
+                      <a:srgbClr val="FFFFFF"/>
+                    </a:solidFill>
+                    <a:latin typeface="Helvetica Neue Bold Condensed"/>
+                    <a:ea typeface="Helvetica Neue Bold Condensed"/>
+                    <a:cs typeface="Helvetica Neue Bold Condensed"/>
+                    <a:sym typeface="Helvetica Neue Bold Condensed"/>
+                  </a:defRPr>
+                </a:lvl1pPr>
+              </a:lstStyle>
+              <a:p>
+                <a:r>
+                  <a:rPr kumimoji="0" lang="en-US" altLang="zh-TW" sz="1050" b="0" i="0" u="none" strike="noStrike" cap="none" spc="0" normalizeH="0" baseline="0" dirty="0">
+                    <a:ln>
+                      <a:noFill/>
+                    </a:ln>
+                    <a:solidFill>
+                      <a:schemeClr val="tx1">
+                        <a:alpha val="15000"/>
+                      </a:schemeClr>
+                    </a:solidFill>
+                    <a:effectLst/>
+                    <a:uFillTx/>
+                    <a:latin typeface="Helvetica Neue Bold Condensed"/>
+                    <a:ea typeface="Helvetica Neue Bold Condensed"/>
+                    <a:cs typeface="Helvetica Neue Bold Condensed"/>
+                    <a:sym typeface="Helvetica Neue Bold Condensed"/>
+                  </a:rPr>
+                  <a:t>AI &amp; Data </a:t>
+                </a:r>
+                <a:r>
+                  <a:rPr kumimoji="0" lang="zh-TW" altLang="en-US" sz="1050" b="0" i="0" u="none" strike="noStrike" cap="none" spc="0" normalizeH="0" baseline="0" dirty="0">
+                    <a:ln>
+                      <a:noFill/>
+                    </a:ln>
+                    <a:solidFill>
+                      <a:schemeClr val="tx1">
+                        <a:alpha val="15000"/>
+                      </a:schemeClr>
+                    </a:solidFill>
+                    <a:effectLst/>
+                    <a:uFillTx/>
+                    <a:latin typeface="Helvetica Neue Bold Condensed"/>
+                    <a:ea typeface="Helvetica Neue Bold Condensed"/>
+                    <a:cs typeface="Helvetica Neue Bold Condensed"/>
+                    <a:sym typeface="Helvetica Neue Bold Condensed"/>
+                  </a:rPr>
+                  <a:t>組</a:t>
+                </a:r>
+                <a:endParaRPr sz="1100" dirty="0">
+                  <a:solidFill>
+                    <a:schemeClr val="tx1">
+                      <a:alpha val="15000"/>
+                    </a:schemeClr>
+                  </a:solidFill>
+                </a:endParaRPr>
+              </a:p>
+            </p:txBody>
+          </p:sp>
+        </p:grpSp>
+        <p:grpSp>
+          <p:nvGrpSpPr>
+            <p:cNvPr id="6" name="Group 5">
+              <a:extLst>
+                <a:ext uri="{FF2B5EF4-FFF2-40B4-BE49-F238E27FC236}">
+                  <a16:creationId xmlns:a16="http://schemas.microsoft.com/office/drawing/2014/main" id="{A6B142BA-37E6-5E46-B304-9E30538AA001}"/>
+                </a:ext>
+              </a:extLst>
+            </p:cNvPr>
+            <p:cNvGrpSpPr/>
+            <p:nvPr/>
+          </p:nvGrpSpPr>
+          <p:grpSpPr>
+            <a:xfrm>
+              <a:off x="7247835" y="3971848"/>
+              <a:ext cx="1876735" cy="1050587"/>
+              <a:chOff x="3891792" y="3940042"/>
+              <a:chExt cx="1876735" cy="1050587"/>
+            </a:xfrm>
+          </p:grpSpPr>
+          <p:pic>
+            <p:nvPicPr>
+              <p:cNvPr id="7" name="Picture 6">
+                <a:extLst>
+                  <a:ext uri="{FF2B5EF4-FFF2-40B4-BE49-F238E27FC236}">
+                    <a16:creationId xmlns:a16="http://schemas.microsoft.com/office/drawing/2014/main" id="{831927DB-EB36-0C4B-95BF-9AE7A5015119}"/>
+                  </a:ext>
+                </a:extLst>
+              </p:cNvPr>
+              <p:cNvPicPr>
+                <a:picLocks noChangeAspect="1" noChangeArrowheads="1"/>
+              </p:cNvPicPr>
+              <p:nvPr/>
+            </p:nvPicPr>
+            <p:blipFill>
+              <a:blip r:embed="rId3">
+                <a:duotone>
+                  <a:prstClr val="black"/>
+                  <a:schemeClr val="tx1">
+                    <a:tint val="45000"/>
+                    <a:satMod val="400000"/>
+                  </a:schemeClr>
+                </a:duotone>
+                <a:alphaModFix amt="20000"/>
+              </a:blip>
+              <a:srcRect/>
+              <a:stretch/>
+            </p:blipFill>
+            <p:spPr bwMode="auto">
+              <a:xfrm>
+                <a:off x="4489805" y="3940042"/>
+                <a:ext cx="1050587" cy="1050587"/>
+              </a:xfrm>
+              <a:prstGeom prst="rect">
+                <a:avLst/>
+              </a:prstGeom>
+              <a:noFill/>
+              <a:extLst>
+                <a:ext uri="{909E8E84-426E-40DD-AFC4-6F175D3DCCD1}">
+                  <a14:hiddenFill xmlns:a14="http://schemas.microsoft.com/office/drawing/2010/main">
+                    <a:solidFill>
+                      <a:srgbClr val="FFFFFF"/>
+                    </a:solidFill>
+                  </a14:hiddenFill>
+                </a:ext>
+              </a:extLst>
+            </p:spPr>
+          </p:pic>
+          <p:pic>
+            <p:nvPicPr>
+              <p:cNvPr id="8" name="Picture 4" descr="Youtube logo | Logok">
+                <a:extLst>
+                  <a:ext uri="{FF2B5EF4-FFF2-40B4-BE49-F238E27FC236}">
+                    <a16:creationId xmlns:a16="http://schemas.microsoft.com/office/drawing/2014/main" id="{A4DF22D4-9D50-F74F-9284-509BDCE71537}"/>
+                  </a:ext>
+                </a:extLst>
+              </p:cNvPr>
+              <p:cNvPicPr>
+                <a:picLocks noChangeAspect="1" noChangeArrowheads="1"/>
+              </p:cNvPicPr>
+              <p:nvPr/>
+            </p:nvPicPr>
+            <p:blipFill>
+              <a:blip r:embed="rId4">
+                <a:alphaModFix amt="20000"/>
+                <a:extLst>
+                  <a:ext uri="{28A0092B-C50C-407E-A947-70E740481C1C}">
+                    <a14:useLocalDpi xmlns:a14="http://schemas.microsoft.com/office/drawing/2010/main" val="0"/>
+                  </a:ext>
+                </a:extLst>
+              </a:blip>
+              <a:srcRect/>
+              <a:stretch>
+                <a:fillRect/>
+              </a:stretch>
+            </p:blipFill>
+            <p:spPr bwMode="auto">
+              <a:xfrm>
+                <a:off x="3891792" y="4187926"/>
+                <a:ext cx="739756" cy="554817"/>
+              </a:xfrm>
+              <a:prstGeom prst="rect">
+                <a:avLst/>
+              </a:prstGeom>
+              <a:noFill/>
+              <a:extLst>
+                <a:ext uri="{909E8E84-426E-40DD-AFC4-6F175D3DCCD1}">
+                  <a14:hiddenFill xmlns:a14="http://schemas.microsoft.com/office/drawing/2010/main">
+                    <a:solidFill>
+                      <a:srgbClr val="FFFFFF"/>
+                    </a:solidFill>
+                  </a14:hiddenFill>
+                </a:ext>
+              </a:extLst>
+            </p:spPr>
+          </p:pic>
+          <p:sp>
+            <p:nvSpPr>
+              <p:cNvPr id="9" name="Intelligent Information Retrieval Laboratory">
+                <a:extLst>
+                  <a:ext uri="{FF2B5EF4-FFF2-40B4-BE49-F238E27FC236}">
+                    <a16:creationId xmlns:a16="http://schemas.microsoft.com/office/drawing/2014/main" id="{0A12C685-165F-3D49-9062-69753948C08A}"/>
+                  </a:ext>
+                </a:extLst>
+              </p:cNvPr>
+              <p:cNvSpPr txBox="1"/>
+              <p:nvPr/>
+            </p:nvSpPr>
+            <p:spPr>
+              <a:xfrm>
+                <a:off x="4549327" y="4308601"/>
+                <a:ext cx="1219200" cy="328935"/>
+              </a:xfrm>
+              <a:prstGeom prst="rect">
+                <a:avLst/>
+              </a:prstGeom>
+              <a:noFill/>
+              <a:ln w="12700" cap="flat">
+                <a:noFill/>
+                <a:miter lim="400000"/>
+              </a:ln>
+              <a:effectLst/>
+              <a:extLst>
+                <a:ext uri="{C572A759-6A51-4108-AA02-DFA0A04FC94B}">
+                  <ma14:wrappingTextBoxFlag xmlns:ma14="http://schemas.microsoft.com/office/mac/drawingml/2011/main" xmlns:a14="http://schemas.microsoft.com/office/drawing/2010/main" xmlns:m="http://schemas.openxmlformats.org/officeDocument/2006/math" xmlns="" val="1"/>
+                </a:ext>
+              </a:extLst>
+            </p:spPr>
+            <p:txBody>
+              <a:bodyPr wrap="square" lIns="71437" tIns="71437" rIns="71437" bIns="71437" numCol="1" anchor="ctr">
+                <a:spAutoFit/>
+              </a:bodyPr>
+              <a:lstStyle>
+                <a:lvl1pPr algn="l" defTabSz="821531">
+                  <a:defRPr sz="2400" b="0">
+                    <a:solidFill>
+                      <a:srgbClr val="FFFFFF"/>
+                    </a:solidFill>
+                    <a:latin typeface="Helvetica Neue Bold Condensed"/>
+                    <a:ea typeface="Helvetica Neue Bold Condensed"/>
+                    <a:cs typeface="Helvetica Neue Bold Condensed"/>
+                    <a:sym typeface="Helvetica Neue Bold Condensed"/>
+                  </a:defRPr>
+                </a:lvl1pPr>
+              </a:lstStyle>
+              <a:p>
+                <a:r>
+                  <a:rPr kumimoji="0" lang="en-US" altLang="zh-TW" sz="1200" b="0" i="0" u="none" strike="noStrike" cap="none" spc="0" normalizeH="0" baseline="0" dirty="0">
+                    <a:ln>
+                      <a:noFill/>
+                    </a:ln>
+                    <a:solidFill>
+                      <a:schemeClr val="tx1">
+                        <a:alpha val="15000"/>
+                      </a:schemeClr>
+                    </a:solidFill>
+                    <a:effectLst/>
+                    <a:uFillTx/>
+                    <a:latin typeface="Helvetica Neue Bold Condensed"/>
+                    <a:ea typeface="Helvetica Neue Bold Condensed"/>
+                    <a:cs typeface="Helvetica Neue Bold Condensed"/>
+                    <a:sym typeface="Helvetica Neue Bold Condensed"/>
+                  </a:rPr>
+                  <a:t>10</a:t>
+                </a:r>
+                <a:r>
+                  <a:rPr kumimoji="0" lang="zh-TW" altLang="en-US" sz="1200" b="0" i="0" u="none" strike="noStrike" cap="none" spc="0" normalizeH="0" baseline="0" dirty="0">
+                    <a:ln>
+                      <a:noFill/>
+                    </a:ln>
+                    <a:solidFill>
+                      <a:schemeClr val="tx1">
+                        <a:alpha val="15000"/>
+                      </a:schemeClr>
+                    </a:solidFill>
+                    <a:effectLst/>
+                    <a:uFillTx/>
+                    <a:sym typeface="Helvetica Neue Bold Condensed"/>
+                  </a:rPr>
+                  <a:t>程式中</a:t>
+                </a:r>
+                <a:endParaRPr sz="1400" dirty="0">
+                  <a:solidFill>
+                    <a:schemeClr val="tx1">
+                      <a:alpha val="15000"/>
+                    </a:schemeClr>
+                  </a:solidFill>
+                </a:endParaRPr>
+              </a:p>
+            </p:txBody>
+          </p:sp>
+        </p:grpSp>
+      </p:grpSp>
+    </p:spTree>
+    <p:extLst>
+      <p:ext uri="{BB962C8B-B14F-4D97-AF65-F5344CB8AC3E}">
+        <p14:creationId xmlns:p14="http://schemas.microsoft.com/office/powerpoint/2010/main" val="602089883"/>
+      </p:ext>
+    </p:extLst>
+  </p:cSld>
+  <p:clrMapOvr>
+    <a:masterClrMapping/>
+  </p:clrMapOvr>
+</p:sld>
+</file>
+
+<file path=ppt/slides/slide4.xml><?xml version="1.0" encoding="utf-8"?>
+<p:sld xmlns:a="http://schemas.openxmlformats.org/drawingml/2006/main" xmlns:r="http://schemas.openxmlformats.org/officeDocument/2006/relationships" xmlns:p="http://schemas.openxmlformats.org/presentationml/2006/main">
+  <p:cSld>
+    <p:spTree>
+      <p:nvGrpSpPr>
+        <p:cNvPr id="1" name=""/>
+        <p:cNvGrpSpPr/>
+        <p:nvPr/>
+      </p:nvGrpSpPr>
+      <p:grpSpPr>
+        <a:xfrm>
+          <a:off x="0" y="0"/>
+          <a:ext cx="0" cy="0"/>
+          <a:chOff x="0" y="0"/>
+          <a:chExt cx="0" cy="0"/>
+        </a:xfrm>
+      </p:grpSpPr>
+      <p:grpSp>
+        <p:nvGrpSpPr>
+          <p:cNvPr id="4" name="Group 3">
+            <a:extLst>
+              <a:ext uri="{FF2B5EF4-FFF2-40B4-BE49-F238E27FC236}">
+                <a16:creationId xmlns:a16="http://schemas.microsoft.com/office/drawing/2014/main" id="{A10DD7C0-01BD-094B-B0A6-C33761AA62E7}"/>
+              </a:ext>
+            </a:extLst>
+          </p:cNvPr>
+          <p:cNvGrpSpPr/>
+          <p:nvPr/>
+        </p:nvGrpSpPr>
+        <p:grpSpPr>
+          <a:xfrm>
+            <a:off x="3383760" y="4412762"/>
+            <a:ext cx="5764444" cy="1050587"/>
+            <a:chOff x="3360126" y="3971848"/>
+            <a:chExt cx="5764444" cy="1050587"/>
+          </a:xfrm>
+        </p:grpSpPr>
+        <p:grpSp>
+          <p:nvGrpSpPr>
+            <p:cNvPr id="5" name="Group 4">
+              <a:extLst>
+                <a:ext uri="{FF2B5EF4-FFF2-40B4-BE49-F238E27FC236}">
+                  <a16:creationId xmlns:a16="http://schemas.microsoft.com/office/drawing/2014/main" id="{BAC953F7-CEF8-364A-97B3-CFA4BFF67620}"/>
+                </a:ext>
+              </a:extLst>
+            </p:cNvPr>
+            <p:cNvGrpSpPr/>
+            <p:nvPr/>
+          </p:nvGrpSpPr>
+          <p:grpSpPr>
+            <a:xfrm>
+              <a:off x="3360126" y="4324980"/>
+              <a:ext cx="2735874" cy="328935"/>
+              <a:chOff x="7237110" y="4273903"/>
+              <a:chExt cx="2735874" cy="328935"/>
+            </a:xfrm>
+          </p:grpSpPr>
+          <p:sp>
+            <p:nvSpPr>
+              <p:cNvPr id="10" name="Intelligent Information Retrieval Laboratory">
+                <a:extLst>
+                  <a:ext uri="{FF2B5EF4-FFF2-40B4-BE49-F238E27FC236}">
+                    <a16:creationId xmlns:a16="http://schemas.microsoft.com/office/drawing/2014/main" id="{169A0FAE-DC6E-E14A-93D9-7C52F0366BCA}"/>
+                  </a:ext>
+                </a:extLst>
+              </p:cNvPr>
+              <p:cNvSpPr txBox="1"/>
+              <p:nvPr/>
+            </p:nvSpPr>
+            <p:spPr>
+              <a:xfrm>
+                <a:off x="7237110" y="4273903"/>
+                <a:ext cx="2590800" cy="328935"/>
+              </a:xfrm>
+              <a:prstGeom prst="rect">
+                <a:avLst/>
+              </a:prstGeom>
+              <a:noFill/>
+              <a:ln w="12700" cap="flat">
+                <a:noFill/>
+                <a:miter lim="400000"/>
+              </a:ln>
+              <a:effectLst/>
+              <a:extLst>
+                <a:ext uri="{C572A759-6A51-4108-AA02-DFA0A04FC94B}">
+                  <ma14:wrappingTextBoxFlag xmlns:ma14="http://schemas.microsoft.com/office/mac/drawingml/2011/main" xmlns:a14="http://schemas.microsoft.com/office/drawing/2010/main" xmlns:m="http://schemas.openxmlformats.org/officeDocument/2006/math" xmlns="" val="1"/>
+                </a:ext>
+              </a:extLst>
+            </p:spPr>
+            <p:txBody>
+              <a:bodyPr wrap="square" lIns="71437" tIns="71437" rIns="71437" bIns="71437" numCol="1" anchor="ctr">
+                <a:spAutoFit/>
+              </a:bodyPr>
+              <a:lstStyle>
+                <a:lvl1pPr algn="l" defTabSz="821531">
+                  <a:defRPr sz="2400" b="0">
+                    <a:solidFill>
+                      <a:srgbClr val="FFFFFF"/>
+                    </a:solidFill>
+                    <a:latin typeface="Helvetica Neue Bold Condensed"/>
+                    <a:ea typeface="Helvetica Neue Bold Condensed"/>
+                    <a:cs typeface="Helvetica Neue Bold Condensed"/>
+                    <a:sym typeface="Helvetica Neue Bold Condensed"/>
+                  </a:defRPr>
+                </a:lvl1pPr>
+              </a:lstStyle>
+              <a:p>
+                <a:r>
+                  <a:rPr kumimoji="0" lang="zh-TW" altLang="en-US" sz="1050" b="0" i="0" u="none" strike="noStrike" cap="none" spc="0" normalizeH="0" baseline="0" dirty="0">
+                    <a:ln>
+                      <a:noFill/>
+                    </a:ln>
+                    <a:solidFill>
+                      <a:schemeClr val="tx1">
+                        <a:alpha val="15000"/>
+                      </a:schemeClr>
+                    </a:solidFill>
+                    <a:effectLst/>
+                    <a:uFillTx/>
+                    <a:latin typeface="Helvetica Neue Bold Condensed"/>
+                    <a:ea typeface="Helvetica Neue Bold Condensed"/>
+                    <a:cs typeface="Helvetica Neue Bold Condensed"/>
+                    <a:sym typeface="Helvetica Neue Bold Condensed"/>
+                  </a:rPr>
+                  <a:t>第</a:t>
+                </a:r>
+                <a:r>
+                  <a:rPr kumimoji="0" lang="en-US" altLang="zh-TW" sz="1050" b="0" i="0" u="none" strike="noStrike" cap="none" spc="0" normalizeH="0" baseline="0" dirty="0">
+                    <a:ln>
+                      <a:noFill/>
+                    </a:ln>
+                    <a:solidFill>
+                      <a:schemeClr val="tx1">
+                        <a:alpha val="15000"/>
+                      </a:schemeClr>
+                    </a:solidFill>
+                    <a:effectLst/>
+                    <a:uFillTx/>
+                    <a:latin typeface="Helvetica Neue Bold Condensed"/>
+                    <a:ea typeface="Helvetica Neue Bold Condensed"/>
+                    <a:cs typeface="Helvetica Neue Bold Condensed"/>
+                    <a:sym typeface="Helvetica Neue Bold Condensed"/>
+                  </a:rPr>
+                  <a:t>13</a:t>
+                </a:r>
+                <a:r>
+                  <a:rPr kumimoji="0" lang="zh-TW" altLang="en-US" sz="1050" b="0" i="0" u="none" strike="noStrike" cap="none" spc="0" normalizeH="0" baseline="0" dirty="0">
+                    <a:ln>
+                      <a:noFill/>
+                    </a:ln>
+                    <a:solidFill>
+                      <a:schemeClr val="tx1">
+                        <a:alpha val="15000"/>
+                      </a:schemeClr>
+                    </a:solidFill>
+                    <a:effectLst/>
+                    <a:uFillTx/>
+                    <a:latin typeface="Helvetica Neue Bold Condensed"/>
+                    <a:ea typeface="Helvetica Neue Bold Condensed"/>
+                    <a:cs typeface="Helvetica Neue Bold Condensed"/>
+                    <a:sym typeface="Helvetica Neue Bold Condensed"/>
+                  </a:rPr>
+                  <a:t>屆 </a:t>
+                </a:r>
+                <a:r>
+                  <a:rPr kumimoji="0" lang="en-US" sz="1200" b="0" i="0" u="none" strike="noStrike" cap="none" spc="0" normalizeH="0" baseline="0" dirty="0">
+                    <a:ln>
+                      <a:noFill/>
+                    </a:ln>
+                    <a:solidFill>
+                      <a:schemeClr val="tx1">
+                        <a:alpha val="15000"/>
+                      </a:schemeClr>
+                    </a:solidFill>
+                    <a:effectLst/>
+                    <a:uFillTx/>
+                    <a:latin typeface="Helvetica Neue Bold Condensed"/>
+                    <a:ea typeface="Helvetica Neue Bold Condensed"/>
+                    <a:cs typeface="Helvetica Neue Bold Condensed"/>
+                    <a:sym typeface="Helvetica Neue Bold Condensed"/>
+                  </a:rPr>
+                  <a:t>iT</a:t>
+                </a:r>
+                <a:r>
+                  <a:rPr kumimoji="0" lang="zh-TW" altLang="en-US" sz="1100" b="0" i="0" u="none" strike="noStrike" cap="none" spc="0" normalizeH="0" baseline="0" dirty="0">
+                    <a:ln>
+                      <a:noFill/>
+                    </a:ln>
+                    <a:solidFill>
+                      <a:schemeClr val="tx1">
+                        <a:alpha val="15000"/>
+                      </a:schemeClr>
+                    </a:solidFill>
+                    <a:effectLst/>
+                    <a:uFillTx/>
+                    <a:latin typeface="Helvetica Neue Bold Condensed"/>
+                    <a:ea typeface="Helvetica Neue Bold Condensed"/>
+                    <a:cs typeface="Helvetica Neue Bold Condensed"/>
+                    <a:sym typeface="Helvetica Neue Bold Condensed"/>
+                  </a:rPr>
+                  <a:t>邦</a:t>
+                </a:r>
+                <a:r>
+                  <a:rPr kumimoji="0" lang="zh-TW" altLang="en-US" sz="1000" b="0" i="0" u="none" strike="noStrike" cap="none" spc="0" normalizeH="0" baseline="0" dirty="0">
+                    <a:ln>
+                      <a:noFill/>
+                    </a:ln>
+                    <a:solidFill>
+                      <a:schemeClr val="tx1">
+                        <a:alpha val="15000"/>
+                      </a:schemeClr>
+                    </a:solidFill>
+                    <a:effectLst/>
+                    <a:uFillTx/>
+                    <a:latin typeface="Helvetica Neue Bold Condensed"/>
+                    <a:ea typeface="Helvetica Neue Bold Condensed"/>
+                    <a:cs typeface="Helvetica Neue Bold Condensed"/>
+                    <a:sym typeface="Helvetica Neue Bold Condensed"/>
+                  </a:rPr>
+                  <a:t>幫忙</a:t>
+                </a:r>
+                <a:r>
+                  <a:rPr kumimoji="0" lang="zh-TW" altLang="en-US" sz="1100" b="0" i="0" u="none" strike="noStrike" cap="none" spc="0" normalizeH="0" baseline="0" dirty="0">
+                    <a:ln>
+                      <a:noFill/>
+                    </a:ln>
+                    <a:solidFill>
+                      <a:schemeClr val="tx1">
+                        <a:alpha val="15000"/>
+                      </a:schemeClr>
+                    </a:solidFill>
+                    <a:effectLst/>
+                    <a:uFillTx/>
+                    <a:latin typeface="Helvetica Neue Bold Condensed"/>
+                    <a:ea typeface="Helvetica Neue Bold Condensed"/>
+                    <a:cs typeface="Helvetica Neue Bold Condensed"/>
+                    <a:sym typeface="Helvetica Neue Bold Condensed"/>
+                  </a:rPr>
+                  <a:t> 鐵人賽</a:t>
+                </a:r>
+                <a:endParaRPr sz="1100" dirty="0">
+                  <a:solidFill>
+                    <a:schemeClr val="tx1">
+                      <a:alpha val="15000"/>
+                    </a:schemeClr>
+                  </a:solidFill>
+                </a:endParaRPr>
+              </a:p>
+            </p:txBody>
+          </p:sp>
+          <p:sp>
+            <p:nvSpPr>
+              <p:cNvPr id="11" name="Intelligent Information Retrieval Laboratory">
+                <a:extLst>
+                  <a:ext uri="{FF2B5EF4-FFF2-40B4-BE49-F238E27FC236}">
+                    <a16:creationId xmlns:a16="http://schemas.microsoft.com/office/drawing/2014/main" id="{4CCC2039-39F9-5445-A584-48CD147D33E2}"/>
+                  </a:ext>
+                </a:extLst>
+              </p:cNvPr>
+              <p:cNvSpPr txBox="1"/>
+              <p:nvPr/>
+            </p:nvSpPr>
+            <p:spPr>
+              <a:xfrm>
+                <a:off x="8753784" y="4289292"/>
+                <a:ext cx="1219200" cy="313546"/>
+              </a:xfrm>
+              <a:prstGeom prst="rect">
+                <a:avLst/>
+              </a:prstGeom>
+              <a:noFill/>
+              <a:ln w="12700" cap="flat">
+                <a:noFill/>
+                <a:miter lim="400000"/>
+              </a:ln>
+              <a:effectLst/>
+              <a:extLst>
+                <a:ext uri="{C572A759-6A51-4108-AA02-DFA0A04FC94B}">
+                  <ma14:wrappingTextBoxFlag xmlns:ma14="http://schemas.microsoft.com/office/mac/drawingml/2011/main" xmlns:a14="http://schemas.microsoft.com/office/drawing/2010/main" xmlns:m="http://schemas.openxmlformats.org/officeDocument/2006/math" xmlns="" val="1"/>
+                </a:ext>
+              </a:extLst>
+            </p:spPr>
+            <p:txBody>
+              <a:bodyPr wrap="square" lIns="71437" tIns="71437" rIns="71437" bIns="71437" numCol="1" anchor="ctr">
+                <a:spAutoFit/>
+              </a:bodyPr>
+              <a:lstStyle>
+                <a:lvl1pPr algn="l" defTabSz="821531">
+                  <a:defRPr sz="2400" b="0">
+                    <a:solidFill>
+                      <a:srgbClr val="FFFFFF"/>
+                    </a:solidFill>
+                    <a:latin typeface="Helvetica Neue Bold Condensed"/>
+                    <a:ea typeface="Helvetica Neue Bold Condensed"/>
+                    <a:cs typeface="Helvetica Neue Bold Condensed"/>
+                    <a:sym typeface="Helvetica Neue Bold Condensed"/>
+                  </a:defRPr>
+                </a:lvl1pPr>
+              </a:lstStyle>
+              <a:p>
+                <a:r>
+                  <a:rPr kumimoji="0" lang="en-US" altLang="zh-TW" sz="1050" b="0" i="0" u="none" strike="noStrike" cap="none" spc="0" normalizeH="0" baseline="0" dirty="0">
+                    <a:ln>
+                      <a:noFill/>
+                    </a:ln>
+                    <a:solidFill>
+                      <a:schemeClr val="tx1">
+                        <a:alpha val="15000"/>
+                      </a:schemeClr>
+                    </a:solidFill>
+                    <a:effectLst/>
+                    <a:uFillTx/>
+                    <a:latin typeface="Helvetica Neue Bold Condensed"/>
+                    <a:ea typeface="Helvetica Neue Bold Condensed"/>
+                    <a:cs typeface="Helvetica Neue Bold Condensed"/>
+                    <a:sym typeface="Helvetica Neue Bold Condensed"/>
+                  </a:rPr>
+                  <a:t>AI &amp; Data </a:t>
+                </a:r>
+                <a:r>
+                  <a:rPr kumimoji="0" lang="zh-TW" altLang="en-US" sz="1050" b="0" i="0" u="none" strike="noStrike" cap="none" spc="0" normalizeH="0" baseline="0" dirty="0">
+                    <a:ln>
+                      <a:noFill/>
+                    </a:ln>
+                    <a:solidFill>
+                      <a:schemeClr val="tx1">
+                        <a:alpha val="15000"/>
+                      </a:schemeClr>
+                    </a:solidFill>
+                    <a:effectLst/>
+                    <a:uFillTx/>
+                    <a:latin typeface="Helvetica Neue Bold Condensed"/>
+                    <a:ea typeface="Helvetica Neue Bold Condensed"/>
+                    <a:cs typeface="Helvetica Neue Bold Condensed"/>
+                    <a:sym typeface="Helvetica Neue Bold Condensed"/>
+                  </a:rPr>
+                  <a:t>組</a:t>
+                </a:r>
+                <a:endParaRPr sz="1100" dirty="0">
+                  <a:solidFill>
+                    <a:schemeClr val="tx1">
+                      <a:alpha val="15000"/>
+                    </a:schemeClr>
+                  </a:solidFill>
+                </a:endParaRPr>
+              </a:p>
+            </p:txBody>
+          </p:sp>
+        </p:grpSp>
+        <p:grpSp>
+          <p:nvGrpSpPr>
+            <p:cNvPr id="6" name="Group 5">
+              <a:extLst>
+                <a:ext uri="{FF2B5EF4-FFF2-40B4-BE49-F238E27FC236}">
+                  <a16:creationId xmlns:a16="http://schemas.microsoft.com/office/drawing/2014/main" id="{0AC6AFD2-2684-EC42-8BCD-1A5BD9BF38FF}"/>
+                </a:ext>
+              </a:extLst>
+            </p:cNvPr>
+            <p:cNvGrpSpPr/>
+            <p:nvPr/>
+          </p:nvGrpSpPr>
+          <p:grpSpPr>
+            <a:xfrm>
+              <a:off x="7247835" y="3971848"/>
+              <a:ext cx="1876735" cy="1050587"/>
+              <a:chOff x="3891792" y="3940042"/>
+              <a:chExt cx="1876735" cy="1050587"/>
+            </a:xfrm>
+          </p:grpSpPr>
+          <p:pic>
+            <p:nvPicPr>
+              <p:cNvPr id="7" name="Picture 6">
+                <a:extLst>
+                  <a:ext uri="{FF2B5EF4-FFF2-40B4-BE49-F238E27FC236}">
+                    <a16:creationId xmlns:a16="http://schemas.microsoft.com/office/drawing/2014/main" id="{041A1B2E-05B8-E544-B892-36E65CC432E9}"/>
+                  </a:ext>
+                </a:extLst>
+              </p:cNvPr>
+              <p:cNvPicPr>
+                <a:picLocks noChangeAspect="1" noChangeArrowheads="1"/>
+              </p:cNvPicPr>
+              <p:nvPr/>
+            </p:nvPicPr>
+            <p:blipFill>
+              <a:blip r:embed="rId2">
+                <a:duotone>
+                  <a:prstClr val="black"/>
+                  <a:schemeClr val="tx1">
+                    <a:tint val="45000"/>
+                    <a:satMod val="400000"/>
+                  </a:schemeClr>
+                </a:duotone>
+                <a:alphaModFix amt="20000"/>
+              </a:blip>
+              <a:srcRect/>
+              <a:stretch/>
+            </p:blipFill>
+            <p:spPr bwMode="auto">
+              <a:xfrm>
+                <a:off x="4489805" y="3940042"/>
+                <a:ext cx="1050587" cy="1050587"/>
+              </a:xfrm>
+              <a:prstGeom prst="rect">
+                <a:avLst/>
+              </a:prstGeom>
+              <a:noFill/>
+              <a:extLst>
+                <a:ext uri="{909E8E84-426E-40DD-AFC4-6F175D3DCCD1}">
+                  <a14:hiddenFill xmlns:a14="http://schemas.microsoft.com/office/drawing/2010/main">
+                    <a:solidFill>
+                      <a:srgbClr val="FFFFFF"/>
+                    </a:solidFill>
+                  </a14:hiddenFill>
+                </a:ext>
+              </a:extLst>
+            </p:spPr>
+          </p:pic>
+          <p:pic>
+            <p:nvPicPr>
+              <p:cNvPr id="8" name="Picture 4" descr="Youtube logo | Logok">
+                <a:extLst>
+                  <a:ext uri="{FF2B5EF4-FFF2-40B4-BE49-F238E27FC236}">
+                    <a16:creationId xmlns:a16="http://schemas.microsoft.com/office/drawing/2014/main" id="{4EAF3711-BA57-3948-8402-EAEA0FF683B4}"/>
+                  </a:ext>
+                </a:extLst>
+              </p:cNvPr>
+              <p:cNvPicPr>
+                <a:picLocks noChangeAspect="1" noChangeArrowheads="1"/>
+              </p:cNvPicPr>
+              <p:nvPr/>
+            </p:nvPicPr>
+            <p:blipFill>
+              <a:blip r:embed="rId3">
+                <a:alphaModFix amt="20000"/>
+                <a:extLst>
+                  <a:ext uri="{28A0092B-C50C-407E-A947-70E740481C1C}">
+                    <a14:useLocalDpi xmlns:a14="http://schemas.microsoft.com/office/drawing/2010/main" val="0"/>
+                  </a:ext>
+                </a:extLst>
+              </a:blip>
+              <a:srcRect/>
+              <a:stretch>
+                <a:fillRect/>
+              </a:stretch>
+            </p:blipFill>
+            <p:spPr bwMode="auto">
+              <a:xfrm>
+                <a:off x="3891792" y="4187926"/>
+                <a:ext cx="739756" cy="554817"/>
+              </a:xfrm>
+              <a:prstGeom prst="rect">
+                <a:avLst/>
+              </a:prstGeom>
+              <a:noFill/>
+              <a:extLst>
+                <a:ext uri="{909E8E84-426E-40DD-AFC4-6F175D3DCCD1}">
+                  <a14:hiddenFill xmlns:a14="http://schemas.microsoft.com/office/drawing/2010/main">
+                    <a:solidFill>
+                      <a:srgbClr val="FFFFFF"/>
+                    </a:solidFill>
+                  </a14:hiddenFill>
+                </a:ext>
+              </a:extLst>
+            </p:spPr>
+          </p:pic>
+          <p:sp>
+            <p:nvSpPr>
+              <p:cNvPr id="9" name="Intelligent Information Retrieval Laboratory">
+                <a:extLst>
+                  <a:ext uri="{FF2B5EF4-FFF2-40B4-BE49-F238E27FC236}">
+                    <a16:creationId xmlns:a16="http://schemas.microsoft.com/office/drawing/2014/main" id="{A3E9F9EF-EE85-514C-B8F6-4A8B8BB38844}"/>
+                  </a:ext>
+                </a:extLst>
+              </p:cNvPr>
+              <p:cNvSpPr txBox="1"/>
+              <p:nvPr/>
+            </p:nvSpPr>
+            <p:spPr>
+              <a:xfrm>
+                <a:off x="4549327" y="4308601"/>
+                <a:ext cx="1219200" cy="328935"/>
+              </a:xfrm>
+              <a:prstGeom prst="rect">
+                <a:avLst/>
+              </a:prstGeom>
+              <a:noFill/>
+              <a:ln w="12700" cap="flat">
+                <a:noFill/>
+                <a:miter lim="400000"/>
+              </a:ln>
+              <a:effectLst/>
+              <a:extLst>
+                <a:ext uri="{C572A759-6A51-4108-AA02-DFA0A04FC94B}">
+                  <ma14:wrappingTextBoxFlag xmlns:ma14="http://schemas.microsoft.com/office/mac/drawingml/2011/main" xmlns:a14="http://schemas.microsoft.com/office/drawing/2010/main" xmlns:m="http://schemas.openxmlformats.org/officeDocument/2006/math" xmlns="" val="1"/>
+                </a:ext>
+              </a:extLst>
+            </p:spPr>
+            <p:txBody>
+              <a:bodyPr wrap="square" lIns="71437" tIns="71437" rIns="71437" bIns="71437" numCol="1" anchor="ctr">
+                <a:spAutoFit/>
+              </a:bodyPr>
+              <a:lstStyle>
+                <a:lvl1pPr algn="l" defTabSz="821531">
+                  <a:defRPr sz="2400" b="0">
+                    <a:solidFill>
+                      <a:srgbClr val="FFFFFF"/>
+                    </a:solidFill>
+                    <a:latin typeface="Helvetica Neue Bold Condensed"/>
+                    <a:ea typeface="Helvetica Neue Bold Condensed"/>
+                    <a:cs typeface="Helvetica Neue Bold Condensed"/>
+                    <a:sym typeface="Helvetica Neue Bold Condensed"/>
+                  </a:defRPr>
+                </a:lvl1pPr>
+              </a:lstStyle>
+              <a:p>
+                <a:r>
+                  <a:rPr kumimoji="0" lang="en-US" altLang="zh-TW" sz="1200" b="0" i="0" u="none" strike="noStrike" cap="none" spc="0" normalizeH="0" baseline="0" dirty="0">
+                    <a:ln>
+                      <a:noFill/>
+                    </a:ln>
+                    <a:solidFill>
+                      <a:schemeClr val="tx1">
+                        <a:alpha val="15000"/>
+                      </a:schemeClr>
+                    </a:solidFill>
+                    <a:effectLst/>
+                    <a:uFillTx/>
+                    <a:latin typeface="Helvetica Neue Bold Condensed"/>
+                    <a:ea typeface="Helvetica Neue Bold Condensed"/>
+                    <a:cs typeface="Helvetica Neue Bold Condensed"/>
+                    <a:sym typeface="Helvetica Neue Bold Condensed"/>
+                  </a:rPr>
+                  <a:t>10</a:t>
+                </a:r>
+                <a:r>
+                  <a:rPr kumimoji="0" lang="zh-TW" altLang="en-US" sz="1200" b="0" i="0" u="none" strike="noStrike" cap="none" spc="0" normalizeH="0" baseline="0" dirty="0">
+                    <a:ln>
+                      <a:noFill/>
+                    </a:ln>
+                    <a:solidFill>
+                      <a:schemeClr val="tx1">
+                        <a:alpha val="15000"/>
+                      </a:schemeClr>
+                    </a:solidFill>
+                    <a:effectLst/>
+                    <a:uFillTx/>
+                    <a:sym typeface="Helvetica Neue Bold Condensed"/>
+                  </a:rPr>
+                  <a:t>程式中</a:t>
+                </a:r>
+                <a:endParaRPr sz="1400" dirty="0">
+                  <a:solidFill>
+                    <a:schemeClr val="tx1">
+                      <a:alpha val="15000"/>
+                    </a:schemeClr>
+                  </a:solidFill>
+                </a:endParaRPr>
+              </a:p>
+            </p:txBody>
+          </p:sp>
+        </p:grpSp>
+      </p:grpSp>
+      <p:pic>
+        <p:nvPicPr>
+          <p:cNvPr id="14" name="Picture 13">
+            <a:extLst>
+              <a:ext uri="{FF2B5EF4-FFF2-40B4-BE49-F238E27FC236}">
+                <a16:creationId xmlns:a16="http://schemas.microsoft.com/office/drawing/2014/main" id="{7310F728-6229-3B43-B1D7-3595193B38E7}"/>
+              </a:ext>
+            </a:extLst>
+          </p:cNvPr>
+          <p:cNvPicPr>
+            <a:picLocks noChangeAspect="1"/>
+          </p:cNvPicPr>
+          <p:nvPr/>
+        </p:nvPicPr>
+        <p:blipFill>
+          <a:blip r:embed="rId4"/>
+          <a:stretch>
+            <a:fillRect/>
+          </a:stretch>
+        </p:blipFill>
+        <p:spPr>
+          <a:xfrm>
+            <a:off x="2551290" y="1764339"/>
+            <a:ext cx="7136687" cy="3016944"/>
+          </a:xfrm>
+          <a:prstGeom prst="rect">
+            <a:avLst/>
+          </a:prstGeom>
+        </p:spPr>
+      </p:pic>
+    </p:spTree>
+    <p:extLst>
+      <p:ext uri="{BB962C8B-B14F-4D97-AF65-F5344CB8AC3E}">
+        <p14:creationId xmlns:p14="http://schemas.microsoft.com/office/powerpoint/2010/main" val="3480714315"/>
+      </p:ext>
+    </p:extLst>
+  </p:cSld>
+  <p:clrMapOvr>
+    <a:masterClrMapping/>
+  </p:clrMapOvr>
+</p:sld>
+</file>
+
+<file path=ppt/slides/slide5.xml><?xml version="1.0" encoding="utf-8"?>
+<p:sld xmlns:a="http://schemas.openxmlformats.org/drawingml/2006/main" xmlns:r="http://schemas.openxmlformats.org/officeDocument/2006/relationships" xmlns:p="http://schemas.openxmlformats.org/presentationml/2006/main">
+  <p:cSld>
+    <p:spTree>
+      <p:nvGrpSpPr>
+        <p:cNvPr id="1" name=""/>
+        <p:cNvGrpSpPr/>
+        <p:nvPr/>
+      </p:nvGrpSpPr>
+      <p:grpSpPr>
+        <a:xfrm>
+          <a:off x="0" y="0"/>
+          <a:ext cx="0" cy="0"/>
+          <a:chOff x="0" y="0"/>
+          <a:chExt cx="0" cy="0"/>
+        </a:xfrm>
+      </p:grpSpPr>
+      <p:grpSp>
+        <p:nvGrpSpPr>
+          <p:cNvPr id="3" name="Group 2">
+            <a:extLst>
+              <a:ext uri="{FF2B5EF4-FFF2-40B4-BE49-F238E27FC236}">
+                <a16:creationId xmlns:a16="http://schemas.microsoft.com/office/drawing/2014/main" id="{035F827A-66F1-764B-B17D-8AD8F019D234}"/>
+              </a:ext>
+            </a:extLst>
+          </p:cNvPr>
+          <p:cNvGrpSpPr/>
+          <p:nvPr/>
+        </p:nvGrpSpPr>
+        <p:grpSpPr>
+          <a:xfrm>
+            <a:off x="3408987" y="4494954"/>
+            <a:ext cx="5764444" cy="1050587"/>
+            <a:chOff x="3360126" y="3971848"/>
+            <a:chExt cx="5764444" cy="1050587"/>
+          </a:xfrm>
+        </p:grpSpPr>
+        <p:grpSp>
+          <p:nvGrpSpPr>
+            <p:cNvPr id="4" name="Group 3">
+              <a:extLst>
+                <a:ext uri="{FF2B5EF4-FFF2-40B4-BE49-F238E27FC236}">
+                  <a16:creationId xmlns:a16="http://schemas.microsoft.com/office/drawing/2014/main" id="{587E4793-D2BB-2241-AE31-40FAC40D14AA}"/>
+                </a:ext>
+              </a:extLst>
+            </p:cNvPr>
+            <p:cNvGrpSpPr/>
+            <p:nvPr/>
+          </p:nvGrpSpPr>
+          <p:grpSpPr>
+            <a:xfrm>
+              <a:off x="3360126" y="4324980"/>
+              <a:ext cx="2735874" cy="328935"/>
+              <a:chOff x="7237110" y="4273903"/>
+              <a:chExt cx="2735874" cy="328935"/>
+            </a:xfrm>
+          </p:grpSpPr>
+          <p:sp>
+            <p:nvSpPr>
+              <p:cNvPr id="9" name="Intelligent Information Retrieval Laboratory">
+                <a:extLst>
+                  <a:ext uri="{FF2B5EF4-FFF2-40B4-BE49-F238E27FC236}">
+                    <a16:creationId xmlns:a16="http://schemas.microsoft.com/office/drawing/2014/main" id="{5876EEB0-7E0D-D449-9E01-8BB993BFC646}"/>
+                  </a:ext>
+                </a:extLst>
+              </p:cNvPr>
+              <p:cNvSpPr txBox="1"/>
+              <p:nvPr/>
+            </p:nvSpPr>
+            <p:spPr>
+              <a:xfrm>
+                <a:off x="7237110" y="4273903"/>
+                <a:ext cx="2590800" cy="328935"/>
+              </a:xfrm>
+              <a:prstGeom prst="rect">
+                <a:avLst/>
+              </a:prstGeom>
+              <a:noFill/>
+              <a:ln w="12700" cap="flat">
+                <a:noFill/>
+                <a:miter lim="400000"/>
+              </a:ln>
+              <a:effectLst/>
+              <a:extLst>
+                <a:ext uri="{C572A759-6A51-4108-AA02-DFA0A04FC94B}">
+                  <ma14:wrappingTextBoxFlag xmlns:ma14="http://schemas.microsoft.com/office/mac/drawingml/2011/main" xmlns:a14="http://schemas.microsoft.com/office/drawing/2010/main" xmlns:m="http://schemas.openxmlformats.org/officeDocument/2006/math" xmlns="" val="1"/>
+                </a:ext>
+              </a:extLst>
+            </p:spPr>
+            <p:txBody>
+              <a:bodyPr wrap="square" lIns="71437" tIns="71437" rIns="71437" bIns="71437" numCol="1" anchor="ctr">
+                <a:spAutoFit/>
+              </a:bodyPr>
+              <a:lstStyle>
+                <a:lvl1pPr algn="l" defTabSz="821531">
+                  <a:defRPr sz="2400" b="0">
+                    <a:solidFill>
+                      <a:srgbClr val="FFFFFF"/>
+                    </a:solidFill>
+                    <a:latin typeface="Helvetica Neue Bold Condensed"/>
+                    <a:ea typeface="Helvetica Neue Bold Condensed"/>
+                    <a:cs typeface="Helvetica Neue Bold Condensed"/>
+                    <a:sym typeface="Helvetica Neue Bold Condensed"/>
+                  </a:defRPr>
+                </a:lvl1pPr>
+              </a:lstStyle>
+              <a:p>
+                <a:r>
+                  <a:rPr kumimoji="0" lang="zh-TW" altLang="en-US" sz="1050" b="0" i="0" u="none" strike="noStrike" cap="none" spc="0" normalizeH="0" baseline="0" dirty="0">
+                    <a:ln>
+                      <a:noFill/>
+                    </a:ln>
+                    <a:solidFill>
+                      <a:schemeClr val="tx1">
+                        <a:alpha val="15000"/>
+                      </a:schemeClr>
+                    </a:solidFill>
+                    <a:effectLst/>
+                    <a:uFillTx/>
+                    <a:latin typeface="Helvetica Neue Bold Condensed"/>
+                    <a:ea typeface="Helvetica Neue Bold Condensed"/>
+                    <a:cs typeface="Helvetica Neue Bold Condensed"/>
+                    <a:sym typeface="Helvetica Neue Bold Condensed"/>
+                  </a:rPr>
+                  <a:t>第</a:t>
+                </a:r>
+                <a:r>
+                  <a:rPr kumimoji="0" lang="en-US" altLang="zh-TW" sz="1050" b="0" i="0" u="none" strike="noStrike" cap="none" spc="0" normalizeH="0" baseline="0" dirty="0">
+                    <a:ln>
+                      <a:noFill/>
+                    </a:ln>
+                    <a:solidFill>
+                      <a:schemeClr val="tx1">
+                        <a:alpha val="15000"/>
+                      </a:schemeClr>
+                    </a:solidFill>
+                    <a:effectLst/>
+                    <a:uFillTx/>
+                    <a:latin typeface="Helvetica Neue Bold Condensed"/>
+                    <a:ea typeface="Helvetica Neue Bold Condensed"/>
+                    <a:cs typeface="Helvetica Neue Bold Condensed"/>
+                    <a:sym typeface="Helvetica Neue Bold Condensed"/>
+                  </a:rPr>
+                  <a:t>13</a:t>
+                </a:r>
+                <a:r>
+                  <a:rPr kumimoji="0" lang="zh-TW" altLang="en-US" sz="1050" b="0" i="0" u="none" strike="noStrike" cap="none" spc="0" normalizeH="0" baseline="0" dirty="0">
+                    <a:ln>
+                      <a:noFill/>
+                    </a:ln>
+                    <a:solidFill>
+                      <a:schemeClr val="tx1">
+                        <a:alpha val="15000"/>
+                      </a:schemeClr>
+                    </a:solidFill>
+                    <a:effectLst/>
+                    <a:uFillTx/>
+                    <a:latin typeface="Helvetica Neue Bold Condensed"/>
+                    <a:ea typeface="Helvetica Neue Bold Condensed"/>
+                    <a:cs typeface="Helvetica Neue Bold Condensed"/>
+                    <a:sym typeface="Helvetica Neue Bold Condensed"/>
+                  </a:rPr>
+                  <a:t>屆 </a:t>
+                </a:r>
+                <a:r>
+                  <a:rPr kumimoji="0" lang="en-US" sz="1200" b="0" i="0" u="none" strike="noStrike" cap="none" spc="0" normalizeH="0" baseline="0" dirty="0">
+                    <a:ln>
+                      <a:noFill/>
+                    </a:ln>
+                    <a:solidFill>
+                      <a:schemeClr val="tx1">
+                        <a:alpha val="15000"/>
+                      </a:schemeClr>
+                    </a:solidFill>
+                    <a:effectLst/>
+                    <a:uFillTx/>
+                    <a:latin typeface="Helvetica Neue Bold Condensed"/>
+                    <a:ea typeface="Helvetica Neue Bold Condensed"/>
+                    <a:cs typeface="Helvetica Neue Bold Condensed"/>
+                    <a:sym typeface="Helvetica Neue Bold Condensed"/>
+                  </a:rPr>
+                  <a:t>iT</a:t>
+                </a:r>
+                <a:r>
+                  <a:rPr kumimoji="0" lang="zh-TW" altLang="en-US" sz="1100" b="0" i="0" u="none" strike="noStrike" cap="none" spc="0" normalizeH="0" baseline="0" dirty="0">
+                    <a:ln>
+                      <a:noFill/>
+                    </a:ln>
+                    <a:solidFill>
+                      <a:schemeClr val="tx1">
+                        <a:alpha val="15000"/>
+                      </a:schemeClr>
+                    </a:solidFill>
+                    <a:effectLst/>
+                    <a:uFillTx/>
+                    <a:latin typeface="Helvetica Neue Bold Condensed"/>
+                    <a:ea typeface="Helvetica Neue Bold Condensed"/>
+                    <a:cs typeface="Helvetica Neue Bold Condensed"/>
+                    <a:sym typeface="Helvetica Neue Bold Condensed"/>
+                  </a:rPr>
+                  <a:t>邦</a:t>
+                </a:r>
+                <a:r>
+                  <a:rPr kumimoji="0" lang="zh-TW" altLang="en-US" sz="1000" b="0" i="0" u="none" strike="noStrike" cap="none" spc="0" normalizeH="0" baseline="0" dirty="0">
+                    <a:ln>
+                      <a:noFill/>
+                    </a:ln>
+                    <a:solidFill>
+                      <a:schemeClr val="tx1">
+                        <a:alpha val="15000"/>
+                      </a:schemeClr>
+                    </a:solidFill>
+                    <a:effectLst/>
+                    <a:uFillTx/>
+                    <a:latin typeface="Helvetica Neue Bold Condensed"/>
+                    <a:ea typeface="Helvetica Neue Bold Condensed"/>
+                    <a:cs typeface="Helvetica Neue Bold Condensed"/>
+                    <a:sym typeface="Helvetica Neue Bold Condensed"/>
+                  </a:rPr>
+                  <a:t>幫忙</a:t>
+                </a:r>
+                <a:r>
+                  <a:rPr kumimoji="0" lang="zh-TW" altLang="en-US" sz="1100" b="0" i="0" u="none" strike="noStrike" cap="none" spc="0" normalizeH="0" baseline="0" dirty="0">
+                    <a:ln>
+                      <a:noFill/>
+                    </a:ln>
+                    <a:solidFill>
+                      <a:schemeClr val="tx1">
+                        <a:alpha val="15000"/>
+                      </a:schemeClr>
+                    </a:solidFill>
+                    <a:effectLst/>
+                    <a:uFillTx/>
+                    <a:latin typeface="Helvetica Neue Bold Condensed"/>
+                    <a:ea typeface="Helvetica Neue Bold Condensed"/>
+                    <a:cs typeface="Helvetica Neue Bold Condensed"/>
+                    <a:sym typeface="Helvetica Neue Bold Condensed"/>
+                  </a:rPr>
+                  <a:t> 鐵人賽</a:t>
+                </a:r>
+                <a:endParaRPr sz="1100" dirty="0">
+                  <a:solidFill>
+                    <a:schemeClr val="tx1">
+                      <a:alpha val="15000"/>
+                    </a:schemeClr>
+                  </a:solidFill>
+                </a:endParaRPr>
+              </a:p>
+            </p:txBody>
+          </p:sp>
+          <p:sp>
+            <p:nvSpPr>
+              <p:cNvPr id="10" name="Intelligent Information Retrieval Laboratory">
+                <a:extLst>
+                  <a:ext uri="{FF2B5EF4-FFF2-40B4-BE49-F238E27FC236}">
+                    <a16:creationId xmlns:a16="http://schemas.microsoft.com/office/drawing/2014/main" id="{0B21DC8E-FB67-7646-9E07-63CA6FB4F8D2}"/>
+                  </a:ext>
+                </a:extLst>
+              </p:cNvPr>
+              <p:cNvSpPr txBox="1"/>
+              <p:nvPr/>
+            </p:nvSpPr>
+            <p:spPr>
+              <a:xfrm>
+                <a:off x="8753784" y="4289292"/>
+                <a:ext cx="1219200" cy="313546"/>
+              </a:xfrm>
+              <a:prstGeom prst="rect">
+                <a:avLst/>
+              </a:prstGeom>
+              <a:noFill/>
+              <a:ln w="12700" cap="flat">
+                <a:noFill/>
+                <a:miter lim="400000"/>
+              </a:ln>
+              <a:effectLst/>
+              <a:extLst>
+                <a:ext uri="{C572A759-6A51-4108-AA02-DFA0A04FC94B}">
+                  <ma14:wrappingTextBoxFlag xmlns:ma14="http://schemas.microsoft.com/office/mac/drawingml/2011/main" xmlns:a14="http://schemas.microsoft.com/office/drawing/2010/main" xmlns:m="http://schemas.openxmlformats.org/officeDocument/2006/math" xmlns="" val="1"/>
+                </a:ext>
+              </a:extLst>
+            </p:spPr>
+            <p:txBody>
+              <a:bodyPr wrap="square" lIns="71437" tIns="71437" rIns="71437" bIns="71437" numCol="1" anchor="ctr">
+                <a:spAutoFit/>
+              </a:bodyPr>
+              <a:lstStyle>
+                <a:lvl1pPr algn="l" defTabSz="821531">
+                  <a:defRPr sz="2400" b="0">
+                    <a:solidFill>
+                      <a:srgbClr val="FFFFFF"/>
+                    </a:solidFill>
+                    <a:latin typeface="Helvetica Neue Bold Condensed"/>
+                    <a:ea typeface="Helvetica Neue Bold Condensed"/>
+                    <a:cs typeface="Helvetica Neue Bold Condensed"/>
+                    <a:sym typeface="Helvetica Neue Bold Condensed"/>
+                  </a:defRPr>
+                </a:lvl1pPr>
+              </a:lstStyle>
+              <a:p>
+                <a:r>
+                  <a:rPr kumimoji="0" lang="en-US" altLang="zh-TW" sz="1050" b="0" i="0" u="none" strike="noStrike" cap="none" spc="0" normalizeH="0" baseline="0" dirty="0">
+                    <a:ln>
+                      <a:noFill/>
+                    </a:ln>
+                    <a:solidFill>
+                      <a:schemeClr val="tx1">
+                        <a:alpha val="15000"/>
+                      </a:schemeClr>
+                    </a:solidFill>
+                    <a:effectLst/>
+                    <a:uFillTx/>
+                    <a:latin typeface="Helvetica Neue Bold Condensed"/>
+                    <a:ea typeface="Helvetica Neue Bold Condensed"/>
+                    <a:cs typeface="Helvetica Neue Bold Condensed"/>
+                    <a:sym typeface="Helvetica Neue Bold Condensed"/>
+                  </a:rPr>
+                  <a:t>AI &amp; Data </a:t>
+                </a:r>
+                <a:r>
+                  <a:rPr kumimoji="0" lang="zh-TW" altLang="en-US" sz="1050" b="0" i="0" u="none" strike="noStrike" cap="none" spc="0" normalizeH="0" baseline="0" dirty="0">
+                    <a:ln>
+                      <a:noFill/>
+                    </a:ln>
+                    <a:solidFill>
+                      <a:schemeClr val="tx1">
+                        <a:alpha val="15000"/>
+                      </a:schemeClr>
+                    </a:solidFill>
+                    <a:effectLst/>
+                    <a:uFillTx/>
+                    <a:latin typeface="Helvetica Neue Bold Condensed"/>
+                    <a:ea typeface="Helvetica Neue Bold Condensed"/>
+                    <a:cs typeface="Helvetica Neue Bold Condensed"/>
+                    <a:sym typeface="Helvetica Neue Bold Condensed"/>
+                  </a:rPr>
+                  <a:t>組</a:t>
+                </a:r>
+                <a:endParaRPr sz="1100" dirty="0">
+                  <a:solidFill>
+                    <a:schemeClr val="tx1">
+                      <a:alpha val="15000"/>
+                    </a:schemeClr>
+                  </a:solidFill>
+                </a:endParaRPr>
+              </a:p>
+            </p:txBody>
+          </p:sp>
+        </p:grpSp>
+        <p:grpSp>
+          <p:nvGrpSpPr>
+            <p:cNvPr id="5" name="Group 4">
+              <a:extLst>
+                <a:ext uri="{FF2B5EF4-FFF2-40B4-BE49-F238E27FC236}">
+                  <a16:creationId xmlns:a16="http://schemas.microsoft.com/office/drawing/2014/main" id="{84A35CCB-BED6-BC42-A6AE-86108D46F8BA}"/>
+                </a:ext>
+              </a:extLst>
+            </p:cNvPr>
+            <p:cNvGrpSpPr/>
+            <p:nvPr/>
+          </p:nvGrpSpPr>
+          <p:grpSpPr>
+            <a:xfrm>
+              <a:off x="7247835" y="3971848"/>
+              <a:ext cx="1876735" cy="1050587"/>
+              <a:chOff x="3891792" y="3940042"/>
+              <a:chExt cx="1876735" cy="1050587"/>
+            </a:xfrm>
+          </p:grpSpPr>
+          <p:pic>
+            <p:nvPicPr>
+              <p:cNvPr id="6" name="Picture 5">
+                <a:extLst>
+                  <a:ext uri="{FF2B5EF4-FFF2-40B4-BE49-F238E27FC236}">
+                    <a16:creationId xmlns:a16="http://schemas.microsoft.com/office/drawing/2014/main" id="{40C8A408-FA83-EA49-A196-455C4570F7AF}"/>
+                  </a:ext>
+                </a:extLst>
+              </p:cNvPr>
+              <p:cNvPicPr>
+                <a:picLocks noChangeAspect="1" noChangeArrowheads="1"/>
+              </p:cNvPicPr>
+              <p:nvPr/>
+            </p:nvPicPr>
+            <p:blipFill>
+              <a:blip r:embed="rId2">
+                <a:duotone>
+                  <a:prstClr val="black"/>
+                  <a:schemeClr val="tx1">
+                    <a:tint val="45000"/>
+                    <a:satMod val="400000"/>
+                  </a:schemeClr>
+                </a:duotone>
+                <a:alphaModFix amt="20000"/>
+              </a:blip>
+              <a:srcRect/>
+              <a:stretch/>
+            </p:blipFill>
+            <p:spPr bwMode="auto">
+              <a:xfrm>
+                <a:off x="4489805" y="3940042"/>
+                <a:ext cx="1050587" cy="1050587"/>
+              </a:xfrm>
+              <a:prstGeom prst="rect">
+                <a:avLst/>
+              </a:prstGeom>
+              <a:noFill/>
+              <a:extLst>
+                <a:ext uri="{909E8E84-426E-40DD-AFC4-6F175D3DCCD1}">
+                  <a14:hiddenFill xmlns:a14="http://schemas.microsoft.com/office/drawing/2010/main">
+                    <a:solidFill>
+                      <a:srgbClr val="FFFFFF"/>
+                    </a:solidFill>
+                  </a14:hiddenFill>
+                </a:ext>
+              </a:extLst>
+            </p:spPr>
+          </p:pic>
+          <p:pic>
+            <p:nvPicPr>
+              <p:cNvPr id="7" name="Picture 4" descr="Youtube logo | Logok">
+                <a:extLst>
+                  <a:ext uri="{FF2B5EF4-FFF2-40B4-BE49-F238E27FC236}">
+                    <a16:creationId xmlns:a16="http://schemas.microsoft.com/office/drawing/2014/main" id="{109859D2-02AF-3F44-8A1C-FE09814A1A69}"/>
+                  </a:ext>
+                </a:extLst>
+              </p:cNvPr>
+              <p:cNvPicPr>
+                <a:picLocks noChangeAspect="1" noChangeArrowheads="1"/>
+              </p:cNvPicPr>
+              <p:nvPr/>
+            </p:nvPicPr>
+            <p:blipFill>
+              <a:blip r:embed="rId3">
+                <a:alphaModFix amt="20000"/>
+                <a:extLst>
+                  <a:ext uri="{28A0092B-C50C-407E-A947-70E740481C1C}">
+                    <a14:useLocalDpi xmlns:a14="http://schemas.microsoft.com/office/drawing/2010/main" val="0"/>
+                  </a:ext>
+                </a:extLst>
+              </a:blip>
+              <a:srcRect/>
+              <a:stretch>
+                <a:fillRect/>
+              </a:stretch>
+            </p:blipFill>
+            <p:spPr bwMode="auto">
+              <a:xfrm>
+                <a:off x="3891792" y="4187926"/>
+                <a:ext cx="739756" cy="554817"/>
+              </a:xfrm>
+              <a:prstGeom prst="rect">
+                <a:avLst/>
+              </a:prstGeom>
+              <a:noFill/>
+              <a:extLst>
+                <a:ext uri="{909E8E84-426E-40DD-AFC4-6F175D3DCCD1}">
+                  <a14:hiddenFill xmlns:a14="http://schemas.microsoft.com/office/drawing/2010/main">
+                    <a:solidFill>
+                      <a:srgbClr val="FFFFFF"/>
+                    </a:solidFill>
+                  </a14:hiddenFill>
+                </a:ext>
+              </a:extLst>
+            </p:spPr>
+          </p:pic>
+          <p:sp>
+            <p:nvSpPr>
+              <p:cNvPr id="8" name="Intelligent Information Retrieval Laboratory">
+                <a:extLst>
+                  <a:ext uri="{FF2B5EF4-FFF2-40B4-BE49-F238E27FC236}">
+                    <a16:creationId xmlns:a16="http://schemas.microsoft.com/office/drawing/2014/main" id="{C2D8D06B-E080-2541-B630-653C37FF79D6}"/>
+                  </a:ext>
+                </a:extLst>
+              </p:cNvPr>
+              <p:cNvSpPr txBox="1"/>
+              <p:nvPr/>
+            </p:nvSpPr>
+            <p:spPr>
+              <a:xfrm>
+                <a:off x="4549327" y="4308601"/>
+                <a:ext cx="1219200" cy="328935"/>
+              </a:xfrm>
+              <a:prstGeom prst="rect">
+                <a:avLst/>
+              </a:prstGeom>
+              <a:noFill/>
+              <a:ln w="12700" cap="flat">
+                <a:noFill/>
+                <a:miter lim="400000"/>
+              </a:ln>
+              <a:effectLst/>
+              <a:extLst>
+                <a:ext uri="{C572A759-6A51-4108-AA02-DFA0A04FC94B}">
+                  <ma14:wrappingTextBoxFlag xmlns:ma14="http://schemas.microsoft.com/office/mac/drawingml/2011/main" xmlns:a14="http://schemas.microsoft.com/office/drawing/2010/main" xmlns:m="http://schemas.openxmlformats.org/officeDocument/2006/math" xmlns="" val="1"/>
+                </a:ext>
+              </a:extLst>
+            </p:spPr>
+            <p:txBody>
+              <a:bodyPr wrap="square" lIns="71437" tIns="71437" rIns="71437" bIns="71437" numCol="1" anchor="ctr">
+                <a:spAutoFit/>
+              </a:bodyPr>
+              <a:lstStyle>
+                <a:lvl1pPr algn="l" defTabSz="821531">
+                  <a:defRPr sz="2400" b="0">
+                    <a:solidFill>
+                      <a:srgbClr val="FFFFFF"/>
+                    </a:solidFill>
+                    <a:latin typeface="Helvetica Neue Bold Condensed"/>
+                    <a:ea typeface="Helvetica Neue Bold Condensed"/>
+                    <a:cs typeface="Helvetica Neue Bold Condensed"/>
+                    <a:sym typeface="Helvetica Neue Bold Condensed"/>
+                  </a:defRPr>
+                </a:lvl1pPr>
+              </a:lstStyle>
+              <a:p>
+                <a:r>
+                  <a:rPr kumimoji="0" lang="en-US" altLang="zh-TW" sz="1200" b="0" i="0" u="none" strike="noStrike" cap="none" spc="0" normalizeH="0" baseline="0" dirty="0">
+                    <a:ln>
+                      <a:noFill/>
+                    </a:ln>
+                    <a:solidFill>
+                      <a:schemeClr val="tx1">
+                        <a:alpha val="15000"/>
+                      </a:schemeClr>
+                    </a:solidFill>
+                    <a:effectLst/>
+                    <a:uFillTx/>
+                    <a:latin typeface="Helvetica Neue Bold Condensed"/>
+                    <a:ea typeface="Helvetica Neue Bold Condensed"/>
+                    <a:cs typeface="Helvetica Neue Bold Condensed"/>
+                    <a:sym typeface="Helvetica Neue Bold Condensed"/>
+                  </a:rPr>
+                  <a:t>10</a:t>
+                </a:r>
+                <a:r>
+                  <a:rPr kumimoji="0" lang="zh-TW" altLang="en-US" sz="1200" b="0" i="0" u="none" strike="noStrike" cap="none" spc="0" normalizeH="0" baseline="0" dirty="0">
+                    <a:ln>
+                      <a:noFill/>
+                    </a:ln>
+                    <a:solidFill>
+                      <a:schemeClr val="tx1">
+                        <a:alpha val="15000"/>
+                      </a:schemeClr>
+                    </a:solidFill>
+                    <a:effectLst/>
+                    <a:uFillTx/>
+                    <a:sym typeface="Helvetica Neue Bold Condensed"/>
+                  </a:rPr>
+                  <a:t>程式中</a:t>
+                </a:r>
+                <a:endParaRPr sz="1400" dirty="0">
+                  <a:solidFill>
+                    <a:schemeClr val="tx1">
+                      <a:alpha val="15000"/>
+                    </a:schemeClr>
+                  </a:solidFill>
+                </a:endParaRPr>
+              </a:p>
+            </p:txBody>
+          </p:sp>
+        </p:grpSp>
+      </p:grpSp>
+      <p:pic>
+        <p:nvPicPr>
+          <p:cNvPr id="12" name="Picture 11">
+            <a:extLst>
+              <a:ext uri="{FF2B5EF4-FFF2-40B4-BE49-F238E27FC236}">
+                <a16:creationId xmlns:a16="http://schemas.microsoft.com/office/drawing/2014/main" id="{9ADA7CE2-CFBC-794E-8E96-C36AE4BC720B}"/>
+              </a:ext>
+            </a:extLst>
+          </p:cNvPr>
+          <p:cNvPicPr>
+            <a:picLocks noChangeAspect="1"/>
+          </p:cNvPicPr>
+          <p:nvPr/>
+        </p:nvPicPr>
+        <p:blipFill>
+          <a:blip r:embed="rId4"/>
+          <a:stretch>
+            <a:fillRect/>
+          </a:stretch>
+        </p:blipFill>
+        <p:spPr>
+          <a:xfrm>
+            <a:off x="2676440" y="2042592"/>
+            <a:ext cx="6936841" cy="2820883"/>
+          </a:xfrm>
+          <a:prstGeom prst="rect">
+            <a:avLst/>
+          </a:prstGeom>
+        </p:spPr>
+      </p:pic>
+      <p:pic>
+        <p:nvPicPr>
+          <p:cNvPr id="14" name="Picture 13">
+            <a:extLst>
+              <a:ext uri="{FF2B5EF4-FFF2-40B4-BE49-F238E27FC236}">
+                <a16:creationId xmlns:a16="http://schemas.microsoft.com/office/drawing/2014/main" id="{F495C4AB-51F0-EF4A-9D32-61018020EA0F}"/>
+              </a:ext>
+            </a:extLst>
+          </p:cNvPr>
+          <p:cNvPicPr>
+            <a:picLocks noChangeAspect="1"/>
+          </p:cNvPicPr>
+          <p:nvPr/>
+        </p:nvPicPr>
+        <p:blipFill>
+          <a:blip r:embed="rId5"/>
+          <a:stretch>
+            <a:fillRect/>
+          </a:stretch>
+        </p:blipFill>
+        <p:spPr>
+          <a:xfrm>
+            <a:off x="2805337" y="1960507"/>
+            <a:ext cx="6710223" cy="2895274"/>
+          </a:xfrm>
+          <a:prstGeom prst="rect">
+            <a:avLst/>
+          </a:prstGeom>
+        </p:spPr>
+      </p:pic>
+    </p:spTree>
+    <p:extLst>
+      <p:ext uri="{BB962C8B-B14F-4D97-AF65-F5344CB8AC3E}">
+        <p14:creationId xmlns:p14="http://schemas.microsoft.com/office/powerpoint/2010/main" val="553873502"/>
+      </p:ext>
+    </p:extLst>
+  </p:cSld>
+  <p:clrMapOvr>
+    <a:masterClrMapping/>
+  </p:clrMapOvr>
+</p:sld>
+</file>
+
+<file path=ppt/slides/slide6.xml><?xml version="1.0" encoding="utf-8"?>
+<p:sld xmlns:a="http://schemas.openxmlformats.org/drawingml/2006/main" xmlns:r="http://schemas.openxmlformats.org/officeDocument/2006/relationships" xmlns:p="http://schemas.openxmlformats.org/presentationml/2006/main">
+  <p:cSld>
+    <p:spTree>
+      <p:nvGrpSpPr>
+        <p:cNvPr id="1" name=""/>
+        <p:cNvGrpSpPr/>
+        <p:nvPr/>
+      </p:nvGrpSpPr>
+      <p:grpSpPr>
+        <a:xfrm>
+          <a:off x="0" y="0"/>
+          <a:ext cx="0" cy="0"/>
+          <a:chOff x="0" y="0"/>
+          <a:chExt cx="0" cy="0"/>
+        </a:xfrm>
+      </p:grpSpPr>
+      <p:pic>
+        <p:nvPicPr>
+          <p:cNvPr id="3" name="Picture 2">
+            <a:extLst>
+              <a:ext uri="{FF2B5EF4-FFF2-40B4-BE49-F238E27FC236}">
+                <a16:creationId xmlns:a16="http://schemas.microsoft.com/office/drawing/2014/main" id="{4E43F7EA-2908-D54E-BDD2-73E67C5EEDDD}"/>
+              </a:ext>
+            </a:extLst>
+          </p:cNvPr>
+          <p:cNvPicPr>
+            <a:picLocks noChangeAspect="1"/>
+          </p:cNvPicPr>
+          <p:nvPr/>
+        </p:nvPicPr>
+        <p:blipFill>
+          <a:blip r:embed="rId2"/>
+          <a:stretch>
+            <a:fillRect/>
+          </a:stretch>
+        </p:blipFill>
+        <p:spPr>
+          <a:xfrm>
+            <a:off x="2714381" y="2570465"/>
+            <a:ext cx="6655478" cy="1717069"/>
+          </a:xfrm>
+          <a:prstGeom prst="rect">
+            <a:avLst/>
+          </a:prstGeom>
+        </p:spPr>
+      </p:pic>
+      <p:grpSp>
+        <p:nvGrpSpPr>
+          <p:cNvPr id="4" name="Group 3">
+            <a:extLst>
+              <a:ext uri="{FF2B5EF4-FFF2-40B4-BE49-F238E27FC236}">
+                <a16:creationId xmlns:a16="http://schemas.microsoft.com/office/drawing/2014/main" id="{F3FFD880-8163-4747-9003-1AEA8210B876}"/>
+              </a:ext>
+            </a:extLst>
+          </p:cNvPr>
+          <p:cNvGrpSpPr/>
+          <p:nvPr/>
+        </p:nvGrpSpPr>
+        <p:grpSpPr>
+          <a:xfrm>
+            <a:off x="3306246" y="3878505"/>
+            <a:ext cx="5764444" cy="1050587"/>
+            <a:chOff x="3360126" y="3971848"/>
+            <a:chExt cx="5764444" cy="1050587"/>
+          </a:xfrm>
+        </p:grpSpPr>
+        <p:grpSp>
+          <p:nvGrpSpPr>
+            <p:cNvPr id="5" name="Group 4">
+              <a:extLst>
+                <a:ext uri="{FF2B5EF4-FFF2-40B4-BE49-F238E27FC236}">
+                  <a16:creationId xmlns:a16="http://schemas.microsoft.com/office/drawing/2014/main" id="{BBD4F05D-3940-6E45-A2CF-434F7283DFCC}"/>
+                </a:ext>
+              </a:extLst>
+            </p:cNvPr>
+            <p:cNvGrpSpPr/>
+            <p:nvPr/>
+          </p:nvGrpSpPr>
+          <p:grpSpPr>
+            <a:xfrm>
+              <a:off x="3360126" y="4324980"/>
+              <a:ext cx="2735874" cy="328935"/>
+              <a:chOff x="7237110" y="4273903"/>
+              <a:chExt cx="2735874" cy="328935"/>
+            </a:xfrm>
+          </p:grpSpPr>
+          <p:sp>
+            <p:nvSpPr>
+              <p:cNvPr id="10" name="Intelligent Information Retrieval Laboratory">
+                <a:extLst>
+                  <a:ext uri="{FF2B5EF4-FFF2-40B4-BE49-F238E27FC236}">
+                    <a16:creationId xmlns:a16="http://schemas.microsoft.com/office/drawing/2014/main" id="{DA4C429F-7265-8D41-ABD0-3629E24971E9}"/>
+                  </a:ext>
+                </a:extLst>
+              </p:cNvPr>
+              <p:cNvSpPr txBox="1"/>
+              <p:nvPr/>
+            </p:nvSpPr>
+            <p:spPr>
+              <a:xfrm>
+                <a:off x="7237110" y="4273903"/>
+                <a:ext cx="2590800" cy="328935"/>
+              </a:xfrm>
+              <a:prstGeom prst="rect">
+                <a:avLst/>
+              </a:prstGeom>
+              <a:noFill/>
+              <a:ln w="12700" cap="flat">
+                <a:noFill/>
+                <a:miter lim="400000"/>
+              </a:ln>
+              <a:effectLst/>
+              <a:extLst>
+                <a:ext uri="{C572A759-6A51-4108-AA02-DFA0A04FC94B}">
+                  <ma14:wrappingTextBoxFlag xmlns:ma14="http://schemas.microsoft.com/office/mac/drawingml/2011/main" xmlns:a14="http://schemas.microsoft.com/office/drawing/2010/main" xmlns:m="http://schemas.openxmlformats.org/officeDocument/2006/math" xmlns="" val="1"/>
+                </a:ext>
+              </a:extLst>
+            </p:spPr>
+            <p:txBody>
+              <a:bodyPr wrap="square" lIns="71437" tIns="71437" rIns="71437" bIns="71437" numCol="1" anchor="ctr">
+                <a:spAutoFit/>
+              </a:bodyPr>
+              <a:lstStyle>
+                <a:lvl1pPr algn="l" defTabSz="821531">
+                  <a:defRPr sz="2400" b="0">
+                    <a:solidFill>
+                      <a:srgbClr val="FFFFFF"/>
+                    </a:solidFill>
+                    <a:latin typeface="Helvetica Neue Bold Condensed"/>
+                    <a:ea typeface="Helvetica Neue Bold Condensed"/>
+                    <a:cs typeface="Helvetica Neue Bold Condensed"/>
+                    <a:sym typeface="Helvetica Neue Bold Condensed"/>
+                  </a:defRPr>
+                </a:lvl1pPr>
+              </a:lstStyle>
+              <a:p>
+                <a:r>
+                  <a:rPr kumimoji="0" lang="zh-TW" altLang="en-US" sz="1050" b="0" i="0" u="none" strike="noStrike" cap="none" spc="0" normalizeH="0" baseline="0" dirty="0">
+                    <a:ln>
+                      <a:noFill/>
+                    </a:ln>
+                    <a:solidFill>
+                      <a:schemeClr val="tx1">
+                        <a:alpha val="15000"/>
+                      </a:schemeClr>
+                    </a:solidFill>
+                    <a:effectLst/>
+                    <a:uFillTx/>
+                    <a:latin typeface="Helvetica Neue Bold Condensed"/>
+                    <a:ea typeface="Helvetica Neue Bold Condensed"/>
+                    <a:cs typeface="Helvetica Neue Bold Condensed"/>
+                    <a:sym typeface="Helvetica Neue Bold Condensed"/>
+                  </a:rPr>
+                  <a:t>第</a:t>
+                </a:r>
+                <a:r>
+                  <a:rPr kumimoji="0" lang="en-US" altLang="zh-TW" sz="1050" b="0" i="0" u="none" strike="noStrike" cap="none" spc="0" normalizeH="0" baseline="0" dirty="0">
+                    <a:ln>
+                      <a:noFill/>
+                    </a:ln>
+                    <a:solidFill>
+                      <a:schemeClr val="tx1">
+                        <a:alpha val="15000"/>
+                      </a:schemeClr>
+                    </a:solidFill>
+                    <a:effectLst/>
+                    <a:uFillTx/>
+                    <a:latin typeface="Helvetica Neue Bold Condensed"/>
+                    <a:ea typeface="Helvetica Neue Bold Condensed"/>
+                    <a:cs typeface="Helvetica Neue Bold Condensed"/>
+                    <a:sym typeface="Helvetica Neue Bold Condensed"/>
+                  </a:rPr>
+                  <a:t>13</a:t>
+                </a:r>
+                <a:r>
+                  <a:rPr kumimoji="0" lang="zh-TW" altLang="en-US" sz="1050" b="0" i="0" u="none" strike="noStrike" cap="none" spc="0" normalizeH="0" baseline="0" dirty="0">
+                    <a:ln>
+                      <a:noFill/>
+                    </a:ln>
+                    <a:solidFill>
+                      <a:schemeClr val="tx1">
+                        <a:alpha val="15000"/>
+                      </a:schemeClr>
+                    </a:solidFill>
+                    <a:effectLst/>
+                    <a:uFillTx/>
+                    <a:latin typeface="Helvetica Neue Bold Condensed"/>
+                    <a:ea typeface="Helvetica Neue Bold Condensed"/>
+                    <a:cs typeface="Helvetica Neue Bold Condensed"/>
+                    <a:sym typeface="Helvetica Neue Bold Condensed"/>
+                  </a:rPr>
+                  <a:t>屆 </a:t>
+                </a:r>
+                <a:r>
+                  <a:rPr kumimoji="0" lang="en-US" sz="1200" b="0" i="0" u="none" strike="noStrike" cap="none" spc="0" normalizeH="0" baseline="0" dirty="0">
+                    <a:ln>
+                      <a:noFill/>
+                    </a:ln>
+                    <a:solidFill>
+                      <a:schemeClr val="tx1">
+                        <a:alpha val="15000"/>
+                      </a:schemeClr>
+                    </a:solidFill>
+                    <a:effectLst/>
+                    <a:uFillTx/>
+                    <a:latin typeface="Helvetica Neue Bold Condensed"/>
+                    <a:ea typeface="Helvetica Neue Bold Condensed"/>
+                    <a:cs typeface="Helvetica Neue Bold Condensed"/>
+                    <a:sym typeface="Helvetica Neue Bold Condensed"/>
+                  </a:rPr>
+                  <a:t>iT</a:t>
+                </a:r>
+                <a:r>
+                  <a:rPr kumimoji="0" lang="zh-TW" altLang="en-US" sz="1100" b="0" i="0" u="none" strike="noStrike" cap="none" spc="0" normalizeH="0" baseline="0" dirty="0">
+                    <a:ln>
+                      <a:noFill/>
+                    </a:ln>
+                    <a:solidFill>
+                      <a:schemeClr val="tx1">
+                        <a:alpha val="15000"/>
+                      </a:schemeClr>
+                    </a:solidFill>
+                    <a:effectLst/>
+                    <a:uFillTx/>
+                    <a:latin typeface="Helvetica Neue Bold Condensed"/>
+                    <a:ea typeface="Helvetica Neue Bold Condensed"/>
+                    <a:cs typeface="Helvetica Neue Bold Condensed"/>
+                    <a:sym typeface="Helvetica Neue Bold Condensed"/>
+                  </a:rPr>
+                  <a:t>邦</a:t>
+                </a:r>
+                <a:r>
+                  <a:rPr kumimoji="0" lang="zh-TW" altLang="en-US" sz="1000" b="0" i="0" u="none" strike="noStrike" cap="none" spc="0" normalizeH="0" baseline="0" dirty="0">
+                    <a:ln>
+                      <a:noFill/>
+                    </a:ln>
+                    <a:solidFill>
+                      <a:schemeClr val="tx1">
+                        <a:alpha val="15000"/>
+                      </a:schemeClr>
+                    </a:solidFill>
+                    <a:effectLst/>
+                    <a:uFillTx/>
+                    <a:latin typeface="Helvetica Neue Bold Condensed"/>
+                    <a:ea typeface="Helvetica Neue Bold Condensed"/>
+                    <a:cs typeface="Helvetica Neue Bold Condensed"/>
+                    <a:sym typeface="Helvetica Neue Bold Condensed"/>
+                  </a:rPr>
+                  <a:t>幫忙</a:t>
+                </a:r>
+                <a:r>
+                  <a:rPr kumimoji="0" lang="zh-TW" altLang="en-US" sz="1100" b="0" i="0" u="none" strike="noStrike" cap="none" spc="0" normalizeH="0" baseline="0" dirty="0">
+                    <a:ln>
+                      <a:noFill/>
+                    </a:ln>
+                    <a:solidFill>
+                      <a:schemeClr val="tx1">
+                        <a:alpha val="15000"/>
+                      </a:schemeClr>
+                    </a:solidFill>
+                    <a:effectLst/>
+                    <a:uFillTx/>
+                    <a:latin typeface="Helvetica Neue Bold Condensed"/>
+                    <a:ea typeface="Helvetica Neue Bold Condensed"/>
+                    <a:cs typeface="Helvetica Neue Bold Condensed"/>
+                    <a:sym typeface="Helvetica Neue Bold Condensed"/>
+                  </a:rPr>
+                  <a:t> 鐵人賽</a:t>
+                </a:r>
+                <a:endParaRPr sz="1100" dirty="0">
+                  <a:solidFill>
+                    <a:schemeClr val="tx1">
+                      <a:alpha val="15000"/>
+                    </a:schemeClr>
+                  </a:solidFill>
+                </a:endParaRPr>
+              </a:p>
+            </p:txBody>
+          </p:sp>
+          <p:sp>
+            <p:nvSpPr>
+              <p:cNvPr id="11" name="Intelligent Information Retrieval Laboratory">
+                <a:extLst>
+                  <a:ext uri="{FF2B5EF4-FFF2-40B4-BE49-F238E27FC236}">
+                    <a16:creationId xmlns:a16="http://schemas.microsoft.com/office/drawing/2014/main" id="{3FF4B4F2-C296-3944-8956-DE65C20ABC44}"/>
+                  </a:ext>
+                </a:extLst>
+              </p:cNvPr>
+              <p:cNvSpPr txBox="1"/>
+              <p:nvPr/>
+            </p:nvSpPr>
+            <p:spPr>
+              <a:xfrm>
+                <a:off x="8753784" y="4289292"/>
+                <a:ext cx="1219200" cy="313546"/>
+              </a:xfrm>
+              <a:prstGeom prst="rect">
+                <a:avLst/>
+              </a:prstGeom>
+              <a:noFill/>
+              <a:ln w="12700" cap="flat">
+                <a:noFill/>
+                <a:miter lim="400000"/>
+              </a:ln>
+              <a:effectLst/>
+              <a:extLst>
+                <a:ext uri="{C572A759-6A51-4108-AA02-DFA0A04FC94B}">
+                  <ma14:wrappingTextBoxFlag xmlns:ma14="http://schemas.microsoft.com/office/mac/drawingml/2011/main" xmlns:a14="http://schemas.microsoft.com/office/drawing/2010/main" xmlns:m="http://schemas.openxmlformats.org/officeDocument/2006/math" xmlns="" val="1"/>
+                </a:ext>
+              </a:extLst>
+            </p:spPr>
+            <p:txBody>
+              <a:bodyPr wrap="square" lIns="71437" tIns="71437" rIns="71437" bIns="71437" numCol="1" anchor="ctr">
+                <a:spAutoFit/>
+              </a:bodyPr>
+              <a:lstStyle>
+                <a:lvl1pPr algn="l" defTabSz="821531">
+                  <a:defRPr sz="2400" b="0">
+                    <a:solidFill>
+                      <a:srgbClr val="FFFFFF"/>
+                    </a:solidFill>
+                    <a:latin typeface="Helvetica Neue Bold Condensed"/>
+                    <a:ea typeface="Helvetica Neue Bold Condensed"/>
+                    <a:cs typeface="Helvetica Neue Bold Condensed"/>
+                    <a:sym typeface="Helvetica Neue Bold Condensed"/>
+                  </a:defRPr>
+                </a:lvl1pPr>
+              </a:lstStyle>
+              <a:p>
+                <a:r>
+                  <a:rPr kumimoji="0" lang="en-US" altLang="zh-TW" sz="1050" b="0" i="0" u="none" strike="noStrike" cap="none" spc="0" normalizeH="0" baseline="0" dirty="0">
+                    <a:ln>
+                      <a:noFill/>
+                    </a:ln>
+                    <a:solidFill>
+                      <a:schemeClr val="tx1">
+                        <a:alpha val="15000"/>
+                      </a:schemeClr>
+                    </a:solidFill>
+                    <a:effectLst/>
+                    <a:uFillTx/>
+                    <a:latin typeface="Helvetica Neue Bold Condensed"/>
+                    <a:ea typeface="Helvetica Neue Bold Condensed"/>
+                    <a:cs typeface="Helvetica Neue Bold Condensed"/>
+                    <a:sym typeface="Helvetica Neue Bold Condensed"/>
+                  </a:rPr>
+                  <a:t>AI &amp; Data </a:t>
+                </a:r>
+                <a:r>
+                  <a:rPr kumimoji="0" lang="zh-TW" altLang="en-US" sz="1050" b="0" i="0" u="none" strike="noStrike" cap="none" spc="0" normalizeH="0" baseline="0" dirty="0">
+                    <a:ln>
+                      <a:noFill/>
+                    </a:ln>
+                    <a:solidFill>
+                      <a:schemeClr val="tx1">
+                        <a:alpha val="15000"/>
+                      </a:schemeClr>
+                    </a:solidFill>
+                    <a:effectLst/>
+                    <a:uFillTx/>
+                    <a:latin typeface="Helvetica Neue Bold Condensed"/>
+                    <a:ea typeface="Helvetica Neue Bold Condensed"/>
+                    <a:cs typeface="Helvetica Neue Bold Condensed"/>
+                    <a:sym typeface="Helvetica Neue Bold Condensed"/>
+                  </a:rPr>
+                  <a:t>組</a:t>
+                </a:r>
+                <a:endParaRPr sz="1100" dirty="0">
+                  <a:solidFill>
+                    <a:schemeClr val="tx1">
+                      <a:alpha val="15000"/>
+                    </a:schemeClr>
+                  </a:solidFill>
+                </a:endParaRPr>
+              </a:p>
+            </p:txBody>
+          </p:sp>
+        </p:grpSp>
+        <p:grpSp>
+          <p:nvGrpSpPr>
+            <p:cNvPr id="6" name="Group 5">
+              <a:extLst>
+                <a:ext uri="{FF2B5EF4-FFF2-40B4-BE49-F238E27FC236}">
+                  <a16:creationId xmlns:a16="http://schemas.microsoft.com/office/drawing/2014/main" id="{67F46370-7389-BA44-9C05-D101F5480DBA}"/>
+                </a:ext>
+              </a:extLst>
+            </p:cNvPr>
+            <p:cNvGrpSpPr/>
+            <p:nvPr/>
+          </p:nvGrpSpPr>
+          <p:grpSpPr>
+            <a:xfrm>
+              <a:off x="7247835" y="3971848"/>
+              <a:ext cx="1876735" cy="1050587"/>
+              <a:chOff x="3891792" y="3940042"/>
+              <a:chExt cx="1876735" cy="1050587"/>
+            </a:xfrm>
+          </p:grpSpPr>
+          <p:pic>
+            <p:nvPicPr>
+              <p:cNvPr id="7" name="Picture 6">
+                <a:extLst>
+                  <a:ext uri="{FF2B5EF4-FFF2-40B4-BE49-F238E27FC236}">
+                    <a16:creationId xmlns:a16="http://schemas.microsoft.com/office/drawing/2014/main" id="{019BBC26-0214-C54F-969B-0E938F159EBB}"/>
+                  </a:ext>
+                </a:extLst>
+              </p:cNvPr>
+              <p:cNvPicPr>
+                <a:picLocks noChangeAspect="1" noChangeArrowheads="1"/>
+              </p:cNvPicPr>
+              <p:nvPr/>
+            </p:nvPicPr>
+            <p:blipFill>
+              <a:blip r:embed="rId3">
+                <a:duotone>
+                  <a:prstClr val="black"/>
+                  <a:schemeClr val="tx1">
+                    <a:tint val="45000"/>
+                    <a:satMod val="400000"/>
+                  </a:schemeClr>
+                </a:duotone>
+                <a:alphaModFix amt="20000"/>
+              </a:blip>
+              <a:srcRect/>
+              <a:stretch/>
+            </p:blipFill>
+            <p:spPr bwMode="auto">
+              <a:xfrm>
+                <a:off x="4489805" y="3940042"/>
+                <a:ext cx="1050587" cy="1050587"/>
+              </a:xfrm>
+              <a:prstGeom prst="rect">
+                <a:avLst/>
+              </a:prstGeom>
+              <a:noFill/>
+              <a:extLst>
+                <a:ext uri="{909E8E84-426E-40DD-AFC4-6F175D3DCCD1}">
+                  <a14:hiddenFill xmlns:a14="http://schemas.microsoft.com/office/drawing/2010/main">
+                    <a:solidFill>
+                      <a:srgbClr val="FFFFFF"/>
+                    </a:solidFill>
+                  </a14:hiddenFill>
+                </a:ext>
+              </a:extLst>
+            </p:spPr>
+          </p:pic>
+          <p:pic>
+            <p:nvPicPr>
+              <p:cNvPr id="8" name="Picture 4" descr="Youtube logo | Logok">
+                <a:extLst>
+                  <a:ext uri="{FF2B5EF4-FFF2-40B4-BE49-F238E27FC236}">
+                    <a16:creationId xmlns:a16="http://schemas.microsoft.com/office/drawing/2014/main" id="{ABFD6AB2-9A8F-C24A-BEC8-2D649EA160A3}"/>
+                  </a:ext>
+                </a:extLst>
+              </p:cNvPr>
+              <p:cNvPicPr>
+                <a:picLocks noChangeAspect="1" noChangeArrowheads="1"/>
+              </p:cNvPicPr>
+              <p:nvPr/>
+            </p:nvPicPr>
+            <p:blipFill>
+              <a:blip r:embed="rId4">
+                <a:alphaModFix amt="20000"/>
+                <a:extLst>
+                  <a:ext uri="{28A0092B-C50C-407E-A947-70E740481C1C}">
+                    <a14:useLocalDpi xmlns:a14="http://schemas.microsoft.com/office/drawing/2010/main" val="0"/>
+                  </a:ext>
+                </a:extLst>
+              </a:blip>
+              <a:srcRect/>
+              <a:stretch>
+                <a:fillRect/>
+              </a:stretch>
+            </p:blipFill>
+            <p:spPr bwMode="auto">
+              <a:xfrm>
+                <a:off x="3891792" y="4187926"/>
+                <a:ext cx="739756" cy="554817"/>
+              </a:xfrm>
+              <a:prstGeom prst="rect">
+                <a:avLst/>
+              </a:prstGeom>
+              <a:noFill/>
+              <a:extLst>
+                <a:ext uri="{909E8E84-426E-40DD-AFC4-6F175D3DCCD1}">
+                  <a14:hiddenFill xmlns:a14="http://schemas.microsoft.com/office/drawing/2010/main">
+                    <a:solidFill>
+                      <a:srgbClr val="FFFFFF"/>
+                    </a:solidFill>
+                  </a14:hiddenFill>
+                </a:ext>
+              </a:extLst>
+            </p:spPr>
+          </p:pic>
+          <p:sp>
+            <p:nvSpPr>
+              <p:cNvPr id="9" name="Intelligent Information Retrieval Laboratory">
+                <a:extLst>
+                  <a:ext uri="{FF2B5EF4-FFF2-40B4-BE49-F238E27FC236}">
+                    <a16:creationId xmlns:a16="http://schemas.microsoft.com/office/drawing/2014/main" id="{FBC9EB99-D11A-104F-A76B-4F8F79A45A83}"/>
+                  </a:ext>
+                </a:extLst>
+              </p:cNvPr>
+              <p:cNvSpPr txBox="1"/>
+              <p:nvPr/>
+            </p:nvSpPr>
+            <p:spPr>
+              <a:xfrm>
+                <a:off x="4549327" y="4308601"/>
+                <a:ext cx="1219200" cy="328935"/>
+              </a:xfrm>
+              <a:prstGeom prst="rect">
+                <a:avLst/>
+              </a:prstGeom>
+              <a:noFill/>
+              <a:ln w="12700" cap="flat">
+                <a:noFill/>
+                <a:miter lim="400000"/>
+              </a:ln>
+              <a:effectLst/>
+              <a:extLst>
+                <a:ext uri="{C572A759-6A51-4108-AA02-DFA0A04FC94B}">
+                  <ma14:wrappingTextBoxFlag xmlns:ma14="http://schemas.microsoft.com/office/mac/drawingml/2011/main" xmlns:a14="http://schemas.microsoft.com/office/drawing/2010/main" xmlns:m="http://schemas.openxmlformats.org/officeDocument/2006/math" xmlns="" val="1"/>
+                </a:ext>
+              </a:extLst>
+            </p:spPr>
+            <p:txBody>
+              <a:bodyPr wrap="square" lIns="71437" tIns="71437" rIns="71437" bIns="71437" numCol="1" anchor="ctr">
+                <a:spAutoFit/>
+              </a:bodyPr>
+              <a:lstStyle>
+                <a:lvl1pPr algn="l" defTabSz="821531">
+                  <a:defRPr sz="2400" b="0">
+                    <a:solidFill>
+                      <a:srgbClr val="FFFFFF"/>
+                    </a:solidFill>
+                    <a:latin typeface="Helvetica Neue Bold Condensed"/>
+                    <a:ea typeface="Helvetica Neue Bold Condensed"/>
+                    <a:cs typeface="Helvetica Neue Bold Condensed"/>
+                    <a:sym typeface="Helvetica Neue Bold Condensed"/>
+                  </a:defRPr>
+                </a:lvl1pPr>
+              </a:lstStyle>
+              <a:p>
+                <a:r>
+                  <a:rPr kumimoji="0" lang="en-US" altLang="zh-TW" sz="1200" b="0" i="0" u="none" strike="noStrike" cap="none" spc="0" normalizeH="0" baseline="0" dirty="0">
+                    <a:ln>
+                      <a:noFill/>
+                    </a:ln>
+                    <a:solidFill>
+                      <a:schemeClr val="tx1">
+                        <a:alpha val="15000"/>
+                      </a:schemeClr>
+                    </a:solidFill>
+                    <a:effectLst/>
+                    <a:uFillTx/>
+                    <a:latin typeface="Helvetica Neue Bold Condensed"/>
+                    <a:ea typeface="Helvetica Neue Bold Condensed"/>
+                    <a:cs typeface="Helvetica Neue Bold Condensed"/>
+                    <a:sym typeface="Helvetica Neue Bold Condensed"/>
+                  </a:rPr>
+                  <a:t>10</a:t>
+                </a:r>
+                <a:r>
+                  <a:rPr kumimoji="0" lang="zh-TW" altLang="en-US" sz="1200" b="0" i="0" u="none" strike="noStrike" cap="none" spc="0" normalizeH="0" baseline="0" dirty="0">
+                    <a:ln>
+                      <a:noFill/>
+                    </a:ln>
+                    <a:solidFill>
+                      <a:schemeClr val="tx1">
+                        <a:alpha val="15000"/>
+                      </a:schemeClr>
+                    </a:solidFill>
+                    <a:effectLst/>
+                    <a:uFillTx/>
+                    <a:sym typeface="Helvetica Neue Bold Condensed"/>
+                  </a:rPr>
+                  <a:t>程式中</a:t>
+                </a:r>
+                <a:endParaRPr sz="1400" dirty="0">
+                  <a:solidFill>
+                    <a:schemeClr val="tx1">
+                      <a:alpha val="15000"/>
+                    </a:schemeClr>
+                  </a:solidFill>
+                </a:endParaRPr>
+              </a:p>
+            </p:txBody>
+          </p:sp>
+        </p:grpSp>
+      </p:grpSp>
+    </p:spTree>
+    <p:extLst>
+      <p:ext uri="{BB962C8B-B14F-4D97-AF65-F5344CB8AC3E}">
+        <p14:creationId xmlns:p14="http://schemas.microsoft.com/office/powerpoint/2010/main" val="3652359073"/>
+      </p:ext>
+    </p:extLst>
+  </p:cSld>
+  <p:clrMapOvr>
+    <a:masterClrMapping/>
+  </p:clrMapOvr>
+</p:sld>
+</file>
+
 <file path=ppt/theme/theme1.xml><?xml version="1.0" encoding="utf-8"?>
 <a:theme xmlns:a="http://schemas.openxmlformats.org/drawingml/2006/main" name="Office Theme">
   <a:themeElements>

--- a/_posts/ithome/2021/22.Plotly-Express/22.Plotly-Express.pptx
+++ b/_posts/ithome/2021/22.Plotly-Express/22.Plotly-Express.pptx
@@ -11,6 +11,15 @@
     <p:sldId id="258" r:id="rId5"/>
     <p:sldId id="259" r:id="rId6"/>
     <p:sldId id="260" r:id="rId7"/>
+    <p:sldId id="262" r:id="rId8"/>
+    <p:sldId id="263" r:id="rId9"/>
+    <p:sldId id="264" r:id="rId10"/>
+    <p:sldId id="265" r:id="rId11"/>
+    <p:sldId id="266" r:id="rId12"/>
+    <p:sldId id="267" r:id="rId13"/>
+    <p:sldId id="268" r:id="rId14"/>
+    <p:sldId id="269" r:id="rId15"/>
+    <p:sldId id="270" r:id="rId16"/>
   </p:sldIdLst>
   <p:sldSz cx="12192000" cy="6858000"/>
   <p:notesSz cx="6858000" cy="9144000"/>
@@ -3736,6 +3745,3636 @@
 </p:sld>
 </file>
 
+<file path=ppt/slides/slide10.xml><?xml version="1.0" encoding="utf-8"?>
+<p:sld xmlns:a="http://schemas.openxmlformats.org/drawingml/2006/main" xmlns:r="http://schemas.openxmlformats.org/officeDocument/2006/relationships" xmlns:p="http://schemas.openxmlformats.org/presentationml/2006/main">
+  <p:cSld>
+    <p:spTree>
+      <p:nvGrpSpPr>
+        <p:cNvPr id="1" name=""/>
+        <p:cNvGrpSpPr/>
+        <p:nvPr/>
+      </p:nvGrpSpPr>
+      <p:grpSpPr>
+        <a:xfrm>
+          <a:off x="0" y="0"/>
+          <a:ext cx="0" cy="0"/>
+          <a:chOff x="0" y="0"/>
+          <a:chExt cx="0" cy="0"/>
+        </a:xfrm>
+      </p:grpSpPr>
+      <p:grpSp>
+        <p:nvGrpSpPr>
+          <p:cNvPr id="2" name="Group 1">
+            <a:extLst>
+              <a:ext uri="{FF2B5EF4-FFF2-40B4-BE49-F238E27FC236}">
+                <a16:creationId xmlns:a16="http://schemas.microsoft.com/office/drawing/2014/main" id="{9EE63A1C-09FB-1C4A-8556-C80DF4C1B741}"/>
+              </a:ext>
+            </a:extLst>
+          </p:cNvPr>
+          <p:cNvGrpSpPr/>
+          <p:nvPr/>
+        </p:nvGrpSpPr>
+        <p:grpSpPr>
+          <a:xfrm>
+            <a:off x="3419261" y="4546326"/>
+            <a:ext cx="5764444" cy="1050587"/>
+            <a:chOff x="3360126" y="3971848"/>
+            <a:chExt cx="5764444" cy="1050587"/>
+          </a:xfrm>
+        </p:grpSpPr>
+        <p:grpSp>
+          <p:nvGrpSpPr>
+            <p:cNvPr id="3" name="Group 2">
+              <a:extLst>
+                <a:ext uri="{FF2B5EF4-FFF2-40B4-BE49-F238E27FC236}">
+                  <a16:creationId xmlns:a16="http://schemas.microsoft.com/office/drawing/2014/main" id="{DE8C079B-31C6-2349-B54A-0839B6C47870}"/>
+                </a:ext>
+              </a:extLst>
+            </p:cNvPr>
+            <p:cNvGrpSpPr/>
+            <p:nvPr/>
+          </p:nvGrpSpPr>
+          <p:grpSpPr>
+            <a:xfrm>
+              <a:off x="3360126" y="4324980"/>
+              <a:ext cx="2735874" cy="328935"/>
+              <a:chOff x="7237110" y="4273903"/>
+              <a:chExt cx="2735874" cy="328935"/>
+            </a:xfrm>
+          </p:grpSpPr>
+          <p:sp>
+            <p:nvSpPr>
+              <p:cNvPr id="8" name="Intelligent Information Retrieval Laboratory">
+                <a:extLst>
+                  <a:ext uri="{FF2B5EF4-FFF2-40B4-BE49-F238E27FC236}">
+                    <a16:creationId xmlns:a16="http://schemas.microsoft.com/office/drawing/2014/main" id="{B2433CFD-C3E4-D645-B759-0FDAA0B1BC6E}"/>
+                  </a:ext>
+                </a:extLst>
+              </p:cNvPr>
+              <p:cNvSpPr txBox="1"/>
+              <p:nvPr/>
+            </p:nvSpPr>
+            <p:spPr>
+              <a:xfrm>
+                <a:off x="7237110" y="4273903"/>
+                <a:ext cx="2590800" cy="328935"/>
+              </a:xfrm>
+              <a:prstGeom prst="rect">
+                <a:avLst/>
+              </a:prstGeom>
+              <a:noFill/>
+              <a:ln w="12700" cap="flat">
+                <a:noFill/>
+                <a:miter lim="400000"/>
+              </a:ln>
+              <a:effectLst/>
+              <a:extLst>
+                <a:ext uri="{C572A759-6A51-4108-AA02-DFA0A04FC94B}">
+                  <ma14:wrappingTextBoxFlag xmlns:ma14="http://schemas.microsoft.com/office/mac/drawingml/2011/main" xmlns:a14="http://schemas.microsoft.com/office/drawing/2010/main" xmlns:m="http://schemas.openxmlformats.org/officeDocument/2006/math" xmlns="" val="1"/>
+                </a:ext>
+              </a:extLst>
+            </p:spPr>
+            <p:txBody>
+              <a:bodyPr wrap="square" lIns="71437" tIns="71437" rIns="71437" bIns="71437" numCol="1" anchor="ctr">
+                <a:spAutoFit/>
+              </a:bodyPr>
+              <a:lstStyle>
+                <a:lvl1pPr algn="l" defTabSz="821531">
+                  <a:defRPr sz="2400" b="0">
+                    <a:solidFill>
+                      <a:srgbClr val="FFFFFF"/>
+                    </a:solidFill>
+                    <a:latin typeface="Helvetica Neue Bold Condensed"/>
+                    <a:ea typeface="Helvetica Neue Bold Condensed"/>
+                    <a:cs typeface="Helvetica Neue Bold Condensed"/>
+                    <a:sym typeface="Helvetica Neue Bold Condensed"/>
+                  </a:defRPr>
+                </a:lvl1pPr>
+              </a:lstStyle>
+              <a:p>
+                <a:r>
+                  <a:rPr kumimoji="0" lang="zh-TW" altLang="en-US" sz="1050" b="0" i="0" u="none" strike="noStrike" cap="none" spc="0" normalizeH="0" baseline="0" dirty="0">
+                    <a:ln>
+                      <a:noFill/>
+                    </a:ln>
+                    <a:solidFill>
+                      <a:schemeClr val="tx1">
+                        <a:alpha val="15000"/>
+                      </a:schemeClr>
+                    </a:solidFill>
+                    <a:effectLst/>
+                    <a:uFillTx/>
+                    <a:latin typeface="Helvetica Neue Bold Condensed"/>
+                    <a:ea typeface="Helvetica Neue Bold Condensed"/>
+                    <a:cs typeface="Helvetica Neue Bold Condensed"/>
+                    <a:sym typeface="Helvetica Neue Bold Condensed"/>
+                  </a:rPr>
+                  <a:t>第</a:t>
+                </a:r>
+                <a:r>
+                  <a:rPr kumimoji="0" lang="en-US" altLang="zh-TW" sz="1050" b="0" i="0" u="none" strike="noStrike" cap="none" spc="0" normalizeH="0" baseline="0" dirty="0">
+                    <a:ln>
+                      <a:noFill/>
+                    </a:ln>
+                    <a:solidFill>
+                      <a:schemeClr val="tx1">
+                        <a:alpha val="15000"/>
+                      </a:schemeClr>
+                    </a:solidFill>
+                    <a:effectLst/>
+                    <a:uFillTx/>
+                    <a:latin typeface="Helvetica Neue Bold Condensed"/>
+                    <a:ea typeface="Helvetica Neue Bold Condensed"/>
+                    <a:cs typeface="Helvetica Neue Bold Condensed"/>
+                    <a:sym typeface="Helvetica Neue Bold Condensed"/>
+                  </a:rPr>
+                  <a:t>13</a:t>
+                </a:r>
+                <a:r>
+                  <a:rPr kumimoji="0" lang="zh-TW" altLang="en-US" sz="1050" b="0" i="0" u="none" strike="noStrike" cap="none" spc="0" normalizeH="0" baseline="0" dirty="0">
+                    <a:ln>
+                      <a:noFill/>
+                    </a:ln>
+                    <a:solidFill>
+                      <a:schemeClr val="tx1">
+                        <a:alpha val="15000"/>
+                      </a:schemeClr>
+                    </a:solidFill>
+                    <a:effectLst/>
+                    <a:uFillTx/>
+                    <a:latin typeface="Helvetica Neue Bold Condensed"/>
+                    <a:ea typeface="Helvetica Neue Bold Condensed"/>
+                    <a:cs typeface="Helvetica Neue Bold Condensed"/>
+                    <a:sym typeface="Helvetica Neue Bold Condensed"/>
+                  </a:rPr>
+                  <a:t>屆 </a:t>
+                </a:r>
+                <a:r>
+                  <a:rPr kumimoji="0" lang="en-US" sz="1200" b="0" i="0" u="none" strike="noStrike" cap="none" spc="0" normalizeH="0" baseline="0" dirty="0">
+                    <a:ln>
+                      <a:noFill/>
+                    </a:ln>
+                    <a:solidFill>
+                      <a:schemeClr val="tx1">
+                        <a:alpha val="15000"/>
+                      </a:schemeClr>
+                    </a:solidFill>
+                    <a:effectLst/>
+                    <a:uFillTx/>
+                    <a:latin typeface="Helvetica Neue Bold Condensed"/>
+                    <a:ea typeface="Helvetica Neue Bold Condensed"/>
+                    <a:cs typeface="Helvetica Neue Bold Condensed"/>
+                    <a:sym typeface="Helvetica Neue Bold Condensed"/>
+                  </a:rPr>
+                  <a:t>iT</a:t>
+                </a:r>
+                <a:r>
+                  <a:rPr kumimoji="0" lang="zh-TW" altLang="en-US" sz="1100" b="0" i="0" u="none" strike="noStrike" cap="none" spc="0" normalizeH="0" baseline="0" dirty="0">
+                    <a:ln>
+                      <a:noFill/>
+                    </a:ln>
+                    <a:solidFill>
+                      <a:schemeClr val="tx1">
+                        <a:alpha val="15000"/>
+                      </a:schemeClr>
+                    </a:solidFill>
+                    <a:effectLst/>
+                    <a:uFillTx/>
+                    <a:latin typeface="Helvetica Neue Bold Condensed"/>
+                    <a:ea typeface="Helvetica Neue Bold Condensed"/>
+                    <a:cs typeface="Helvetica Neue Bold Condensed"/>
+                    <a:sym typeface="Helvetica Neue Bold Condensed"/>
+                  </a:rPr>
+                  <a:t>邦</a:t>
+                </a:r>
+                <a:r>
+                  <a:rPr kumimoji="0" lang="zh-TW" altLang="en-US" sz="1000" b="0" i="0" u="none" strike="noStrike" cap="none" spc="0" normalizeH="0" baseline="0" dirty="0">
+                    <a:ln>
+                      <a:noFill/>
+                    </a:ln>
+                    <a:solidFill>
+                      <a:schemeClr val="tx1">
+                        <a:alpha val="15000"/>
+                      </a:schemeClr>
+                    </a:solidFill>
+                    <a:effectLst/>
+                    <a:uFillTx/>
+                    <a:latin typeface="Helvetica Neue Bold Condensed"/>
+                    <a:ea typeface="Helvetica Neue Bold Condensed"/>
+                    <a:cs typeface="Helvetica Neue Bold Condensed"/>
+                    <a:sym typeface="Helvetica Neue Bold Condensed"/>
+                  </a:rPr>
+                  <a:t>幫忙</a:t>
+                </a:r>
+                <a:r>
+                  <a:rPr kumimoji="0" lang="zh-TW" altLang="en-US" sz="1100" b="0" i="0" u="none" strike="noStrike" cap="none" spc="0" normalizeH="0" baseline="0" dirty="0">
+                    <a:ln>
+                      <a:noFill/>
+                    </a:ln>
+                    <a:solidFill>
+                      <a:schemeClr val="tx1">
+                        <a:alpha val="15000"/>
+                      </a:schemeClr>
+                    </a:solidFill>
+                    <a:effectLst/>
+                    <a:uFillTx/>
+                    <a:latin typeface="Helvetica Neue Bold Condensed"/>
+                    <a:ea typeface="Helvetica Neue Bold Condensed"/>
+                    <a:cs typeface="Helvetica Neue Bold Condensed"/>
+                    <a:sym typeface="Helvetica Neue Bold Condensed"/>
+                  </a:rPr>
+                  <a:t> 鐵人賽</a:t>
+                </a:r>
+                <a:endParaRPr sz="1100" dirty="0">
+                  <a:solidFill>
+                    <a:schemeClr val="tx1">
+                      <a:alpha val="15000"/>
+                    </a:schemeClr>
+                  </a:solidFill>
+                </a:endParaRPr>
+              </a:p>
+            </p:txBody>
+          </p:sp>
+          <p:sp>
+            <p:nvSpPr>
+              <p:cNvPr id="9" name="Intelligent Information Retrieval Laboratory">
+                <a:extLst>
+                  <a:ext uri="{FF2B5EF4-FFF2-40B4-BE49-F238E27FC236}">
+                    <a16:creationId xmlns:a16="http://schemas.microsoft.com/office/drawing/2014/main" id="{499FF179-39AC-F744-B1FD-DD71FB8F009C}"/>
+                  </a:ext>
+                </a:extLst>
+              </p:cNvPr>
+              <p:cNvSpPr txBox="1"/>
+              <p:nvPr/>
+            </p:nvSpPr>
+            <p:spPr>
+              <a:xfrm>
+                <a:off x="8753784" y="4289292"/>
+                <a:ext cx="1219200" cy="313546"/>
+              </a:xfrm>
+              <a:prstGeom prst="rect">
+                <a:avLst/>
+              </a:prstGeom>
+              <a:noFill/>
+              <a:ln w="12700" cap="flat">
+                <a:noFill/>
+                <a:miter lim="400000"/>
+              </a:ln>
+              <a:effectLst/>
+              <a:extLst>
+                <a:ext uri="{C572A759-6A51-4108-AA02-DFA0A04FC94B}">
+                  <ma14:wrappingTextBoxFlag xmlns:ma14="http://schemas.microsoft.com/office/mac/drawingml/2011/main" xmlns:a14="http://schemas.microsoft.com/office/drawing/2010/main" xmlns:m="http://schemas.openxmlformats.org/officeDocument/2006/math" xmlns="" val="1"/>
+                </a:ext>
+              </a:extLst>
+            </p:spPr>
+            <p:txBody>
+              <a:bodyPr wrap="square" lIns="71437" tIns="71437" rIns="71437" bIns="71437" numCol="1" anchor="ctr">
+                <a:spAutoFit/>
+              </a:bodyPr>
+              <a:lstStyle>
+                <a:lvl1pPr algn="l" defTabSz="821531">
+                  <a:defRPr sz="2400" b="0">
+                    <a:solidFill>
+                      <a:srgbClr val="FFFFFF"/>
+                    </a:solidFill>
+                    <a:latin typeface="Helvetica Neue Bold Condensed"/>
+                    <a:ea typeface="Helvetica Neue Bold Condensed"/>
+                    <a:cs typeface="Helvetica Neue Bold Condensed"/>
+                    <a:sym typeface="Helvetica Neue Bold Condensed"/>
+                  </a:defRPr>
+                </a:lvl1pPr>
+              </a:lstStyle>
+              <a:p>
+                <a:r>
+                  <a:rPr kumimoji="0" lang="en-US" altLang="zh-TW" sz="1050" b="0" i="0" u="none" strike="noStrike" cap="none" spc="0" normalizeH="0" baseline="0" dirty="0">
+                    <a:ln>
+                      <a:noFill/>
+                    </a:ln>
+                    <a:solidFill>
+                      <a:schemeClr val="tx1">
+                        <a:alpha val="15000"/>
+                      </a:schemeClr>
+                    </a:solidFill>
+                    <a:effectLst/>
+                    <a:uFillTx/>
+                    <a:latin typeface="Helvetica Neue Bold Condensed"/>
+                    <a:ea typeface="Helvetica Neue Bold Condensed"/>
+                    <a:cs typeface="Helvetica Neue Bold Condensed"/>
+                    <a:sym typeface="Helvetica Neue Bold Condensed"/>
+                  </a:rPr>
+                  <a:t>AI &amp; Data </a:t>
+                </a:r>
+                <a:r>
+                  <a:rPr kumimoji="0" lang="zh-TW" altLang="en-US" sz="1050" b="0" i="0" u="none" strike="noStrike" cap="none" spc="0" normalizeH="0" baseline="0" dirty="0">
+                    <a:ln>
+                      <a:noFill/>
+                    </a:ln>
+                    <a:solidFill>
+                      <a:schemeClr val="tx1">
+                        <a:alpha val="15000"/>
+                      </a:schemeClr>
+                    </a:solidFill>
+                    <a:effectLst/>
+                    <a:uFillTx/>
+                    <a:latin typeface="Helvetica Neue Bold Condensed"/>
+                    <a:ea typeface="Helvetica Neue Bold Condensed"/>
+                    <a:cs typeface="Helvetica Neue Bold Condensed"/>
+                    <a:sym typeface="Helvetica Neue Bold Condensed"/>
+                  </a:rPr>
+                  <a:t>組</a:t>
+                </a:r>
+                <a:endParaRPr sz="1100" dirty="0">
+                  <a:solidFill>
+                    <a:schemeClr val="tx1">
+                      <a:alpha val="15000"/>
+                    </a:schemeClr>
+                  </a:solidFill>
+                </a:endParaRPr>
+              </a:p>
+            </p:txBody>
+          </p:sp>
+        </p:grpSp>
+        <p:grpSp>
+          <p:nvGrpSpPr>
+            <p:cNvPr id="4" name="Group 3">
+              <a:extLst>
+                <a:ext uri="{FF2B5EF4-FFF2-40B4-BE49-F238E27FC236}">
+                  <a16:creationId xmlns:a16="http://schemas.microsoft.com/office/drawing/2014/main" id="{F2ABE556-5E50-D541-AD87-BFD24A6A2EBF}"/>
+                </a:ext>
+              </a:extLst>
+            </p:cNvPr>
+            <p:cNvGrpSpPr/>
+            <p:nvPr/>
+          </p:nvGrpSpPr>
+          <p:grpSpPr>
+            <a:xfrm>
+              <a:off x="7247835" y="3971848"/>
+              <a:ext cx="1876735" cy="1050587"/>
+              <a:chOff x="3891792" y="3940042"/>
+              <a:chExt cx="1876735" cy="1050587"/>
+            </a:xfrm>
+          </p:grpSpPr>
+          <p:pic>
+            <p:nvPicPr>
+              <p:cNvPr id="5" name="Picture 4">
+                <a:extLst>
+                  <a:ext uri="{FF2B5EF4-FFF2-40B4-BE49-F238E27FC236}">
+                    <a16:creationId xmlns:a16="http://schemas.microsoft.com/office/drawing/2014/main" id="{E946BE00-810B-FE4F-ABF5-6F40463C7972}"/>
+                  </a:ext>
+                </a:extLst>
+              </p:cNvPr>
+              <p:cNvPicPr>
+                <a:picLocks noChangeAspect="1" noChangeArrowheads="1"/>
+              </p:cNvPicPr>
+              <p:nvPr/>
+            </p:nvPicPr>
+            <p:blipFill>
+              <a:blip r:embed="rId2">
+                <a:duotone>
+                  <a:prstClr val="black"/>
+                  <a:schemeClr val="tx1">
+                    <a:tint val="45000"/>
+                    <a:satMod val="400000"/>
+                  </a:schemeClr>
+                </a:duotone>
+                <a:alphaModFix amt="20000"/>
+              </a:blip>
+              <a:srcRect/>
+              <a:stretch/>
+            </p:blipFill>
+            <p:spPr bwMode="auto">
+              <a:xfrm>
+                <a:off x="4489805" y="3940042"/>
+                <a:ext cx="1050587" cy="1050587"/>
+              </a:xfrm>
+              <a:prstGeom prst="rect">
+                <a:avLst/>
+              </a:prstGeom>
+              <a:noFill/>
+              <a:extLst>
+                <a:ext uri="{909E8E84-426E-40DD-AFC4-6F175D3DCCD1}">
+                  <a14:hiddenFill xmlns:a14="http://schemas.microsoft.com/office/drawing/2010/main">
+                    <a:solidFill>
+                      <a:srgbClr val="FFFFFF"/>
+                    </a:solidFill>
+                  </a14:hiddenFill>
+                </a:ext>
+              </a:extLst>
+            </p:spPr>
+          </p:pic>
+          <p:pic>
+            <p:nvPicPr>
+              <p:cNvPr id="6" name="Picture 4" descr="Youtube logo | Logok">
+                <a:extLst>
+                  <a:ext uri="{FF2B5EF4-FFF2-40B4-BE49-F238E27FC236}">
+                    <a16:creationId xmlns:a16="http://schemas.microsoft.com/office/drawing/2014/main" id="{0CE08E51-E470-4E42-B000-8FE10009B18B}"/>
+                  </a:ext>
+                </a:extLst>
+              </p:cNvPr>
+              <p:cNvPicPr>
+                <a:picLocks noChangeAspect="1" noChangeArrowheads="1"/>
+              </p:cNvPicPr>
+              <p:nvPr/>
+            </p:nvPicPr>
+            <p:blipFill>
+              <a:blip r:embed="rId3">
+                <a:alphaModFix amt="20000"/>
+                <a:extLst>
+                  <a:ext uri="{28A0092B-C50C-407E-A947-70E740481C1C}">
+                    <a14:useLocalDpi xmlns:a14="http://schemas.microsoft.com/office/drawing/2010/main" val="0"/>
+                  </a:ext>
+                </a:extLst>
+              </a:blip>
+              <a:srcRect/>
+              <a:stretch>
+                <a:fillRect/>
+              </a:stretch>
+            </p:blipFill>
+            <p:spPr bwMode="auto">
+              <a:xfrm>
+                <a:off x="3891792" y="4187926"/>
+                <a:ext cx="739756" cy="554817"/>
+              </a:xfrm>
+              <a:prstGeom prst="rect">
+                <a:avLst/>
+              </a:prstGeom>
+              <a:noFill/>
+              <a:extLst>
+                <a:ext uri="{909E8E84-426E-40DD-AFC4-6F175D3DCCD1}">
+                  <a14:hiddenFill xmlns:a14="http://schemas.microsoft.com/office/drawing/2010/main">
+                    <a:solidFill>
+                      <a:srgbClr val="FFFFFF"/>
+                    </a:solidFill>
+                  </a14:hiddenFill>
+                </a:ext>
+              </a:extLst>
+            </p:spPr>
+          </p:pic>
+          <p:sp>
+            <p:nvSpPr>
+              <p:cNvPr id="7" name="Intelligent Information Retrieval Laboratory">
+                <a:extLst>
+                  <a:ext uri="{FF2B5EF4-FFF2-40B4-BE49-F238E27FC236}">
+                    <a16:creationId xmlns:a16="http://schemas.microsoft.com/office/drawing/2014/main" id="{C5EC59EF-D187-7044-9283-F5653495AE1A}"/>
+                  </a:ext>
+                </a:extLst>
+              </p:cNvPr>
+              <p:cNvSpPr txBox="1"/>
+              <p:nvPr/>
+            </p:nvSpPr>
+            <p:spPr>
+              <a:xfrm>
+                <a:off x="4549327" y="4308601"/>
+                <a:ext cx="1219200" cy="328935"/>
+              </a:xfrm>
+              <a:prstGeom prst="rect">
+                <a:avLst/>
+              </a:prstGeom>
+              <a:noFill/>
+              <a:ln w="12700" cap="flat">
+                <a:noFill/>
+                <a:miter lim="400000"/>
+              </a:ln>
+              <a:effectLst/>
+              <a:extLst>
+                <a:ext uri="{C572A759-6A51-4108-AA02-DFA0A04FC94B}">
+                  <ma14:wrappingTextBoxFlag xmlns:ma14="http://schemas.microsoft.com/office/mac/drawingml/2011/main" xmlns:a14="http://schemas.microsoft.com/office/drawing/2010/main" xmlns:m="http://schemas.openxmlformats.org/officeDocument/2006/math" xmlns="" val="1"/>
+                </a:ext>
+              </a:extLst>
+            </p:spPr>
+            <p:txBody>
+              <a:bodyPr wrap="square" lIns="71437" tIns="71437" rIns="71437" bIns="71437" numCol="1" anchor="ctr">
+                <a:spAutoFit/>
+              </a:bodyPr>
+              <a:lstStyle>
+                <a:lvl1pPr algn="l" defTabSz="821531">
+                  <a:defRPr sz="2400" b="0">
+                    <a:solidFill>
+                      <a:srgbClr val="FFFFFF"/>
+                    </a:solidFill>
+                    <a:latin typeface="Helvetica Neue Bold Condensed"/>
+                    <a:ea typeface="Helvetica Neue Bold Condensed"/>
+                    <a:cs typeface="Helvetica Neue Bold Condensed"/>
+                    <a:sym typeface="Helvetica Neue Bold Condensed"/>
+                  </a:defRPr>
+                </a:lvl1pPr>
+              </a:lstStyle>
+              <a:p>
+                <a:r>
+                  <a:rPr kumimoji="0" lang="en-US" altLang="zh-TW" sz="1200" b="0" i="0" u="none" strike="noStrike" cap="none" spc="0" normalizeH="0" baseline="0" dirty="0">
+                    <a:ln>
+                      <a:noFill/>
+                    </a:ln>
+                    <a:solidFill>
+                      <a:schemeClr val="tx1">
+                        <a:alpha val="15000"/>
+                      </a:schemeClr>
+                    </a:solidFill>
+                    <a:effectLst/>
+                    <a:uFillTx/>
+                    <a:latin typeface="Helvetica Neue Bold Condensed"/>
+                    <a:ea typeface="Helvetica Neue Bold Condensed"/>
+                    <a:cs typeface="Helvetica Neue Bold Condensed"/>
+                    <a:sym typeface="Helvetica Neue Bold Condensed"/>
+                  </a:rPr>
+                  <a:t>10</a:t>
+                </a:r>
+                <a:r>
+                  <a:rPr kumimoji="0" lang="zh-TW" altLang="en-US" sz="1200" b="0" i="0" u="none" strike="noStrike" cap="none" spc="0" normalizeH="0" baseline="0" dirty="0">
+                    <a:ln>
+                      <a:noFill/>
+                    </a:ln>
+                    <a:solidFill>
+                      <a:schemeClr val="tx1">
+                        <a:alpha val="15000"/>
+                      </a:schemeClr>
+                    </a:solidFill>
+                    <a:effectLst/>
+                    <a:uFillTx/>
+                    <a:sym typeface="Helvetica Neue Bold Condensed"/>
+                  </a:rPr>
+                  <a:t>程式中</a:t>
+                </a:r>
+                <a:endParaRPr sz="1400" dirty="0">
+                  <a:solidFill>
+                    <a:schemeClr val="tx1">
+                      <a:alpha val="15000"/>
+                    </a:schemeClr>
+                  </a:solidFill>
+                </a:endParaRPr>
+              </a:p>
+            </p:txBody>
+          </p:sp>
+        </p:grpSp>
+      </p:grpSp>
+      <p:pic>
+        <p:nvPicPr>
+          <p:cNvPr id="11" name="Picture 10">
+            <a:extLst>
+              <a:ext uri="{FF2B5EF4-FFF2-40B4-BE49-F238E27FC236}">
+                <a16:creationId xmlns:a16="http://schemas.microsoft.com/office/drawing/2014/main" id="{65A5364D-48DD-1D4E-9405-2052A398171A}"/>
+              </a:ext>
+            </a:extLst>
+          </p:cNvPr>
+          <p:cNvPicPr>
+            <a:picLocks noChangeAspect="1"/>
+          </p:cNvPicPr>
+          <p:nvPr/>
+        </p:nvPicPr>
+        <p:blipFill>
+          <a:blip r:embed="rId4"/>
+          <a:stretch>
+            <a:fillRect/>
+          </a:stretch>
+        </p:blipFill>
+        <p:spPr>
+          <a:xfrm>
+            <a:off x="2897313" y="1800630"/>
+            <a:ext cx="6932060" cy="3098828"/>
+          </a:xfrm>
+          <a:prstGeom prst="rect">
+            <a:avLst/>
+          </a:prstGeom>
+        </p:spPr>
+      </p:pic>
+    </p:spTree>
+    <p:extLst>
+      <p:ext uri="{BB962C8B-B14F-4D97-AF65-F5344CB8AC3E}">
+        <p14:creationId xmlns:p14="http://schemas.microsoft.com/office/powerpoint/2010/main" val="2561989938"/>
+      </p:ext>
+    </p:extLst>
+  </p:cSld>
+  <p:clrMapOvr>
+    <a:masterClrMapping/>
+  </p:clrMapOvr>
+</p:sld>
+</file>
+
+<file path=ppt/slides/slide11.xml><?xml version="1.0" encoding="utf-8"?>
+<p:sld xmlns:a="http://schemas.openxmlformats.org/drawingml/2006/main" xmlns:r="http://schemas.openxmlformats.org/officeDocument/2006/relationships" xmlns:p="http://schemas.openxmlformats.org/presentationml/2006/main">
+  <p:cSld>
+    <p:spTree>
+      <p:nvGrpSpPr>
+        <p:cNvPr id="1" name=""/>
+        <p:cNvGrpSpPr/>
+        <p:nvPr/>
+      </p:nvGrpSpPr>
+      <p:grpSpPr>
+        <a:xfrm>
+          <a:off x="0" y="0"/>
+          <a:ext cx="0" cy="0"/>
+          <a:chOff x="0" y="0"/>
+          <a:chExt cx="0" cy="0"/>
+        </a:xfrm>
+      </p:grpSpPr>
+      <p:pic>
+        <p:nvPicPr>
+          <p:cNvPr id="3" name="Picture 2">
+            <a:extLst>
+              <a:ext uri="{FF2B5EF4-FFF2-40B4-BE49-F238E27FC236}">
+                <a16:creationId xmlns:a16="http://schemas.microsoft.com/office/drawing/2014/main" id="{3D4E70EE-AC90-DB4F-B608-9C1AA1054614}"/>
+              </a:ext>
+            </a:extLst>
+          </p:cNvPr>
+          <p:cNvPicPr>
+            <a:picLocks noChangeAspect="1"/>
+          </p:cNvPicPr>
+          <p:nvPr/>
+        </p:nvPicPr>
+        <p:blipFill>
+          <a:blip r:embed="rId2"/>
+          <a:stretch>
+            <a:fillRect/>
+          </a:stretch>
+        </p:blipFill>
+        <p:spPr>
+          <a:xfrm>
+            <a:off x="2738910" y="2076679"/>
+            <a:ext cx="6714179" cy="2581212"/>
+          </a:xfrm>
+          <a:prstGeom prst="rect">
+            <a:avLst/>
+          </a:prstGeom>
+        </p:spPr>
+      </p:pic>
+      <p:grpSp>
+        <p:nvGrpSpPr>
+          <p:cNvPr id="4" name="Group 3">
+            <a:extLst>
+              <a:ext uri="{FF2B5EF4-FFF2-40B4-BE49-F238E27FC236}">
+                <a16:creationId xmlns:a16="http://schemas.microsoft.com/office/drawing/2014/main" id="{C46495E8-9914-7746-80EC-71C92F1F2B52}"/>
+              </a:ext>
+            </a:extLst>
+          </p:cNvPr>
+          <p:cNvGrpSpPr/>
+          <p:nvPr/>
+        </p:nvGrpSpPr>
+        <p:grpSpPr>
+          <a:xfrm>
+            <a:off x="3450083" y="4412762"/>
+            <a:ext cx="5764444" cy="1050587"/>
+            <a:chOff x="3360126" y="3971848"/>
+            <a:chExt cx="5764444" cy="1050587"/>
+          </a:xfrm>
+        </p:grpSpPr>
+        <p:grpSp>
+          <p:nvGrpSpPr>
+            <p:cNvPr id="5" name="Group 4">
+              <a:extLst>
+                <a:ext uri="{FF2B5EF4-FFF2-40B4-BE49-F238E27FC236}">
+                  <a16:creationId xmlns:a16="http://schemas.microsoft.com/office/drawing/2014/main" id="{C8BE99D6-29DA-E542-A57C-A84831EE359A}"/>
+                </a:ext>
+              </a:extLst>
+            </p:cNvPr>
+            <p:cNvGrpSpPr/>
+            <p:nvPr/>
+          </p:nvGrpSpPr>
+          <p:grpSpPr>
+            <a:xfrm>
+              <a:off x="3360126" y="4324980"/>
+              <a:ext cx="2735874" cy="328935"/>
+              <a:chOff x="7237110" y="4273903"/>
+              <a:chExt cx="2735874" cy="328935"/>
+            </a:xfrm>
+          </p:grpSpPr>
+          <p:sp>
+            <p:nvSpPr>
+              <p:cNvPr id="10" name="Intelligent Information Retrieval Laboratory">
+                <a:extLst>
+                  <a:ext uri="{FF2B5EF4-FFF2-40B4-BE49-F238E27FC236}">
+                    <a16:creationId xmlns:a16="http://schemas.microsoft.com/office/drawing/2014/main" id="{631CA7CA-587A-0141-8208-29C36ECC4F99}"/>
+                  </a:ext>
+                </a:extLst>
+              </p:cNvPr>
+              <p:cNvSpPr txBox="1"/>
+              <p:nvPr/>
+            </p:nvSpPr>
+            <p:spPr>
+              <a:xfrm>
+                <a:off x="7237110" y="4273903"/>
+                <a:ext cx="2590800" cy="328935"/>
+              </a:xfrm>
+              <a:prstGeom prst="rect">
+                <a:avLst/>
+              </a:prstGeom>
+              <a:noFill/>
+              <a:ln w="12700" cap="flat">
+                <a:noFill/>
+                <a:miter lim="400000"/>
+              </a:ln>
+              <a:effectLst/>
+              <a:extLst>
+                <a:ext uri="{C572A759-6A51-4108-AA02-DFA0A04FC94B}">
+                  <ma14:wrappingTextBoxFlag xmlns:ma14="http://schemas.microsoft.com/office/mac/drawingml/2011/main" xmlns:a14="http://schemas.microsoft.com/office/drawing/2010/main" xmlns:m="http://schemas.openxmlformats.org/officeDocument/2006/math" xmlns="" val="1"/>
+                </a:ext>
+              </a:extLst>
+            </p:spPr>
+            <p:txBody>
+              <a:bodyPr wrap="square" lIns="71437" tIns="71437" rIns="71437" bIns="71437" numCol="1" anchor="ctr">
+                <a:spAutoFit/>
+              </a:bodyPr>
+              <a:lstStyle>
+                <a:lvl1pPr algn="l" defTabSz="821531">
+                  <a:defRPr sz="2400" b="0">
+                    <a:solidFill>
+                      <a:srgbClr val="FFFFFF"/>
+                    </a:solidFill>
+                    <a:latin typeface="Helvetica Neue Bold Condensed"/>
+                    <a:ea typeface="Helvetica Neue Bold Condensed"/>
+                    <a:cs typeface="Helvetica Neue Bold Condensed"/>
+                    <a:sym typeface="Helvetica Neue Bold Condensed"/>
+                  </a:defRPr>
+                </a:lvl1pPr>
+              </a:lstStyle>
+              <a:p>
+                <a:r>
+                  <a:rPr kumimoji="0" lang="zh-TW" altLang="en-US" sz="1050" b="0" i="0" u="none" strike="noStrike" cap="none" spc="0" normalizeH="0" baseline="0" dirty="0">
+                    <a:ln>
+                      <a:noFill/>
+                    </a:ln>
+                    <a:solidFill>
+                      <a:schemeClr val="tx1">
+                        <a:alpha val="15000"/>
+                      </a:schemeClr>
+                    </a:solidFill>
+                    <a:effectLst/>
+                    <a:uFillTx/>
+                    <a:latin typeface="Helvetica Neue Bold Condensed"/>
+                    <a:ea typeface="Helvetica Neue Bold Condensed"/>
+                    <a:cs typeface="Helvetica Neue Bold Condensed"/>
+                    <a:sym typeface="Helvetica Neue Bold Condensed"/>
+                  </a:rPr>
+                  <a:t>第</a:t>
+                </a:r>
+                <a:r>
+                  <a:rPr kumimoji="0" lang="en-US" altLang="zh-TW" sz="1050" b="0" i="0" u="none" strike="noStrike" cap="none" spc="0" normalizeH="0" baseline="0" dirty="0">
+                    <a:ln>
+                      <a:noFill/>
+                    </a:ln>
+                    <a:solidFill>
+                      <a:schemeClr val="tx1">
+                        <a:alpha val="15000"/>
+                      </a:schemeClr>
+                    </a:solidFill>
+                    <a:effectLst/>
+                    <a:uFillTx/>
+                    <a:latin typeface="Helvetica Neue Bold Condensed"/>
+                    <a:ea typeface="Helvetica Neue Bold Condensed"/>
+                    <a:cs typeface="Helvetica Neue Bold Condensed"/>
+                    <a:sym typeface="Helvetica Neue Bold Condensed"/>
+                  </a:rPr>
+                  <a:t>13</a:t>
+                </a:r>
+                <a:r>
+                  <a:rPr kumimoji="0" lang="zh-TW" altLang="en-US" sz="1050" b="0" i="0" u="none" strike="noStrike" cap="none" spc="0" normalizeH="0" baseline="0" dirty="0">
+                    <a:ln>
+                      <a:noFill/>
+                    </a:ln>
+                    <a:solidFill>
+                      <a:schemeClr val="tx1">
+                        <a:alpha val="15000"/>
+                      </a:schemeClr>
+                    </a:solidFill>
+                    <a:effectLst/>
+                    <a:uFillTx/>
+                    <a:latin typeface="Helvetica Neue Bold Condensed"/>
+                    <a:ea typeface="Helvetica Neue Bold Condensed"/>
+                    <a:cs typeface="Helvetica Neue Bold Condensed"/>
+                    <a:sym typeface="Helvetica Neue Bold Condensed"/>
+                  </a:rPr>
+                  <a:t>屆 </a:t>
+                </a:r>
+                <a:r>
+                  <a:rPr kumimoji="0" lang="en-US" sz="1200" b="0" i="0" u="none" strike="noStrike" cap="none" spc="0" normalizeH="0" baseline="0" dirty="0">
+                    <a:ln>
+                      <a:noFill/>
+                    </a:ln>
+                    <a:solidFill>
+                      <a:schemeClr val="tx1">
+                        <a:alpha val="15000"/>
+                      </a:schemeClr>
+                    </a:solidFill>
+                    <a:effectLst/>
+                    <a:uFillTx/>
+                    <a:latin typeface="Helvetica Neue Bold Condensed"/>
+                    <a:ea typeface="Helvetica Neue Bold Condensed"/>
+                    <a:cs typeface="Helvetica Neue Bold Condensed"/>
+                    <a:sym typeface="Helvetica Neue Bold Condensed"/>
+                  </a:rPr>
+                  <a:t>iT</a:t>
+                </a:r>
+                <a:r>
+                  <a:rPr kumimoji="0" lang="zh-TW" altLang="en-US" sz="1100" b="0" i="0" u="none" strike="noStrike" cap="none" spc="0" normalizeH="0" baseline="0" dirty="0">
+                    <a:ln>
+                      <a:noFill/>
+                    </a:ln>
+                    <a:solidFill>
+                      <a:schemeClr val="tx1">
+                        <a:alpha val="15000"/>
+                      </a:schemeClr>
+                    </a:solidFill>
+                    <a:effectLst/>
+                    <a:uFillTx/>
+                    <a:latin typeface="Helvetica Neue Bold Condensed"/>
+                    <a:ea typeface="Helvetica Neue Bold Condensed"/>
+                    <a:cs typeface="Helvetica Neue Bold Condensed"/>
+                    <a:sym typeface="Helvetica Neue Bold Condensed"/>
+                  </a:rPr>
+                  <a:t>邦</a:t>
+                </a:r>
+                <a:r>
+                  <a:rPr kumimoji="0" lang="zh-TW" altLang="en-US" sz="1000" b="0" i="0" u="none" strike="noStrike" cap="none" spc="0" normalizeH="0" baseline="0" dirty="0">
+                    <a:ln>
+                      <a:noFill/>
+                    </a:ln>
+                    <a:solidFill>
+                      <a:schemeClr val="tx1">
+                        <a:alpha val="15000"/>
+                      </a:schemeClr>
+                    </a:solidFill>
+                    <a:effectLst/>
+                    <a:uFillTx/>
+                    <a:latin typeface="Helvetica Neue Bold Condensed"/>
+                    <a:ea typeface="Helvetica Neue Bold Condensed"/>
+                    <a:cs typeface="Helvetica Neue Bold Condensed"/>
+                    <a:sym typeface="Helvetica Neue Bold Condensed"/>
+                  </a:rPr>
+                  <a:t>幫忙</a:t>
+                </a:r>
+                <a:r>
+                  <a:rPr kumimoji="0" lang="zh-TW" altLang="en-US" sz="1100" b="0" i="0" u="none" strike="noStrike" cap="none" spc="0" normalizeH="0" baseline="0" dirty="0">
+                    <a:ln>
+                      <a:noFill/>
+                    </a:ln>
+                    <a:solidFill>
+                      <a:schemeClr val="tx1">
+                        <a:alpha val="15000"/>
+                      </a:schemeClr>
+                    </a:solidFill>
+                    <a:effectLst/>
+                    <a:uFillTx/>
+                    <a:latin typeface="Helvetica Neue Bold Condensed"/>
+                    <a:ea typeface="Helvetica Neue Bold Condensed"/>
+                    <a:cs typeface="Helvetica Neue Bold Condensed"/>
+                    <a:sym typeface="Helvetica Neue Bold Condensed"/>
+                  </a:rPr>
+                  <a:t> 鐵人賽</a:t>
+                </a:r>
+                <a:endParaRPr sz="1100" dirty="0">
+                  <a:solidFill>
+                    <a:schemeClr val="tx1">
+                      <a:alpha val="15000"/>
+                    </a:schemeClr>
+                  </a:solidFill>
+                </a:endParaRPr>
+              </a:p>
+            </p:txBody>
+          </p:sp>
+          <p:sp>
+            <p:nvSpPr>
+              <p:cNvPr id="11" name="Intelligent Information Retrieval Laboratory">
+                <a:extLst>
+                  <a:ext uri="{FF2B5EF4-FFF2-40B4-BE49-F238E27FC236}">
+                    <a16:creationId xmlns:a16="http://schemas.microsoft.com/office/drawing/2014/main" id="{A3EB83B9-BCF2-804C-9BB5-82AA1B98449D}"/>
+                  </a:ext>
+                </a:extLst>
+              </p:cNvPr>
+              <p:cNvSpPr txBox="1"/>
+              <p:nvPr/>
+            </p:nvSpPr>
+            <p:spPr>
+              <a:xfrm>
+                <a:off x="8753784" y="4289292"/>
+                <a:ext cx="1219200" cy="313546"/>
+              </a:xfrm>
+              <a:prstGeom prst="rect">
+                <a:avLst/>
+              </a:prstGeom>
+              <a:noFill/>
+              <a:ln w="12700" cap="flat">
+                <a:noFill/>
+                <a:miter lim="400000"/>
+              </a:ln>
+              <a:effectLst/>
+              <a:extLst>
+                <a:ext uri="{C572A759-6A51-4108-AA02-DFA0A04FC94B}">
+                  <ma14:wrappingTextBoxFlag xmlns:ma14="http://schemas.microsoft.com/office/mac/drawingml/2011/main" xmlns:a14="http://schemas.microsoft.com/office/drawing/2010/main" xmlns:m="http://schemas.openxmlformats.org/officeDocument/2006/math" xmlns="" val="1"/>
+                </a:ext>
+              </a:extLst>
+            </p:spPr>
+            <p:txBody>
+              <a:bodyPr wrap="square" lIns="71437" tIns="71437" rIns="71437" bIns="71437" numCol="1" anchor="ctr">
+                <a:spAutoFit/>
+              </a:bodyPr>
+              <a:lstStyle>
+                <a:lvl1pPr algn="l" defTabSz="821531">
+                  <a:defRPr sz="2400" b="0">
+                    <a:solidFill>
+                      <a:srgbClr val="FFFFFF"/>
+                    </a:solidFill>
+                    <a:latin typeface="Helvetica Neue Bold Condensed"/>
+                    <a:ea typeface="Helvetica Neue Bold Condensed"/>
+                    <a:cs typeface="Helvetica Neue Bold Condensed"/>
+                    <a:sym typeface="Helvetica Neue Bold Condensed"/>
+                  </a:defRPr>
+                </a:lvl1pPr>
+              </a:lstStyle>
+              <a:p>
+                <a:r>
+                  <a:rPr kumimoji="0" lang="en-US" altLang="zh-TW" sz="1050" b="0" i="0" u="none" strike="noStrike" cap="none" spc="0" normalizeH="0" baseline="0" dirty="0">
+                    <a:ln>
+                      <a:noFill/>
+                    </a:ln>
+                    <a:solidFill>
+                      <a:schemeClr val="tx1">
+                        <a:alpha val="15000"/>
+                      </a:schemeClr>
+                    </a:solidFill>
+                    <a:effectLst/>
+                    <a:uFillTx/>
+                    <a:latin typeface="Helvetica Neue Bold Condensed"/>
+                    <a:ea typeface="Helvetica Neue Bold Condensed"/>
+                    <a:cs typeface="Helvetica Neue Bold Condensed"/>
+                    <a:sym typeface="Helvetica Neue Bold Condensed"/>
+                  </a:rPr>
+                  <a:t>AI &amp; Data </a:t>
+                </a:r>
+                <a:r>
+                  <a:rPr kumimoji="0" lang="zh-TW" altLang="en-US" sz="1050" b="0" i="0" u="none" strike="noStrike" cap="none" spc="0" normalizeH="0" baseline="0" dirty="0">
+                    <a:ln>
+                      <a:noFill/>
+                    </a:ln>
+                    <a:solidFill>
+                      <a:schemeClr val="tx1">
+                        <a:alpha val="15000"/>
+                      </a:schemeClr>
+                    </a:solidFill>
+                    <a:effectLst/>
+                    <a:uFillTx/>
+                    <a:latin typeface="Helvetica Neue Bold Condensed"/>
+                    <a:ea typeface="Helvetica Neue Bold Condensed"/>
+                    <a:cs typeface="Helvetica Neue Bold Condensed"/>
+                    <a:sym typeface="Helvetica Neue Bold Condensed"/>
+                  </a:rPr>
+                  <a:t>組</a:t>
+                </a:r>
+                <a:endParaRPr sz="1100" dirty="0">
+                  <a:solidFill>
+                    <a:schemeClr val="tx1">
+                      <a:alpha val="15000"/>
+                    </a:schemeClr>
+                  </a:solidFill>
+                </a:endParaRPr>
+              </a:p>
+            </p:txBody>
+          </p:sp>
+        </p:grpSp>
+        <p:grpSp>
+          <p:nvGrpSpPr>
+            <p:cNvPr id="6" name="Group 5">
+              <a:extLst>
+                <a:ext uri="{FF2B5EF4-FFF2-40B4-BE49-F238E27FC236}">
+                  <a16:creationId xmlns:a16="http://schemas.microsoft.com/office/drawing/2014/main" id="{DBD49174-7114-FD4D-879D-29A8E2BAFC37}"/>
+                </a:ext>
+              </a:extLst>
+            </p:cNvPr>
+            <p:cNvGrpSpPr/>
+            <p:nvPr/>
+          </p:nvGrpSpPr>
+          <p:grpSpPr>
+            <a:xfrm>
+              <a:off x="7247835" y="3971848"/>
+              <a:ext cx="1876735" cy="1050587"/>
+              <a:chOff x="3891792" y="3940042"/>
+              <a:chExt cx="1876735" cy="1050587"/>
+            </a:xfrm>
+          </p:grpSpPr>
+          <p:pic>
+            <p:nvPicPr>
+              <p:cNvPr id="7" name="Picture 6">
+                <a:extLst>
+                  <a:ext uri="{FF2B5EF4-FFF2-40B4-BE49-F238E27FC236}">
+                    <a16:creationId xmlns:a16="http://schemas.microsoft.com/office/drawing/2014/main" id="{139C3D95-9F1B-174F-A0E2-1DC78E991A2F}"/>
+                  </a:ext>
+                </a:extLst>
+              </p:cNvPr>
+              <p:cNvPicPr>
+                <a:picLocks noChangeAspect="1" noChangeArrowheads="1"/>
+              </p:cNvPicPr>
+              <p:nvPr/>
+            </p:nvPicPr>
+            <p:blipFill>
+              <a:blip r:embed="rId3">
+                <a:duotone>
+                  <a:prstClr val="black"/>
+                  <a:schemeClr val="tx1">
+                    <a:tint val="45000"/>
+                    <a:satMod val="400000"/>
+                  </a:schemeClr>
+                </a:duotone>
+                <a:alphaModFix amt="20000"/>
+              </a:blip>
+              <a:srcRect/>
+              <a:stretch/>
+            </p:blipFill>
+            <p:spPr bwMode="auto">
+              <a:xfrm>
+                <a:off x="4489805" y="3940042"/>
+                <a:ext cx="1050587" cy="1050587"/>
+              </a:xfrm>
+              <a:prstGeom prst="rect">
+                <a:avLst/>
+              </a:prstGeom>
+              <a:noFill/>
+              <a:extLst>
+                <a:ext uri="{909E8E84-426E-40DD-AFC4-6F175D3DCCD1}">
+                  <a14:hiddenFill xmlns:a14="http://schemas.microsoft.com/office/drawing/2010/main">
+                    <a:solidFill>
+                      <a:srgbClr val="FFFFFF"/>
+                    </a:solidFill>
+                  </a14:hiddenFill>
+                </a:ext>
+              </a:extLst>
+            </p:spPr>
+          </p:pic>
+          <p:pic>
+            <p:nvPicPr>
+              <p:cNvPr id="8" name="Picture 4" descr="Youtube logo | Logok">
+                <a:extLst>
+                  <a:ext uri="{FF2B5EF4-FFF2-40B4-BE49-F238E27FC236}">
+                    <a16:creationId xmlns:a16="http://schemas.microsoft.com/office/drawing/2014/main" id="{013BC90F-15FE-024E-9FC5-0C07D3E9A118}"/>
+                  </a:ext>
+                </a:extLst>
+              </p:cNvPr>
+              <p:cNvPicPr>
+                <a:picLocks noChangeAspect="1" noChangeArrowheads="1"/>
+              </p:cNvPicPr>
+              <p:nvPr/>
+            </p:nvPicPr>
+            <p:blipFill>
+              <a:blip r:embed="rId4">
+                <a:alphaModFix amt="20000"/>
+                <a:extLst>
+                  <a:ext uri="{28A0092B-C50C-407E-A947-70E740481C1C}">
+                    <a14:useLocalDpi xmlns:a14="http://schemas.microsoft.com/office/drawing/2010/main" val="0"/>
+                  </a:ext>
+                </a:extLst>
+              </a:blip>
+              <a:srcRect/>
+              <a:stretch>
+                <a:fillRect/>
+              </a:stretch>
+            </p:blipFill>
+            <p:spPr bwMode="auto">
+              <a:xfrm>
+                <a:off x="3891792" y="4187926"/>
+                <a:ext cx="739756" cy="554817"/>
+              </a:xfrm>
+              <a:prstGeom prst="rect">
+                <a:avLst/>
+              </a:prstGeom>
+              <a:noFill/>
+              <a:extLst>
+                <a:ext uri="{909E8E84-426E-40DD-AFC4-6F175D3DCCD1}">
+                  <a14:hiddenFill xmlns:a14="http://schemas.microsoft.com/office/drawing/2010/main">
+                    <a:solidFill>
+                      <a:srgbClr val="FFFFFF"/>
+                    </a:solidFill>
+                  </a14:hiddenFill>
+                </a:ext>
+              </a:extLst>
+            </p:spPr>
+          </p:pic>
+          <p:sp>
+            <p:nvSpPr>
+              <p:cNvPr id="9" name="Intelligent Information Retrieval Laboratory">
+                <a:extLst>
+                  <a:ext uri="{FF2B5EF4-FFF2-40B4-BE49-F238E27FC236}">
+                    <a16:creationId xmlns:a16="http://schemas.microsoft.com/office/drawing/2014/main" id="{DC31779E-9668-6047-AC2F-9CCC2F985112}"/>
+                  </a:ext>
+                </a:extLst>
+              </p:cNvPr>
+              <p:cNvSpPr txBox="1"/>
+              <p:nvPr/>
+            </p:nvSpPr>
+            <p:spPr>
+              <a:xfrm>
+                <a:off x="4549327" y="4308601"/>
+                <a:ext cx="1219200" cy="328935"/>
+              </a:xfrm>
+              <a:prstGeom prst="rect">
+                <a:avLst/>
+              </a:prstGeom>
+              <a:noFill/>
+              <a:ln w="12700" cap="flat">
+                <a:noFill/>
+                <a:miter lim="400000"/>
+              </a:ln>
+              <a:effectLst/>
+              <a:extLst>
+                <a:ext uri="{C572A759-6A51-4108-AA02-DFA0A04FC94B}">
+                  <ma14:wrappingTextBoxFlag xmlns:ma14="http://schemas.microsoft.com/office/mac/drawingml/2011/main" xmlns:a14="http://schemas.microsoft.com/office/drawing/2010/main" xmlns:m="http://schemas.openxmlformats.org/officeDocument/2006/math" xmlns="" val="1"/>
+                </a:ext>
+              </a:extLst>
+            </p:spPr>
+            <p:txBody>
+              <a:bodyPr wrap="square" lIns="71437" tIns="71437" rIns="71437" bIns="71437" numCol="1" anchor="ctr">
+                <a:spAutoFit/>
+              </a:bodyPr>
+              <a:lstStyle>
+                <a:lvl1pPr algn="l" defTabSz="821531">
+                  <a:defRPr sz="2400" b="0">
+                    <a:solidFill>
+                      <a:srgbClr val="FFFFFF"/>
+                    </a:solidFill>
+                    <a:latin typeface="Helvetica Neue Bold Condensed"/>
+                    <a:ea typeface="Helvetica Neue Bold Condensed"/>
+                    <a:cs typeface="Helvetica Neue Bold Condensed"/>
+                    <a:sym typeface="Helvetica Neue Bold Condensed"/>
+                  </a:defRPr>
+                </a:lvl1pPr>
+              </a:lstStyle>
+              <a:p>
+                <a:r>
+                  <a:rPr kumimoji="0" lang="en-US" altLang="zh-TW" sz="1200" b="0" i="0" u="none" strike="noStrike" cap="none" spc="0" normalizeH="0" baseline="0" dirty="0">
+                    <a:ln>
+                      <a:noFill/>
+                    </a:ln>
+                    <a:solidFill>
+                      <a:schemeClr val="tx1">
+                        <a:alpha val="15000"/>
+                      </a:schemeClr>
+                    </a:solidFill>
+                    <a:effectLst/>
+                    <a:uFillTx/>
+                    <a:latin typeface="Helvetica Neue Bold Condensed"/>
+                    <a:ea typeface="Helvetica Neue Bold Condensed"/>
+                    <a:cs typeface="Helvetica Neue Bold Condensed"/>
+                    <a:sym typeface="Helvetica Neue Bold Condensed"/>
+                  </a:rPr>
+                  <a:t>10</a:t>
+                </a:r>
+                <a:r>
+                  <a:rPr kumimoji="0" lang="zh-TW" altLang="en-US" sz="1200" b="0" i="0" u="none" strike="noStrike" cap="none" spc="0" normalizeH="0" baseline="0" dirty="0">
+                    <a:ln>
+                      <a:noFill/>
+                    </a:ln>
+                    <a:solidFill>
+                      <a:schemeClr val="tx1">
+                        <a:alpha val="15000"/>
+                      </a:schemeClr>
+                    </a:solidFill>
+                    <a:effectLst/>
+                    <a:uFillTx/>
+                    <a:sym typeface="Helvetica Neue Bold Condensed"/>
+                  </a:rPr>
+                  <a:t>程式中</a:t>
+                </a:r>
+                <a:endParaRPr sz="1400" dirty="0">
+                  <a:solidFill>
+                    <a:schemeClr val="tx1">
+                      <a:alpha val="15000"/>
+                    </a:schemeClr>
+                  </a:solidFill>
+                </a:endParaRPr>
+              </a:p>
+            </p:txBody>
+          </p:sp>
+        </p:grpSp>
+      </p:grpSp>
+    </p:spTree>
+    <p:extLst>
+      <p:ext uri="{BB962C8B-B14F-4D97-AF65-F5344CB8AC3E}">
+        <p14:creationId xmlns:p14="http://schemas.microsoft.com/office/powerpoint/2010/main" val="3359592136"/>
+      </p:ext>
+    </p:extLst>
+  </p:cSld>
+  <p:clrMapOvr>
+    <a:masterClrMapping/>
+  </p:clrMapOvr>
+</p:sld>
+</file>
+
+<file path=ppt/slides/slide12.xml><?xml version="1.0" encoding="utf-8"?>
+<p:sld xmlns:a="http://schemas.openxmlformats.org/drawingml/2006/main" xmlns:r="http://schemas.openxmlformats.org/officeDocument/2006/relationships" xmlns:p="http://schemas.openxmlformats.org/presentationml/2006/main">
+  <p:cSld>
+    <p:spTree>
+      <p:nvGrpSpPr>
+        <p:cNvPr id="1" name=""/>
+        <p:cNvGrpSpPr/>
+        <p:nvPr/>
+      </p:nvGrpSpPr>
+      <p:grpSpPr>
+        <a:xfrm>
+          <a:off x="0" y="0"/>
+          <a:ext cx="0" cy="0"/>
+          <a:chOff x="0" y="0"/>
+          <a:chExt cx="0" cy="0"/>
+        </a:xfrm>
+      </p:grpSpPr>
+      <p:pic>
+        <p:nvPicPr>
+          <p:cNvPr id="3" name="Picture 2">
+            <a:extLst>
+              <a:ext uri="{FF2B5EF4-FFF2-40B4-BE49-F238E27FC236}">
+                <a16:creationId xmlns:a16="http://schemas.microsoft.com/office/drawing/2014/main" id="{33356F9D-1C7B-5E45-81B7-B4E41E92D684}"/>
+              </a:ext>
+            </a:extLst>
+          </p:cNvPr>
+          <p:cNvPicPr>
+            <a:picLocks noChangeAspect="1"/>
+          </p:cNvPicPr>
+          <p:nvPr/>
+        </p:nvPicPr>
+        <p:blipFill>
+          <a:blip r:embed="rId2"/>
+          <a:stretch>
+            <a:fillRect/>
+          </a:stretch>
+        </p:blipFill>
+        <p:spPr>
+          <a:xfrm>
+            <a:off x="2334980" y="1778875"/>
+            <a:ext cx="7522039" cy="3145728"/>
+          </a:xfrm>
+          <a:prstGeom prst="rect">
+            <a:avLst/>
+          </a:prstGeom>
+        </p:spPr>
+      </p:pic>
+      <p:grpSp>
+        <p:nvGrpSpPr>
+          <p:cNvPr id="4" name="Group 3">
+            <a:extLst>
+              <a:ext uri="{FF2B5EF4-FFF2-40B4-BE49-F238E27FC236}">
+                <a16:creationId xmlns:a16="http://schemas.microsoft.com/office/drawing/2014/main" id="{61239E28-1DD6-A74A-AF6F-0C3220D2150A}"/>
+              </a:ext>
+            </a:extLst>
+          </p:cNvPr>
+          <p:cNvGrpSpPr/>
+          <p:nvPr/>
+        </p:nvGrpSpPr>
+        <p:grpSpPr>
+          <a:xfrm>
+            <a:off x="3337067" y="4515504"/>
+            <a:ext cx="5764444" cy="1050587"/>
+            <a:chOff x="3360126" y="3971848"/>
+            <a:chExt cx="5764444" cy="1050587"/>
+          </a:xfrm>
+        </p:grpSpPr>
+        <p:grpSp>
+          <p:nvGrpSpPr>
+            <p:cNvPr id="5" name="Group 4">
+              <a:extLst>
+                <a:ext uri="{FF2B5EF4-FFF2-40B4-BE49-F238E27FC236}">
+                  <a16:creationId xmlns:a16="http://schemas.microsoft.com/office/drawing/2014/main" id="{E5BB265D-1760-E741-8D51-4973822CF272}"/>
+                </a:ext>
+              </a:extLst>
+            </p:cNvPr>
+            <p:cNvGrpSpPr/>
+            <p:nvPr/>
+          </p:nvGrpSpPr>
+          <p:grpSpPr>
+            <a:xfrm>
+              <a:off x="3360126" y="4324980"/>
+              <a:ext cx="2735874" cy="328935"/>
+              <a:chOff x="7237110" y="4273903"/>
+              <a:chExt cx="2735874" cy="328935"/>
+            </a:xfrm>
+          </p:grpSpPr>
+          <p:sp>
+            <p:nvSpPr>
+              <p:cNvPr id="10" name="Intelligent Information Retrieval Laboratory">
+                <a:extLst>
+                  <a:ext uri="{FF2B5EF4-FFF2-40B4-BE49-F238E27FC236}">
+                    <a16:creationId xmlns:a16="http://schemas.microsoft.com/office/drawing/2014/main" id="{B809895D-5BF8-CE4B-B843-D67BC131919D}"/>
+                  </a:ext>
+                </a:extLst>
+              </p:cNvPr>
+              <p:cNvSpPr txBox="1"/>
+              <p:nvPr/>
+            </p:nvSpPr>
+            <p:spPr>
+              <a:xfrm>
+                <a:off x="7237110" y="4273903"/>
+                <a:ext cx="2590800" cy="328935"/>
+              </a:xfrm>
+              <a:prstGeom prst="rect">
+                <a:avLst/>
+              </a:prstGeom>
+              <a:noFill/>
+              <a:ln w="12700" cap="flat">
+                <a:noFill/>
+                <a:miter lim="400000"/>
+              </a:ln>
+              <a:effectLst/>
+              <a:extLst>
+                <a:ext uri="{C572A759-6A51-4108-AA02-DFA0A04FC94B}">
+                  <ma14:wrappingTextBoxFlag xmlns:ma14="http://schemas.microsoft.com/office/mac/drawingml/2011/main" xmlns:a14="http://schemas.microsoft.com/office/drawing/2010/main" xmlns:m="http://schemas.openxmlformats.org/officeDocument/2006/math" xmlns="" val="1"/>
+                </a:ext>
+              </a:extLst>
+            </p:spPr>
+            <p:txBody>
+              <a:bodyPr wrap="square" lIns="71437" tIns="71437" rIns="71437" bIns="71437" numCol="1" anchor="ctr">
+                <a:spAutoFit/>
+              </a:bodyPr>
+              <a:lstStyle>
+                <a:lvl1pPr algn="l" defTabSz="821531">
+                  <a:defRPr sz="2400" b="0">
+                    <a:solidFill>
+                      <a:srgbClr val="FFFFFF"/>
+                    </a:solidFill>
+                    <a:latin typeface="Helvetica Neue Bold Condensed"/>
+                    <a:ea typeface="Helvetica Neue Bold Condensed"/>
+                    <a:cs typeface="Helvetica Neue Bold Condensed"/>
+                    <a:sym typeface="Helvetica Neue Bold Condensed"/>
+                  </a:defRPr>
+                </a:lvl1pPr>
+              </a:lstStyle>
+              <a:p>
+                <a:r>
+                  <a:rPr kumimoji="0" lang="zh-TW" altLang="en-US" sz="1050" b="0" i="0" u="none" strike="noStrike" cap="none" spc="0" normalizeH="0" baseline="0" dirty="0">
+                    <a:ln>
+                      <a:noFill/>
+                    </a:ln>
+                    <a:solidFill>
+                      <a:schemeClr val="tx1">
+                        <a:alpha val="15000"/>
+                      </a:schemeClr>
+                    </a:solidFill>
+                    <a:effectLst/>
+                    <a:uFillTx/>
+                    <a:latin typeface="Helvetica Neue Bold Condensed"/>
+                    <a:ea typeface="Helvetica Neue Bold Condensed"/>
+                    <a:cs typeface="Helvetica Neue Bold Condensed"/>
+                    <a:sym typeface="Helvetica Neue Bold Condensed"/>
+                  </a:rPr>
+                  <a:t>第</a:t>
+                </a:r>
+                <a:r>
+                  <a:rPr kumimoji="0" lang="en-US" altLang="zh-TW" sz="1050" b="0" i="0" u="none" strike="noStrike" cap="none" spc="0" normalizeH="0" baseline="0" dirty="0">
+                    <a:ln>
+                      <a:noFill/>
+                    </a:ln>
+                    <a:solidFill>
+                      <a:schemeClr val="tx1">
+                        <a:alpha val="15000"/>
+                      </a:schemeClr>
+                    </a:solidFill>
+                    <a:effectLst/>
+                    <a:uFillTx/>
+                    <a:latin typeface="Helvetica Neue Bold Condensed"/>
+                    <a:ea typeface="Helvetica Neue Bold Condensed"/>
+                    <a:cs typeface="Helvetica Neue Bold Condensed"/>
+                    <a:sym typeface="Helvetica Neue Bold Condensed"/>
+                  </a:rPr>
+                  <a:t>13</a:t>
+                </a:r>
+                <a:r>
+                  <a:rPr kumimoji="0" lang="zh-TW" altLang="en-US" sz="1050" b="0" i="0" u="none" strike="noStrike" cap="none" spc="0" normalizeH="0" baseline="0" dirty="0">
+                    <a:ln>
+                      <a:noFill/>
+                    </a:ln>
+                    <a:solidFill>
+                      <a:schemeClr val="tx1">
+                        <a:alpha val="15000"/>
+                      </a:schemeClr>
+                    </a:solidFill>
+                    <a:effectLst/>
+                    <a:uFillTx/>
+                    <a:latin typeface="Helvetica Neue Bold Condensed"/>
+                    <a:ea typeface="Helvetica Neue Bold Condensed"/>
+                    <a:cs typeface="Helvetica Neue Bold Condensed"/>
+                    <a:sym typeface="Helvetica Neue Bold Condensed"/>
+                  </a:rPr>
+                  <a:t>屆 </a:t>
+                </a:r>
+                <a:r>
+                  <a:rPr kumimoji="0" lang="en-US" sz="1200" b="0" i="0" u="none" strike="noStrike" cap="none" spc="0" normalizeH="0" baseline="0" dirty="0">
+                    <a:ln>
+                      <a:noFill/>
+                    </a:ln>
+                    <a:solidFill>
+                      <a:schemeClr val="tx1">
+                        <a:alpha val="15000"/>
+                      </a:schemeClr>
+                    </a:solidFill>
+                    <a:effectLst/>
+                    <a:uFillTx/>
+                    <a:latin typeface="Helvetica Neue Bold Condensed"/>
+                    <a:ea typeface="Helvetica Neue Bold Condensed"/>
+                    <a:cs typeface="Helvetica Neue Bold Condensed"/>
+                    <a:sym typeface="Helvetica Neue Bold Condensed"/>
+                  </a:rPr>
+                  <a:t>iT</a:t>
+                </a:r>
+                <a:r>
+                  <a:rPr kumimoji="0" lang="zh-TW" altLang="en-US" sz="1100" b="0" i="0" u="none" strike="noStrike" cap="none" spc="0" normalizeH="0" baseline="0" dirty="0">
+                    <a:ln>
+                      <a:noFill/>
+                    </a:ln>
+                    <a:solidFill>
+                      <a:schemeClr val="tx1">
+                        <a:alpha val="15000"/>
+                      </a:schemeClr>
+                    </a:solidFill>
+                    <a:effectLst/>
+                    <a:uFillTx/>
+                    <a:latin typeface="Helvetica Neue Bold Condensed"/>
+                    <a:ea typeface="Helvetica Neue Bold Condensed"/>
+                    <a:cs typeface="Helvetica Neue Bold Condensed"/>
+                    <a:sym typeface="Helvetica Neue Bold Condensed"/>
+                  </a:rPr>
+                  <a:t>邦</a:t>
+                </a:r>
+                <a:r>
+                  <a:rPr kumimoji="0" lang="zh-TW" altLang="en-US" sz="1000" b="0" i="0" u="none" strike="noStrike" cap="none" spc="0" normalizeH="0" baseline="0" dirty="0">
+                    <a:ln>
+                      <a:noFill/>
+                    </a:ln>
+                    <a:solidFill>
+                      <a:schemeClr val="tx1">
+                        <a:alpha val="15000"/>
+                      </a:schemeClr>
+                    </a:solidFill>
+                    <a:effectLst/>
+                    <a:uFillTx/>
+                    <a:latin typeface="Helvetica Neue Bold Condensed"/>
+                    <a:ea typeface="Helvetica Neue Bold Condensed"/>
+                    <a:cs typeface="Helvetica Neue Bold Condensed"/>
+                    <a:sym typeface="Helvetica Neue Bold Condensed"/>
+                  </a:rPr>
+                  <a:t>幫忙</a:t>
+                </a:r>
+                <a:r>
+                  <a:rPr kumimoji="0" lang="zh-TW" altLang="en-US" sz="1100" b="0" i="0" u="none" strike="noStrike" cap="none" spc="0" normalizeH="0" baseline="0" dirty="0">
+                    <a:ln>
+                      <a:noFill/>
+                    </a:ln>
+                    <a:solidFill>
+                      <a:schemeClr val="tx1">
+                        <a:alpha val="15000"/>
+                      </a:schemeClr>
+                    </a:solidFill>
+                    <a:effectLst/>
+                    <a:uFillTx/>
+                    <a:latin typeface="Helvetica Neue Bold Condensed"/>
+                    <a:ea typeface="Helvetica Neue Bold Condensed"/>
+                    <a:cs typeface="Helvetica Neue Bold Condensed"/>
+                    <a:sym typeface="Helvetica Neue Bold Condensed"/>
+                  </a:rPr>
+                  <a:t> 鐵人賽</a:t>
+                </a:r>
+                <a:endParaRPr sz="1100" dirty="0">
+                  <a:solidFill>
+                    <a:schemeClr val="tx1">
+                      <a:alpha val="15000"/>
+                    </a:schemeClr>
+                  </a:solidFill>
+                </a:endParaRPr>
+              </a:p>
+            </p:txBody>
+          </p:sp>
+          <p:sp>
+            <p:nvSpPr>
+              <p:cNvPr id="11" name="Intelligent Information Retrieval Laboratory">
+                <a:extLst>
+                  <a:ext uri="{FF2B5EF4-FFF2-40B4-BE49-F238E27FC236}">
+                    <a16:creationId xmlns:a16="http://schemas.microsoft.com/office/drawing/2014/main" id="{EE8A33A2-219E-F64F-A2EE-314867469B24}"/>
+                  </a:ext>
+                </a:extLst>
+              </p:cNvPr>
+              <p:cNvSpPr txBox="1"/>
+              <p:nvPr/>
+            </p:nvSpPr>
+            <p:spPr>
+              <a:xfrm>
+                <a:off x="8753784" y="4289292"/>
+                <a:ext cx="1219200" cy="313546"/>
+              </a:xfrm>
+              <a:prstGeom prst="rect">
+                <a:avLst/>
+              </a:prstGeom>
+              <a:noFill/>
+              <a:ln w="12700" cap="flat">
+                <a:noFill/>
+                <a:miter lim="400000"/>
+              </a:ln>
+              <a:effectLst/>
+              <a:extLst>
+                <a:ext uri="{C572A759-6A51-4108-AA02-DFA0A04FC94B}">
+                  <ma14:wrappingTextBoxFlag xmlns:ma14="http://schemas.microsoft.com/office/mac/drawingml/2011/main" xmlns:a14="http://schemas.microsoft.com/office/drawing/2010/main" xmlns:m="http://schemas.openxmlformats.org/officeDocument/2006/math" xmlns="" val="1"/>
+                </a:ext>
+              </a:extLst>
+            </p:spPr>
+            <p:txBody>
+              <a:bodyPr wrap="square" lIns="71437" tIns="71437" rIns="71437" bIns="71437" numCol="1" anchor="ctr">
+                <a:spAutoFit/>
+              </a:bodyPr>
+              <a:lstStyle>
+                <a:lvl1pPr algn="l" defTabSz="821531">
+                  <a:defRPr sz="2400" b="0">
+                    <a:solidFill>
+                      <a:srgbClr val="FFFFFF"/>
+                    </a:solidFill>
+                    <a:latin typeface="Helvetica Neue Bold Condensed"/>
+                    <a:ea typeface="Helvetica Neue Bold Condensed"/>
+                    <a:cs typeface="Helvetica Neue Bold Condensed"/>
+                    <a:sym typeface="Helvetica Neue Bold Condensed"/>
+                  </a:defRPr>
+                </a:lvl1pPr>
+              </a:lstStyle>
+              <a:p>
+                <a:r>
+                  <a:rPr kumimoji="0" lang="en-US" altLang="zh-TW" sz="1050" b="0" i="0" u="none" strike="noStrike" cap="none" spc="0" normalizeH="0" baseline="0" dirty="0">
+                    <a:ln>
+                      <a:noFill/>
+                    </a:ln>
+                    <a:solidFill>
+                      <a:schemeClr val="tx1">
+                        <a:alpha val="15000"/>
+                      </a:schemeClr>
+                    </a:solidFill>
+                    <a:effectLst/>
+                    <a:uFillTx/>
+                    <a:latin typeface="Helvetica Neue Bold Condensed"/>
+                    <a:ea typeface="Helvetica Neue Bold Condensed"/>
+                    <a:cs typeface="Helvetica Neue Bold Condensed"/>
+                    <a:sym typeface="Helvetica Neue Bold Condensed"/>
+                  </a:rPr>
+                  <a:t>AI &amp; Data </a:t>
+                </a:r>
+                <a:r>
+                  <a:rPr kumimoji="0" lang="zh-TW" altLang="en-US" sz="1050" b="0" i="0" u="none" strike="noStrike" cap="none" spc="0" normalizeH="0" baseline="0" dirty="0">
+                    <a:ln>
+                      <a:noFill/>
+                    </a:ln>
+                    <a:solidFill>
+                      <a:schemeClr val="tx1">
+                        <a:alpha val="15000"/>
+                      </a:schemeClr>
+                    </a:solidFill>
+                    <a:effectLst/>
+                    <a:uFillTx/>
+                    <a:latin typeface="Helvetica Neue Bold Condensed"/>
+                    <a:ea typeface="Helvetica Neue Bold Condensed"/>
+                    <a:cs typeface="Helvetica Neue Bold Condensed"/>
+                    <a:sym typeface="Helvetica Neue Bold Condensed"/>
+                  </a:rPr>
+                  <a:t>組</a:t>
+                </a:r>
+                <a:endParaRPr sz="1100" dirty="0">
+                  <a:solidFill>
+                    <a:schemeClr val="tx1">
+                      <a:alpha val="15000"/>
+                    </a:schemeClr>
+                  </a:solidFill>
+                </a:endParaRPr>
+              </a:p>
+            </p:txBody>
+          </p:sp>
+        </p:grpSp>
+        <p:grpSp>
+          <p:nvGrpSpPr>
+            <p:cNvPr id="6" name="Group 5">
+              <a:extLst>
+                <a:ext uri="{FF2B5EF4-FFF2-40B4-BE49-F238E27FC236}">
+                  <a16:creationId xmlns:a16="http://schemas.microsoft.com/office/drawing/2014/main" id="{DA038C14-EA0A-BD40-BA23-BC1BBCD4F36C}"/>
+                </a:ext>
+              </a:extLst>
+            </p:cNvPr>
+            <p:cNvGrpSpPr/>
+            <p:nvPr/>
+          </p:nvGrpSpPr>
+          <p:grpSpPr>
+            <a:xfrm>
+              <a:off x="7247835" y="3971848"/>
+              <a:ext cx="1876735" cy="1050587"/>
+              <a:chOff x="3891792" y="3940042"/>
+              <a:chExt cx="1876735" cy="1050587"/>
+            </a:xfrm>
+          </p:grpSpPr>
+          <p:pic>
+            <p:nvPicPr>
+              <p:cNvPr id="7" name="Picture 6">
+                <a:extLst>
+                  <a:ext uri="{FF2B5EF4-FFF2-40B4-BE49-F238E27FC236}">
+                    <a16:creationId xmlns:a16="http://schemas.microsoft.com/office/drawing/2014/main" id="{A18B34DE-66B7-2545-915D-A1DFAEF39525}"/>
+                  </a:ext>
+                </a:extLst>
+              </p:cNvPr>
+              <p:cNvPicPr>
+                <a:picLocks noChangeAspect="1" noChangeArrowheads="1"/>
+              </p:cNvPicPr>
+              <p:nvPr/>
+            </p:nvPicPr>
+            <p:blipFill>
+              <a:blip r:embed="rId3">
+                <a:duotone>
+                  <a:prstClr val="black"/>
+                  <a:schemeClr val="tx1">
+                    <a:tint val="45000"/>
+                    <a:satMod val="400000"/>
+                  </a:schemeClr>
+                </a:duotone>
+                <a:alphaModFix amt="20000"/>
+              </a:blip>
+              <a:srcRect/>
+              <a:stretch/>
+            </p:blipFill>
+            <p:spPr bwMode="auto">
+              <a:xfrm>
+                <a:off x="4489805" y="3940042"/>
+                <a:ext cx="1050587" cy="1050587"/>
+              </a:xfrm>
+              <a:prstGeom prst="rect">
+                <a:avLst/>
+              </a:prstGeom>
+              <a:noFill/>
+              <a:extLst>
+                <a:ext uri="{909E8E84-426E-40DD-AFC4-6F175D3DCCD1}">
+                  <a14:hiddenFill xmlns:a14="http://schemas.microsoft.com/office/drawing/2010/main">
+                    <a:solidFill>
+                      <a:srgbClr val="FFFFFF"/>
+                    </a:solidFill>
+                  </a14:hiddenFill>
+                </a:ext>
+              </a:extLst>
+            </p:spPr>
+          </p:pic>
+          <p:pic>
+            <p:nvPicPr>
+              <p:cNvPr id="8" name="Picture 4" descr="Youtube logo | Logok">
+                <a:extLst>
+                  <a:ext uri="{FF2B5EF4-FFF2-40B4-BE49-F238E27FC236}">
+                    <a16:creationId xmlns:a16="http://schemas.microsoft.com/office/drawing/2014/main" id="{9D1065B2-34CC-EB4C-8F12-DF0EDE68C944}"/>
+                  </a:ext>
+                </a:extLst>
+              </p:cNvPr>
+              <p:cNvPicPr>
+                <a:picLocks noChangeAspect="1" noChangeArrowheads="1"/>
+              </p:cNvPicPr>
+              <p:nvPr/>
+            </p:nvPicPr>
+            <p:blipFill>
+              <a:blip r:embed="rId4">
+                <a:alphaModFix amt="20000"/>
+                <a:extLst>
+                  <a:ext uri="{28A0092B-C50C-407E-A947-70E740481C1C}">
+                    <a14:useLocalDpi xmlns:a14="http://schemas.microsoft.com/office/drawing/2010/main" val="0"/>
+                  </a:ext>
+                </a:extLst>
+              </a:blip>
+              <a:srcRect/>
+              <a:stretch>
+                <a:fillRect/>
+              </a:stretch>
+            </p:blipFill>
+            <p:spPr bwMode="auto">
+              <a:xfrm>
+                <a:off x="3891792" y="4187926"/>
+                <a:ext cx="739756" cy="554817"/>
+              </a:xfrm>
+              <a:prstGeom prst="rect">
+                <a:avLst/>
+              </a:prstGeom>
+              <a:noFill/>
+              <a:extLst>
+                <a:ext uri="{909E8E84-426E-40DD-AFC4-6F175D3DCCD1}">
+                  <a14:hiddenFill xmlns:a14="http://schemas.microsoft.com/office/drawing/2010/main">
+                    <a:solidFill>
+                      <a:srgbClr val="FFFFFF"/>
+                    </a:solidFill>
+                  </a14:hiddenFill>
+                </a:ext>
+              </a:extLst>
+            </p:spPr>
+          </p:pic>
+          <p:sp>
+            <p:nvSpPr>
+              <p:cNvPr id="9" name="Intelligent Information Retrieval Laboratory">
+                <a:extLst>
+                  <a:ext uri="{FF2B5EF4-FFF2-40B4-BE49-F238E27FC236}">
+                    <a16:creationId xmlns:a16="http://schemas.microsoft.com/office/drawing/2014/main" id="{FA6DC340-6448-614F-9002-10BA8CC54D72}"/>
+                  </a:ext>
+                </a:extLst>
+              </p:cNvPr>
+              <p:cNvSpPr txBox="1"/>
+              <p:nvPr/>
+            </p:nvSpPr>
+            <p:spPr>
+              <a:xfrm>
+                <a:off x="4549327" y="4308601"/>
+                <a:ext cx="1219200" cy="328935"/>
+              </a:xfrm>
+              <a:prstGeom prst="rect">
+                <a:avLst/>
+              </a:prstGeom>
+              <a:noFill/>
+              <a:ln w="12700" cap="flat">
+                <a:noFill/>
+                <a:miter lim="400000"/>
+              </a:ln>
+              <a:effectLst/>
+              <a:extLst>
+                <a:ext uri="{C572A759-6A51-4108-AA02-DFA0A04FC94B}">
+                  <ma14:wrappingTextBoxFlag xmlns:ma14="http://schemas.microsoft.com/office/mac/drawingml/2011/main" xmlns:a14="http://schemas.microsoft.com/office/drawing/2010/main" xmlns:m="http://schemas.openxmlformats.org/officeDocument/2006/math" xmlns="" val="1"/>
+                </a:ext>
+              </a:extLst>
+            </p:spPr>
+            <p:txBody>
+              <a:bodyPr wrap="square" lIns="71437" tIns="71437" rIns="71437" bIns="71437" numCol="1" anchor="ctr">
+                <a:spAutoFit/>
+              </a:bodyPr>
+              <a:lstStyle>
+                <a:lvl1pPr algn="l" defTabSz="821531">
+                  <a:defRPr sz="2400" b="0">
+                    <a:solidFill>
+                      <a:srgbClr val="FFFFFF"/>
+                    </a:solidFill>
+                    <a:latin typeface="Helvetica Neue Bold Condensed"/>
+                    <a:ea typeface="Helvetica Neue Bold Condensed"/>
+                    <a:cs typeface="Helvetica Neue Bold Condensed"/>
+                    <a:sym typeface="Helvetica Neue Bold Condensed"/>
+                  </a:defRPr>
+                </a:lvl1pPr>
+              </a:lstStyle>
+              <a:p>
+                <a:r>
+                  <a:rPr kumimoji="0" lang="en-US" altLang="zh-TW" sz="1200" b="0" i="0" u="none" strike="noStrike" cap="none" spc="0" normalizeH="0" baseline="0" dirty="0">
+                    <a:ln>
+                      <a:noFill/>
+                    </a:ln>
+                    <a:solidFill>
+                      <a:schemeClr val="tx1">
+                        <a:alpha val="15000"/>
+                      </a:schemeClr>
+                    </a:solidFill>
+                    <a:effectLst/>
+                    <a:uFillTx/>
+                    <a:latin typeface="Helvetica Neue Bold Condensed"/>
+                    <a:ea typeface="Helvetica Neue Bold Condensed"/>
+                    <a:cs typeface="Helvetica Neue Bold Condensed"/>
+                    <a:sym typeface="Helvetica Neue Bold Condensed"/>
+                  </a:rPr>
+                  <a:t>10</a:t>
+                </a:r>
+                <a:r>
+                  <a:rPr kumimoji="0" lang="zh-TW" altLang="en-US" sz="1200" b="0" i="0" u="none" strike="noStrike" cap="none" spc="0" normalizeH="0" baseline="0" dirty="0">
+                    <a:ln>
+                      <a:noFill/>
+                    </a:ln>
+                    <a:solidFill>
+                      <a:schemeClr val="tx1">
+                        <a:alpha val="15000"/>
+                      </a:schemeClr>
+                    </a:solidFill>
+                    <a:effectLst/>
+                    <a:uFillTx/>
+                    <a:sym typeface="Helvetica Neue Bold Condensed"/>
+                  </a:rPr>
+                  <a:t>程式中</a:t>
+                </a:r>
+                <a:endParaRPr sz="1400" dirty="0">
+                  <a:solidFill>
+                    <a:schemeClr val="tx1">
+                      <a:alpha val="15000"/>
+                    </a:schemeClr>
+                  </a:solidFill>
+                </a:endParaRPr>
+              </a:p>
+            </p:txBody>
+          </p:sp>
+        </p:grpSp>
+      </p:grpSp>
+    </p:spTree>
+    <p:extLst>
+      <p:ext uri="{BB962C8B-B14F-4D97-AF65-F5344CB8AC3E}">
+        <p14:creationId xmlns:p14="http://schemas.microsoft.com/office/powerpoint/2010/main" val="2535649211"/>
+      </p:ext>
+    </p:extLst>
+  </p:cSld>
+  <p:clrMapOvr>
+    <a:masterClrMapping/>
+  </p:clrMapOvr>
+</p:sld>
+</file>
+
+<file path=ppt/slides/slide13.xml><?xml version="1.0" encoding="utf-8"?>
+<p:sld xmlns:a="http://schemas.openxmlformats.org/drawingml/2006/main" xmlns:r="http://schemas.openxmlformats.org/officeDocument/2006/relationships" xmlns:p="http://schemas.openxmlformats.org/presentationml/2006/main">
+  <p:cSld>
+    <p:spTree>
+      <p:nvGrpSpPr>
+        <p:cNvPr id="1" name=""/>
+        <p:cNvGrpSpPr/>
+        <p:nvPr/>
+      </p:nvGrpSpPr>
+      <p:grpSpPr>
+        <a:xfrm>
+          <a:off x="0" y="0"/>
+          <a:ext cx="0" cy="0"/>
+          <a:chOff x="0" y="0"/>
+          <a:chExt cx="0" cy="0"/>
+        </a:xfrm>
+      </p:grpSpPr>
+      <p:pic>
+        <p:nvPicPr>
+          <p:cNvPr id="3" name="Picture 2">
+            <a:extLst>
+              <a:ext uri="{FF2B5EF4-FFF2-40B4-BE49-F238E27FC236}">
+                <a16:creationId xmlns:a16="http://schemas.microsoft.com/office/drawing/2014/main" id="{17D911CD-9AAB-5A49-B3C3-04B8BD416F65}"/>
+              </a:ext>
+            </a:extLst>
+          </p:cNvPr>
+          <p:cNvPicPr>
+            <a:picLocks noChangeAspect="1"/>
+          </p:cNvPicPr>
+          <p:nvPr/>
+        </p:nvPicPr>
+        <p:blipFill>
+          <a:blip r:embed="rId2"/>
+          <a:stretch>
+            <a:fillRect/>
+          </a:stretch>
+        </p:blipFill>
+        <p:spPr>
+          <a:xfrm>
+            <a:off x="2950960" y="2250570"/>
+            <a:ext cx="6290079" cy="2609713"/>
+          </a:xfrm>
+          <a:prstGeom prst="rect">
+            <a:avLst/>
+          </a:prstGeom>
+        </p:spPr>
+      </p:pic>
+      <p:grpSp>
+        <p:nvGrpSpPr>
+          <p:cNvPr id="4" name="Group 3">
+            <a:extLst>
+              <a:ext uri="{FF2B5EF4-FFF2-40B4-BE49-F238E27FC236}">
+                <a16:creationId xmlns:a16="http://schemas.microsoft.com/office/drawing/2014/main" id="{967D2FCD-DD38-8443-B6EC-7F8F05788534}"/>
+              </a:ext>
+            </a:extLst>
+          </p:cNvPr>
+          <p:cNvGrpSpPr/>
+          <p:nvPr/>
+        </p:nvGrpSpPr>
+        <p:grpSpPr>
+          <a:xfrm>
+            <a:off x="3337067" y="4515504"/>
+            <a:ext cx="5764444" cy="1050587"/>
+            <a:chOff x="3360126" y="3971848"/>
+            <a:chExt cx="5764444" cy="1050587"/>
+          </a:xfrm>
+        </p:grpSpPr>
+        <p:grpSp>
+          <p:nvGrpSpPr>
+            <p:cNvPr id="5" name="Group 4">
+              <a:extLst>
+                <a:ext uri="{FF2B5EF4-FFF2-40B4-BE49-F238E27FC236}">
+                  <a16:creationId xmlns:a16="http://schemas.microsoft.com/office/drawing/2014/main" id="{50AE4377-7D67-4346-815F-A410F33E75A0}"/>
+                </a:ext>
+              </a:extLst>
+            </p:cNvPr>
+            <p:cNvGrpSpPr/>
+            <p:nvPr/>
+          </p:nvGrpSpPr>
+          <p:grpSpPr>
+            <a:xfrm>
+              <a:off x="3360126" y="4324980"/>
+              <a:ext cx="2735874" cy="328935"/>
+              <a:chOff x="7237110" y="4273903"/>
+              <a:chExt cx="2735874" cy="328935"/>
+            </a:xfrm>
+          </p:grpSpPr>
+          <p:sp>
+            <p:nvSpPr>
+              <p:cNvPr id="10" name="Intelligent Information Retrieval Laboratory">
+                <a:extLst>
+                  <a:ext uri="{FF2B5EF4-FFF2-40B4-BE49-F238E27FC236}">
+                    <a16:creationId xmlns:a16="http://schemas.microsoft.com/office/drawing/2014/main" id="{D557105C-0A9D-AA40-AE42-23DC6A27D12B}"/>
+                  </a:ext>
+                </a:extLst>
+              </p:cNvPr>
+              <p:cNvSpPr txBox="1"/>
+              <p:nvPr/>
+            </p:nvSpPr>
+            <p:spPr>
+              <a:xfrm>
+                <a:off x="7237110" y="4273903"/>
+                <a:ext cx="2590800" cy="328935"/>
+              </a:xfrm>
+              <a:prstGeom prst="rect">
+                <a:avLst/>
+              </a:prstGeom>
+              <a:noFill/>
+              <a:ln w="12700" cap="flat">
+                <a:noFill/>
+                <a:miter lim="400000"/>
+              </a:ln>
+              <a:effectLst/>
+              <a:extLst>
+                <a:ext uri="{C572A759-6A51-4108-AA02-DFA0A04FC94B}">
+                  <ma14:wrappingTextBoxFlag xmlns:ma14="http://schemas.microsoft.com/office/mac/drawingml/2011/main" xmlns:a14="http://schemas.microsoft.com/office/drawing/2010/main" xmlns:m="http://schemas.openxmlformats.org/officeDocument/2006/math" xmlns="" val="1"/>
+                </a:ext>
+              </a:extLst>
+            </p:spPr>
+            <p:txBody>
+              <a:bodyPr wrap="square" lIns="71437" tIns="71437" rIns="71437" bIns="71437" numCol="1" anchor="ctr">
+                <a:spAutoFit/>
+              </a:bodyPr>
+              <a:lstStyle>
+                <a:lvl1pPr algn="l" defTabSz="821531">
+                  <a:defRPr sz="2400" b="0">
+                    <a:solidFill>
+                      <a:srgbClr val="FFFFFF"/>
+                    </a:solidFill>
+                    <a:latin typeface="Helvetica Neue Bold Condensed"/>
+                    <a:ea typeface="Helvetica Neue Bold Condensed"/>
+                    <a:cs typeface="Helvetica Neue Bold Condensed"/>
+                    <a:sym typeface="Helvetica Neue Bold Condensed"/>
+                  </a:defRPr>
+                </a:lvl1pPr>
+              </a:lstStyle>
+              <a:p>
+                <a:r>
+                  <a:rPr kumimoji="0" lang="zh-TW" altLang="en-US" sz="1050" b="0" i="0" u="none" strike="noStrike" cap="none" spc="0" normalizeH="0" baseline="0" dirty="0">
+                    <a:ln>
+                      <a:noFill/>
+                    </a:ln>
+                    <a:solidFill>
+                      <a:schemeClr val="tx1">
+                        <a:alpha val="15000"/>
+                      </a:schemeClr>
+                    </a:solidFill>
+                    <a:effectLst/>
+                    <a:uFillTx/>
+                    <a:latin typeface="Helvetica Neue Bold Condensed"/>
+                    <a:ea typeface="Helvetica Neue Bold Condensed"/>
+                    <a:cs typeface="Helvetica Neue Bold Condensed"/>
+                    <a:sym typeface="Helvetica Neue Bold Condensed"/>
+                  </a:rPr>
+                  <a:t>第</a:t>
+                </a:r>
+                <a:r>
+                  <a:rPr kumimoji="0" lang="en-US" altLang="zh-TW" sz="1050" b="0" i="0" u="none" strike="noStrike" cap="none" spc="0" normalizeH="0" baseline="0" dirty="0">
+                    <a:ln>
+                      <a:noFill/>
+                    </a:ln>
+                    <a:solidFill>
+                      <a:schemeClr val="tx1">
+                        <a:alpha val="15000"/>
+                      </a:schemeClr>
+                    </a:solidFill>
+                    <a:effectLst/>
+                    <a:uFillTx/>
+                    <a:latin typeface="Helvetica Neue Bold Condensed"/>
+                    <a:ea typeface="Helvetica Neue Bold Condensed"/>
+                    <a:cs typeface="Helvetica Neue Bold Condensed"/>
+                    <a:sym typeface="Helvetica Neue Bold Condensed"/>
+                  </a:rPr>
+                  <a:t>13</a:t>
+                </a:r>
+                <a:r>
+                  <a:rPr kumimoji="0" lang="zh-TW" altLang="en-US" sz="1050" b="0" i="0" u="none" strike="noStrike" cap="none" spc="0" normalizeH="0" baseline="0" dirty="0">
+                    <a:ln>
+                      <a:noFill/>
+                    </a:ln>
+                    <a:solidFill>
+                      <a:schemeClr val="tx1">
+                        <a:alpha val="15000"/>
+                      </a:schemeClr>
+                    </a:solidFill>
+                    <a:effectLst/>
+                    <a:uFillTx/>
+                    <a:latin typeface="Helvetica Neue Bold Condensed"/>
+                    <a:ea typeface="Helvetica Neue Bold Condensed"/>
+                    <a:cs typeface="Helvetica Neue Bold Condensed"/>
+                    <a:sym typeface="Helvetica Neue Bold Condensed"/>
+                  </a:rPr>
+                  <a:t>屆 </a:t>
+                </a:r>
+                <a:r>
+                  <a:rPr kumimoji="0" lang="en-US" sz="1200" b="0" i="0" u="none" strike="noStrike" cap="none" spc="0" normalizeH="0" baseline="0" dirty="0">
+                    <a:ln>
+                      <a:noFill/>
+                    </a:ln>
+                    <a:solidFill>
+                      <a:schemeClr val="tx1">
+                        <a:alpha val="15000"/>
+                      </a:schemeClr>
+                    </a:solidFill>
+                    <a:effectLst/>
+                    <a:uFillTx/>
+                    <a:latin typeface="Helvetica Neue Bold Condensed"/>
+                    <a:ea typeface="Helvetica Neue Bold Condensed"/>
+                    <a:cs typeface="Helvetica Neue Bold Condensed"/>
+                    <a:sym typeface="Helvetica Neue Bold Condensed"/>
+                  </a:rPr>
+                  <a:t>iT</a:t>
+                </a:r>
+                <a:r>
+                  <a:rPr kumimoji="0" lang="zh-TW" altLang="en-US" sz="1100" b="0" i="0" u="none" strike="noStrike" cap="none" spc="0" normalizeH="0" baseline="0" dirty="0">
+                    <a:ln>
+                      <a:noFill/>
+                    </a:ln>
+                    <a:solidFill>
+                      <a:schemeClr val="tx1">
+                        <a:alpha val="15000"/>
+                      </a:schemeClr>
+                    </a:solidFill>
+                    <a:effectLst/>
+                    <a:uFillTx/>
+                    <a:latin typeface="Helvetica Neue Bold Condensed"/>
+                    <a:ea typeface="Helvetica Neue Bold Condensed"/>
+                    <a:cs typeface="Helvetica Neue Bold Condensed"/>
+                    <a:sym typeface="Helvetica Neue Bold Condensed"/>
+                  </a:rPr>
+                  <a:t>邦</a:t>
+                </a:r>
+                <a:r>
+                  <a:rPr kumimoji="0" lang="zh-TW" altLang="en-US" sz="1000" b="0" i="0" u="none" strike="noStrike" cap="none" spc="0" normalizeH="0" baseline="0" dirty="0">
+                    <a:ln>
+                      <a:noFill/>
+                    </a:ln>
+                    <a:solidFill>
+                      <a:schemeClr val="tx1">
+                        <a:alpha val="15000"/>
+                      </a:schemeClr>
+                    </a:solidFill>
+                    <a:effectLst/>
+                    <a:uFillTx/>
+                    <a:latin typeface="Helvetica Neue Bold Condensed"/>
+                    <a:ea typeface="Helvetica Neue Bold Condensed"/>
+                    <a:cs typeface="Helvetica Neue Bold Condensed"/>
+                    <a:sym typeface="Helvetica Neue Bold Condensed"/>
+                  </a:rPr>
+                  <a:t>幫忙</a:t>
+                </a:r>
+                <a:r>
+                  <a:rPr kumimoji="0" lang="zh-TW" altLang="en-US" sz="1100" b="0" i="0" u="none" strike="noStrike" cap="none" spc="0" normalizeH="0" baseline="0" dirty="0">
+                    <a:ln>
+                      <a:noFill/>
+                    </a:ln>
+                    <a:solidFill>
+                      <a:schemeClr val="tx1">
+                        <a:alpha val="15000"/>
+                      </a:schemeClr>
+                    </a:solidFill>
+                    <a:effectLst/>
+                    <a:uFillTx/>
+                    <a:latin typeface="Helvetica Neue Bold Condensed"/>
+                    <a:ea typeface="Helvetica Neue Bold Condensed"/>
+                    <a:cs typeface="Helvetica Neue Bold Condensed"/>
+                    <a:sym typeface="Helvetica Neue Bold Condensed"/>
+                  </a:rPr>
+                  <a:t> 鐵人賽</a:t>
+                </a:r>
+                <a:endParaRPr sz="1100" dirty="0">
+                  <a:solidFill>
+                    <a:schemeClr val="tx1">
+                      <a:alpha val="15000"/>
+                    </a:schemeClr>
+                  </a:solidFill>
+                </a:endParaRPr>
+              </a:p>
+            </p:txBody>
+          </p:sp>
+          <p:sp>
+            <p:nvSpPr>
+              <p:cNvPr id="11" name="Intelligent Information Retrieval Laboratory">
+                <a:extLst>
+                  <a:ext uri="{FF2B5EF4-FFF2-40B4-BE49-F238E27FC236}">
+                    <a16:creationId xmlns:a16="http://schemas.microsoft.com/office/drawing/2014/main" id="{6DFCAB28-0425-E547-AE2D-56392910D8BC}"/>
+                  </a:ext>
+                </a:extLst>
+              </p:cNvPr>
+              <p:cNvSpPr txBox="1"/>
+              <p:nvPr/>
+            </p:nvSpPr>
+            <p:spPr>
+              <a:xfrm>
+                <a:off x="8753784" y="4289292"/>
+                <a:ext cx="1219200" cy="313546"/>
+              </a:xfrm>
+              <a:prstGeom prst="rect">
+                <a:avLst/>
+              </a:prstGeom>
+              <a:noFill/>
+              <a:ln w="12700" cap="flat">
+                <a:noFill/>
+                <a:miter lim="400000"/>
+              </a:ln>
+              <a:effectLst/>
+              <a:extLst>
+                <a:ext uri="{C572A759-6A51-4108-AA02-DFA0A04FC94B}">
+                  <ma14:wrappingTextBoxFlag xmlns:ma14="http://schemas.microsoft.com/office/mac/drawingml/2011/main" xmlns:a14="http://schemas.microsoft.com/office/drawing/2010/main" xmlns:m="http://schemas.openxmlformats.org/officeDocument/2006/math" xmlns="" val="1"/>
+                </a:ext>
+              </a:extLst>
+            </p:spPr>
+            <p:txBody>
+              <a:bodyPr wrap="square" lIns="71437" tIns="71437" rIns="71437" bIns="71437" numCol="1" anchor="ctr">
+                <a:spAutoFit/>
+              </a:bodyPr>
+              <a:lstStyle>
+                <a:lvl1pPr algn="l" defTabSz="821531">
+                  <a:defRPr sz="2400" b="0">
+                    <a:solidFill>
+                      <a:srgbClr val="FFFFFF"/>
+                    </a:solidFill>
+                    <a:latin typeface="Helvetica Neue Bold Condensed"/>
+                    <a:ea typeface="Helvetica Neue Bold Condensed"/>
+                    <a:cs typeface="Helvetica Neue Bold Condensed"/>
+                    <a:sym typeface="Helvetica Neue Bold Condensed"/>
+                  </a:defRPr>
+                </a:lvl1pPr>
+              </a:lstStyle>
+              <a:p>
+                <a:r>
+                  <a:rPr kumimoji="0" lang="en-US" altLang="zh-TW" sz="1050" b="0" i="0" u="none" strike="noStrike" cap="none" spc="0" normalizeH="0" baseline="0" dirty="0">
+                    <a:ln>
+                      <a:noFill/>
+                    </a:ln>
+                    <a:solidFill>
+                      <a:schemeClr val="tx1">
+                        <a:alpha val="15000"/>
+                      </a:schemeClr>
+                    </a:solidFill>
+                    <a:effectLst/>
+                    <a:uFillTx/>
+                    <a:latin typeface="Helvetica Neue Bold Condensed"/>
+                    <a:ea typeface="Helvetica Neue Bold Condensed"/>
+                    <a:cs typeface="Helvetica Neue Bold Condensed"/>
+                    <a:sym typeface="Helvetica Neue Bold Condensed"/>
+                  </a:rPr>
+                  <a:t>AI &amp; Data </a:t>
+                </a:r>
+                <a:r>
+                  <a:rPr kumimoji="0" lang="zh-TW" altLang="en-US" sz="1050" b="0" i="0" u="none" strike="noStrike" cap="none" spc="0" normalizeH="0" baseline="0" dirty="0">
+                    <a:ln>
+                      <a:noFill/>
+                    </a:ln>
+                    <a:solidFill>
+                      <a:schemeClr val="tx1">
+                        <a:alpha val="15000"/>
+                      </a:schemeClr>
+                    </a:solidFill>
+                    <a:effectLst/>
+                    <a:uFillTx/>
+                    <a:latin typeface="Helvetica Neue Bold Condensed"/>
+                    <a:ea typeface="Helvetica Neue Bold Condensed"/>
+                    <a:cs typeface="Helvetica Neue Bold Condensed"/>
+                    <a:sym typeface="Helvetica Neue Bold Condensed"/>
+                  </a:rPr>
+                  <a:t>組</a:t>
+                </a:r>
+                <a:endParaRPr sz="1100" dirty="0">
+                  <a:solidFill>
+                    <a:schemeClr val="tx1">
+                      <a:alpha val="15000"/>
+                    </a:schemeClr>
+                  </a:solidFill>
+                </a:endParaRPr>
+              </a:p>
+            </p:txBody>
+          </p:sp>
+        </p:grpSp>
+        <p:grpSp>
+          <p:nvGrpSpPr>
+            <p:cNvPr id="6" name="Group 5">
+              <a:extLst>
+                <a:ext uri="{FF2B5EF4-FFF2-40B4-BE49-F238E27FC236}">
+                  <a16:creationId xmlns:a16="http://schemas.microsoft.com/office/drawing/2014/main" id="{C10CD94D-E434-D44C-9FC3-361F750E5363}"/>
+                </a:ext>
+              </a:extLst>
+            </p:cNvPr>
+            <p:cNvGrpSpPr/>
+            <p:nvPr/>
+          </p:nvGrpSpPr>
+          <p:grpSpPr>
+            <a:xfrm>
+              <a:off x="7247835" y="3971848"/>
+              <a:ext cx="1876735" cy="1050587"/>
+              <a:chOff x="3891792" y="3940042"/>
+              <a:chExt cx="1876735" cy="1050587"/>
+            </a:xfrm>
+          </p:grpSpPr>
+          <p:pic>
+            <p:nvPicPr>
+              <p:cNvPr id="7" name="Picture 6">
+                <a:extLst>
+                  <a:ext uri="{FF2B5EF4-FFF2-40B4-BE49-F238E27FC236}">
+                    <a16:creationId xmlns:a16="http://schemas.microsoft.com/office/drawing/2014/main" id="{6932A9E2-BD86-9444-A98F-C8D0430A6D8C}"/>
+                  </a:ext>
+                </a:extLst>
+              </p:cNvPr>
+              <p:cNvPicPr>
+                <a:picLocks noChangeAspect="1" noChangeArrowheads="1"/>
+              </p:cNvPicPr>
+              <p:nvPr/>
+            </p:nvPicPr>
+            <p:blipFill>
+              <a:blip r:embed="rId3">
+                <a:duotone>
+                  <a:prstClr val="black"/>
+                  <a:schemeClr val="tx1">
+                    <a:tint val="45000"/>
+                    <a:satMod val="400000"/>
+                  </a:schemeClr>
+                </a:duotone>
+                <a:alphaModFix amt="20000"/>
+              </a:blip>
+              <a:srcRect/>
+              <a:stretch/>
+            </p:blipFill>
+            <p:spPr bwMode="auto">
+              <a:xfrm>
+                <a:off x="4489805" y="3940042"/>
+                <a:ext cx="1050587" cy="1050587"/>
+              </a:xfrm>
+              <a:prstGeom prst="rect">
+                <a:avLst/>
+              </a:prstGeom>
+              <a:noFill/>
+              <a:extLst>
+                <a:ext uri="{909E8E84-426E-40DD-AFC4-6F175D3DCCD1}">
+                  <a14:hiddenFill xmlns:a14="http://schemas.microsoft.com/office/drawing/2010/main">
+                    <a:solidFill>
+                      <a:srgbClr val="FFFFFF"/>
+                    </a:solidFill>
+                  </a14:hiddenFill>
+                </a:ext>
+              </a:extLst>
+            </p:spPr>
+          </p:pic>
+          <p:pic>
+            <p:nvPicPr>
+              <p:cNvPr id="8" name="Picture 4" descr="Youtube logo | Logok">
+                <a:extLst>
+                  <a:ext uri="{FF2B5EF4-FFF2-40B4-BE49-F238E27FC236}">
+                    <a16:creationId xmlns:a16="http://schemas.microsoft.com/office/drawing/2014/main" id="{341D95C1-5CB0-784A-B2CD-B9E01835B868}"/>
+                  </a:ext>
+                </a:extLst>
+              </p:cNvPr>
+              <p:cNvPicPr>
+                <a:picLocks noChangeAspect="1" noChangeArrowheads="1"/>
+              </p:cNvPicPr>
+              <p:nvPr/>
+            </p:nvPicPr>
+            <p:blipFill>
+              <a:blip r:embed="rId4">
+                <a:alphaModFix amt="20000"/>
+                <a:extLst>
+                  <a:ext uri="{28A0092B-C50C-407E-A947-70E740481C1C}">
+                    <a14:useLocalDpi xmlns:a14="http://schemas.microsoft.com/office/drawing/2010/main" val="0"/>
+                  </a:ext>
+                </a:extLst>
+              </a:blip>
+              <a:srcRect/>
+              <a:stretch>
+                <a:fillRect/>
+              </a:stretch>
+            </p:blipFill>
+            <p:spPr bwMode="auto">
+              <a:xfrm>
+                <a:off x="3891792" y="4187926"/>
+                <a:ext cx="739756" cy="554817"/>
+              </a:xfrm>
+              <a:prstGeom prst="rect">
+                <a:avLst/>
+              </a:prstGeom>
+              <a:noFill/>
+              <a:extLst>
+                <a:ext uri="{909E8E84-426E-40DD-AFC4-6F175D3DCCD1}">
+                  <a14:hiddenFill xmlns:a14="http://schemas.microsoft.com/office/drawing/2010/main">
+                    <a:solidFill>
+                      <a:srgbClr val="FFFFFF"/>
+                    </a:solidFill>
+                  </a14:hiddenFill>
+                </a:ext>
+              </a:extLst>
+            </p:spPr>
+          </p:pic>
+          <p:sp>
+            <p:nvSpPr>
+              <p:cNvPr id="9" name="Intelligent Information Retrieval Laboratory">
+                <a:extLst>
+                  <a:ext uri="{FF2B5EF4-FFF2-40B4-BE49-F238E27FC236}">
+                    <a16:creationId xmlns:a16="http://schemas.microsoft.com/office/drawing/2014/main" id="{B364D5E4-49D1-5943-8905-EFE9D5933DCC}"/>
+                  </a:ext>
+                </a:extLst>
+              </p:cNvPr>
+              <p:cNvSpPr txBox="1"/>
+              <p:nvPr/>
+            </p:nvSpPr>
+            <p:spPr>
+              <a:xfrm>
+                <a:off x="4549327" y="4308601"/>
+                <a:ext cx="1219200" cy="328935"/>
+              </a:xfrm>
+              <a:prstGeom prst="rect">
+                <a:avLst/>
+              </a:prstGeom>
+              <a:noFill/>
+              <a:ln w="12700" cap="flat">
+                <a:noFill/>
+                <a:miter lim="400000"/>
+              </a:ln>
+              <a:effectLst/>
+              <a:extLst>
+                <a:ext uri="{C572A759-6A51-4108-AA02-DFA0A04FC94B}">
+                  <ma14:wrappingTextBoxFlag xmlns:ma14="http://schemas.microsoft.com/office/mac/drawingml/2011/main" xmlns:a14="http://schemas.microsoft.com/office/drawing/2010/main" xmlns:m="http://schemas.openxmlformats.org/officeDocument/2006/math" xmlns="" val="1"/>
+                </a:ext>
+              </a:extLst>
+            </p:spPr>
+            <p:txBody>
+              <a:bodyPr wrap="square" lIns="71437" tIns="71437" rIns="71437" bIns="71437" numCol="1" anchor="ctr">
+                <a:spAutoFit/>
+              </a:bodyPr>
+              <a:lstStyle>
+                <a:lvl1pPr algn="l" defTabSz="821531">
+                  <a:defRPr sz="2400" b="0">
+                    <a:solidFill>
+                      <a:srgbClr val="FFFFFF"/>
+                    </a:solidFill>
+                    <a:latin typeface="Helvetica Neue Bold Condensed"/>
+                    <a:ea typeface="Helvetica Neue Bold Condensed"/>
+                    <a:cs typeface="Helvetica Neue Bold Condensed"/>
+                    <a:sym typeface="Helvetica Neue Bold Condensed"/>
+                  </a:defRPr>
+                </a:lvl1pPr>
+              </a:lstStyle>
+              <a:p>
+                <a:r>
+                  <a:rPr kumimoji="0" lang="en-US" altLang="zh-TW" sz="1200" b="0" i="0" u="none" strike="noStrike" cap="none" spc="0" normalizeH="0" baseline="0" dirty="0">
+                    <a:ln>
+                      <a:noFill/>
+                    </a:ln>
+                    <a:solidFill>
+                      <a:schemeClr val="tx1">
+                        <a:alpha val="15000"/>
+                      </a:schemeClr>
+                    </a:solidFill>
+                    <a:effectLst/>
+                    <a:uFillTx/>
+                    <a:latin typeface="Helvetica Neue Bold Condensed"/>
+                    <a:ea typeface="Helvetica Neue Bold Condensed"/>
+                    <a:cs typeface="Helvetica Neue Bold Condensed"/>
+                    <a:sym typeface="Helvetica Neue Bold Condensed"/>
+                  </a:rPr>
+                  <a:t>10</a:t>
+                </a:r>
+                <a:r>
+                  <a:rPr kumimoji="0" lang="zh-TW" altLang="en-US" sz="1200" b="0" i="0" u="none" strike="noStrike" cap="none" spc="0" normalizeH="0" baseline="0" dirty="0">
+                    <a:ln>
+                      <a:noFill/>
+                    </a:ln>
+                    <a:solidFill>
+                      <a:schemeClr val="tx1">
+                        <a:alpha val="15000"/>
+                      </a:schemeClr>
+                    </a:solidFill>
+                    <a:effectLst/>
+                    <a:uFillTx/>
+                    <a:sym typeface="Helvetica Neue Bold Condensed"/>
+                  </a:rPr>
+                  <a:t>程式中</a:t>
+                </a:r>
+                <a:endParaRPr sz="1400" dirty="0">
+                  <a:solidFill>
+                    <a:schemeClr val="tx1">
+                      <a:alpha val="15000"/>
+                    </a:schemeClr>
+                  </a:solidFill>
+                </a:endParaRPr>
+              </a:p>
+            </p:txBody>
+          </p:sp>
+        </p:grpSp>
+      </p:grpSp>
+    </p:spTree>
+    <p:extLst>
+      <p:ext uri="{BB962C8B-B14F-4D97-AF65-F5344CB8AC3E}">
+        <p14:creationId xmlns:p14="http://schemas.microsoft.com/office/powerpoint/2010/main" val="2438633000"/>
+      </p:ext>
+    </p:extLst>
+  </p:cSld>
+  <p:clrMapOvr>
+    <a:masterClrMapping/>
+  </p:clrMapOvr>
+</p:sld>
+</file>
+
+<file path=ppt/slides/slide14.xml><?xml version="1.0" encoding="utf-8"?>
+<p:sld xmlns:a="http://schemas.openxmlformats.org/drawingml/2006/main" xmlns:r="http://schemas.openxmlformats.org/officeDocument/2006/relationships" xmlns:p="http://schemas.openxmlformats.org/presentationml/2006/main">
+  <p:cSld>
+    <p:spTree>
+      <p:nvGrpSpPr>
+        <p:cNvPr id="1" name=""/>
+        <p:cNvGrpSpPr/>
+        <p:nvPr/>
+      </p:nvGrpSpPr>
+      <p:grpSpPr>
+        <a:xfrm>
+          <a:off x="0" y="0"/>
+          <a:ext cx="0" cy="0"/>
+          <a:chOff x="0" y="0"/>
+          <a:chExt cx="0" cy="0"/>
+        </a:xfrm>
+      </p:grpSpPr>
+      <p:pic>
+        <p:nvPicPr>
+          <p:cNvPr id="3" name="Picture 2">
+            <a:extLst>
+              <a:ext uri="{FF2B5EF4-FFF2-40B4-BE49-F238E27FC236}">
+                <a16:creationId xmlns:a16="http://schemas.microsoft.com/office/drawing/2014/main" id="{940DB1BC-785A-9044-8B6D-84D3AB2A442B}"/>
+              </a:ext>
+            </a:extLst>
+          </p:cNvPr>
+          <p:cNvPicPr>
+            <a:picLocks noChangeAspect="1"/>
+          </p:cNvPicPr>
+          <p:nvPr/>
+        </p:nvPicPr>
+        <p:blipFill>
+          <a:blip r:embed="rId2"/>
+          <a:stretch>
+            <a:fillRect/>
+          </a:stretch>
+        </p:blipFill>
+        <p:spPr>
+          <a:xfrm>
+            <a:off x="2894746" y="2094612"/>
+            <a:ext cx="6738777" cy="2795019"/>
+          </a:xfrm>
+          <a:prstGeom prst="rect">
+            <a:avLst/>
+          </a:prstGeom>
+        </p:spPr>
+      </p:pic>
+      <p:grpSp>
+        <p:nvGrpSpPr>
+          <p:cNvPr id="4" name="Group 3">
+            <a:extLst>
+              <a:ext uri="{FF2B5EF4-FFF2-40B4-BE49-F238E27FC236}">
+                <a16:creationId xmlns:a16="http://schemas.microsoft.com/office/drawing/2014/main" id="{F2E27195-51C9-C548-ACBF-98836DC78BA5}"/>
+              </a:ext>
+            </a:extLst>
+          </p:cNvPr>
+          <p:cNvGrpSpPr/>
+          <p:nvPr/>
+        </p:nvGrpSpPr>
+        <p:grpSpPr>
+          <a:xfrm>
+            <a:off x="3337067" y="4515504"/>
+            <a:ext cx="5764444" cy="1050587"/>
+            <a:chOff x="3360126" y="3971848"/>
+            <a:chExt cx="5764444" cy="1050587"/>
+          </a:xfrm>
+        </p:grpSpPr>
+        <p:grpSp>
+          <p:nvGrpSpPr>
+            <p:cNvPr id="5" name="Group 4">
+              <a:extLst>
+                <a:ext uri="{FF2B5EF4-FFF2-40B4-BE49-F238E27FC236}">
+                  <a16:creationId xmlns:a16="http://schemas.microsoft.com/office/drawing/2014/main" id="{DB9635C4-B5B5-5C46-B5C5-BDC18023520C}"/>
+                </a:ext>
+              </a:extLst>
+            </p:cNvPr>
+            <p:cNvGrpSpPr/>
+            <p:nvPr/>
+          </p:nvGrpSpPr>
+          <p:grpSpPr>
+            <a:xfrm>
+              <a:off x="3360126" y="4324980"/>
+              <a:ext cx="2735874" cy="328935"/>
+              <a:chOff x="7237110" y="4273903"/>
+              <a:chExt cx="2735874" cy="328935"/>
+            </a:xfrm>
+          </p:grpSpPr>
+          <p:sp>
+            <p:nvSpPr>
+              <p:cNvPr id="10" name="Intelligent Information Retrieval Laboratory">
+                <a:extLst>
+                  <a:ext uri="{FF2B5EF4-FFF2-40B4-BE49-F238E27FC236}">
+                    <a16:creationId xmlns:a16="http://schemas.microsoft.com/office/drawing/2014/main" id="{D5614B1A-E9C2-8343-849D-C6AD377C35C4}"/>
+                  </a:ext>
+                </a:extLst>
+              </p:cNvPr>
+              <p:cNvSpPr txBox="1"/>
+              <p:nvPr/>
+            </p:nvSpPr>
+            <p:spPr>
+              <a:xfrm>
+                <a:off x="7237110" y="4273903"/>
+                <a:ext cx="2590800" cy="328935"/>
+              </a:xfrm>
+              <a:prstGeom prst="rect">
+                <a:avLst/>
+              </a:prstGeom>
+              <a:noFill/>
+              <a:ln w="12700" cap="flat">
+                <a:noFill/>
+                <a:miter lim="400000"/>
+              </a:ln>
+              <a:effectLst/>
+              <a:extLst>
+                <a:ext uri="{C572A759-6A51-4108-AA02-DFA0A04FC94B}">
+                  <ma14:wrappingTextBoxFlag xmlns:ma14="http://schemas.microsoft.com/office/mac/drawingml/2011/main" xmlns:a14="http://schemas.microsoft.com/office/drawing/2010/main" xmlns:m="http://schemas.openxmlformats.org/officeDocument/2006/math" xmlns="" val="1"/>
+                </a:ext>
+              </a:extLst>
+            </p:spPr>
+            <p:txBody>
+              <a:bodyPr wrap="square" lIns="71437" tIns="71437" rIns="71437" bIns="71437" numCol="1" anchor="ctr">
+                <a:spAutoFit/>
+              </a:bodyPr>
+              <a:lstStyle>
+                <a:lvl1pPr algn="l" defTabSz="821531">
+                  <a:defRPr sz="2400" b="0">
+                    <a:solidFill>
+                      <a:srgbClr val="FFFFFF"/>
+                    </a:solidFill>
+                    <a:latin typeface="Helvetica Neue Bold Condensed"/>
+                    <a:ea typeface="Helvetica Neue Bold Condensed"/>
+                    <a:cs typeface="Helvetica Neue Bold Condensed"/>
+                    <a:sym typeface="Helvetica Neue Bold Condensed"/>
+                  </a:defRPr>
+                </a:lvl1pPr>
+              </a:lstStyle>
+              <a:p>
+                <a:r>
+                  <a:rPr kumimoji="0" lang="zh-TW" altLang="en-US" sz="1050" b="0" i="0" u="none" strike="noStrike" cap="none" spc="0" normalizeH="0" baseline="0" dirty="0">
+                    <a:ln>
+                      <a:noFill/>
+                    </a:ln>
+                    <a:solidFill>
+                      <a:schemeClr val="tx1">
+                        <a:alpha val="15000"/>
+                      </a:schemeClr>
+                    </a:solidFill>
+                    <a:effectLst/>
+                    <a:uFillTx/>
+                    <a:latin typeface="Helvetica Neue Bold Condensed"/>
+                    <a:ea typeface="Helvetica Neue Bold Condensed"/>
+                    <a:cs typeface="Helvetica Neue Bold Condensed"/>
+                    <a:sym typeface="Helvetica Neue Bold Condensed"/>
+                  </a:rPr>
+                  <a:t>第</a:t>
+                </a:r>
+                <a:r>
+                  <a:rPr kumimoji="0" lang="en-US" altLang="zh-TW" sz="1050" b="0" i="0" u="none" strike="noStrike" cap="none" spc="0" normalizeH="0" baseline="0" dirty="0">
+                    <a:ln>
+                      <a:noFill/>
+                    </a:ln>
+                    <a:solidFill>
+                      <a:schemeClr val="tx1">
+                        <a:alpha val="15000"/>
+                      </a:schemeClr>
+                    </a:solidFill>
+                    <a:effectLst/>
+                    <a:uFillTx/>
+                    <a:latin typeface="Helvetica Neue Bold Condensed"/>
+                    <a:ea typeface="Helvetica Neue Bold Condensed"/>
+                    <a:cs typeface="Helvetica Neue Bold Condensed"/>
+                    <a:sym typeface="Helvetica Neue Bold Condensed"/>
+                  </a:rPr>
+                  <a:t>13</a:t>
+                </a:r>
+                <a:r>
+                  <a:rPr kumimoji="0" lang="zh-TW" altLang="en-US" sz="1050" b="0" i="0" u="none" strike="noStrike" cap="none" spc="0" normalizeH="0" baseline="0" dirty="0">
+                    <a:ln>
+                      <a:noFill/>
+                    </a:ln>
+                    <a:solidFill>
+                      <a:schemeClr val="tx1">
+                        <a:alpha val="15000"/>
+                      </a:schemeClr>
+                    </a:solidFill>
+                    <a:effectLst/>
+                    <a:uFillTx/>
+                    <a:latin typeface="Helvetica Neue Bold Condensed"/>
+                    <a:ea typeface="Helvetica Neue Bold Condensed"/>
+                    <a:cs typeface="Helvetica Neue Bold Condensed"/>
+                    <a:sym typeface="Helvetica Neue Bold Condensed"/>
+                  </a:rPr>
+                  <a:t>屆 </a:t>
+                </a:r>
+                <a:r>
+                  <a:rPr kumimoji="0" lang="en-US" sz="1200" b="0" i="0" u="none" strike="noStrike" cap="none" spc="0" normalizeH="0" baseline="0" dirty="0">
+                    <a:ln>
+                      <a:noFill/>
+                    </a:ln>
+                    <a:solidFill>
+                      <a:schemeClr val="tx1">
+                        <a:alpha val="15000"/>
+                      </a:schemeClr>
+                    </a:solidFill>
+                    <a:effectLst/>
+                    <a:uFillTx/>
+                    <a:latin typeface="Helvetica Neue Bold Condensed"/>
+                    <a:ea typeface="Helvetica Neue Bold Condensed"/>
+                    <a:cs typeface="Helvetica Neue Bold Condensed"/>
+                    <a:sym typeface="Helvetica Neue Bold Condensed"/>
+                  </a:rPr>
+                  <a:t>iT</a:t>
+                </a:r>
+                <a:r>
+                  <a:rPr kumimoji="0" lang="zh-TW" altLang="en-US" sz="1100" b="0" i="0" u="none" strike="noStrike" cap="none" spc="0" normalizeH="0" baseline="0" dirty="0">
+                    <a:ln>
+                      <a:noFill/>
+                    </a:ln>
+                    <a:solidFill>
+                      <a:schemeClr val="tx1">
+                        <a:alpha val="15000"/>
+                      </a:schemeClr>
+                    </a:solidFill>
+                    <a:effectLst/>
+                    <a:uFillTx/>
+                    <a:latin typeface="Helvetica Neue Bold Condensed"/>
+                    <a:ea typeface="Helvetica Neue Bold Condensed"/>
+                    <a:cs typeface="Helvetica Neue Bold Condensed"/>
+                    <a:sym typeface="Helvetica Neue Bold Condensed"/>
+                  </a:rPr>
+                  <a:t>邦</a:t>
+                </a:r>
+                <a:r>
+                  <a:rPr kumimoji="0" lang="zh-TW" altLang="en-US" sz="1000" b="0" i="0" u="none" strike="noStrike" cap="none" spc="0" normalizeH="0" baseline="0" dirty="0">
+                    <a:ln>
+                      <a:noFill/>
+                    </a:ln>
+                    <a:solidFill>
+                      <a:schemeClr val="tx1">
+                        <a:alpha val="15000"/>
+                      </a:schemeClr>
+                    </a:solidFill>
+                    <a:effectLst/>
+                    <a:uFillTx/>
+                    <a:latin typeface="Helvetica Neue Bold Condensed"/>
+                    <a:ea typeface="Helvetica Neue Bold Condensed"/>
+                    <a:cs typeface="Helvetica Neue Bold Condensed"/>
+                    <a:sym typeface="Helvetica Neue Bold Condensed"/>
+                  </a:rPr>
+                  <a:t>幫忙</a:t>
+                </a:r>
+                <a:r>
+                  <a:rPr kumimoji="0" lang="zh-TW" altLang="en-US" sz="1100" b="0" i="0" u="none" strike="noStrike" cap="none" spc="0" normalizeH="0" baseline="0" dirty="0">
+                    <a:ln>
+                      <a:noFill/>
+                    </a:ln>
+                    <a:solidFill>
+                      <a:schemeClr val="tx1">
+                        <a:alpha val="15000"/>
+                      </a:schemeClr>
+                    </a:solidFill>
+                    <a:effectLst/>
+                    <a:uFillTx/>
+                    <a:latin typeface="Helvetica Neue Bold Condensed"/>
+                    <a:ea typeface="Helvetica Neue Bold Condensed"/>
+                    <a:cs typeface="Helvetica Neue Bold Condensed"/>
+                    <a:sym typeface="Helvetica Neue Bold Condensed"/>
+                  </a:rPr>
+                  <a:t> 鐵人賽</a:t>
+                </a:r>
+                <a:endParaRPr sz="1100" dirty="0">
+                  <a:solidFill>
+                    <a:schemeClr val="tx1">
+                      <a:alpha val="15000"/>
+                    </a:schemeClr>
+                  </a:solidFill>
+                </a:endParaRPr>
+              </a:p>
+            </p:txBody>
+          </p:sp>
+          <p:sp>
+            <p:nvSpPr>
+              <p:cNvPr id="11" name="Intelligent Information Retrieval Laboratory">
+                <a:extLst>
+                  <a:ext uri="{FF2B5EF4-FFF2-40B4-BE49-F238E27FC236}">
+                    <a16:creationId xmlns:a16="http://schemas.microsoft.com/office/drawing/2014/main" id="{2F8A0A15-35E9-D047-855C-2DC561E4017F}"/>
+                  </a:ext>
+                </a:extLst>
+              </p:cNvPr>
+              <p:cNvSpPr txBox="1"/>
+              <p:nvPr/>
+            </p:nvSpPr>
+            <p:spPr>
+              <a:xfrm>
+                <a:off x="8753784" y="4289292"/>
+                <a:ext cx="1219200" cy="313546"/>
+              </a:xfrm>
+              <a:prstGeom prst="rect">
+                <a:avLst/>
+              </a:prstGeom>
+              <a:noFill/>
+              <a:ln w="12700" cap="flat">
+                <a:noFill/>
+                <a:miter lim="400000"/>
+              </a:ln>
+              <a:effectLst/>
+              <a:extLst>
+                <a:ext uri="{C572A759-6A51-4108-AA02-DFA0A04FC94B}">
+                  <ma14:wrappingTextBoxFlag xmlns:ma14="http://schemas.microsoft.com/office/mac/drawingml/2011/main" xmlns:a14="http://schemas.microsoft.com/office/drawing/2010/main" xmlns:m="http://schemas.openxmlformats.org/officeDocument/2006/math" xmlns="" val="1"/>
+                </a:ext>
+              </a:extLst>
+            </p:spPr>
+            <p:txBody>
+              <a:bodyPr wrap="square" lIns="71437" tIns="71437" rIns="71437" bIns="71437" numCol="1" anchor="ctr">
+                <a:spAutoFit/>
+              </a:bodyPr>
+              <a:lstStyle>
+                <a:lvl1pPr algn="l" defTabSz="821531">
+                  <a:defRPr sz="2400" b="0">
+                    <a:solidFill>
+                      <a:srgbClr val="FFFFFF"/>
+                    </a:solidFill>
+                    <a:latin typeface="Helvetica Neue Bold Condensed"/>
+                    <a:ea typeface="Helvetica Neue Bold Condensed"/>
+                    <a:cs typeface="Helvetica Neue Bold Condensed"/>
+                    <a:sym typeface="Helvetica Neue Bold Condensed"/>
+                  </a:defRPr>
+                </a:lvl1pPr>
+              </a:lstStyle>
+              <a:p>
+                <a:r>
+                  <a:rPr kumimoji="0" lang="en-US" altLang="zh-TW" sz="1050" b="0" i="0" u="none" strike="noStrike" cap="none" spc="0" normalizeH="0" baseline="0" dirty="0">
+                    <a:ln>
+                      <a:noFill/>
+                    </a:ln>
+                    <a:solidFill>
+                      <a:schemeClr val="tx1">
+                        <a:alpha val="15000"/>
+                      </a:schemeClr>
+                    </a:solidFill>
+                    <a:effectLst/>
+                    <a:uFillTx/>
+                    <a:latin typeface="Helvetica Neue Bold Condensed"/>
+                    <a:ea typeface="Helvetica Neue Bold Condensed"/>
+                    <a:cs typeface="Helvetica Neue Bold Condensed"/>
+                    <a:sym typeface="Helvetica Neue Bold Condensed"/>
+                  </a:rPr>
+                  <a:t>AI &amp; Data </a:t>
+                </a:r>
+                <a:r>
+                  <a:rPr kumimoji="0" lang="zh-TW" altLang="en-US" sz="1050" b="0" i="0" u="none" strike="noStrike" cap="none" spc="0" normalizeH="0" baseline="0" dirty="0">
+                    <a:ln>
+                      <a:noFill/>
+                    </a:ln>
+                    <a:solidFill>
+                      <a:schemeClr val="tx1">
+                        <a:alpha val="15000"/>
+                      </a:schemeClr>
+                    </a:solidFill>
+                    <a:effectLst/>
+                    <a:uFillTx/>
+                    <a:latin typeface="Helvetica Neue Bold Condensed"/>
+                    <a:ea typeface="Helvetica Neue Bold Condensed"/>
+                    <a:cs typeface="Helvetica Neue Bold Condensed"/>
+                    <a:sym typeface="Helvetica Neue Bold Condensed"/>
+                  </a:rPr>
+                  <a:t>組</a:t>
+                </a:r>
+                <a:endParaRPr sz="1100" dirty="0">
+                  <a:solidFill>
+                    <a:schemeClr val="tx1">
+                      <a:alpha val="15000"/>
+                    </a:schemeClr>
+                  </a:solidFill>
+                </a:endParaRPr>
+              </a:p>
+            </p:txBody>
+          </p:sp>
+        </p:grpSp>
+        <p:grpSp>
+          <p:nvGrpSpPr>
+            <p:cNvPr id="6" name="Group 5">
+              <a:extLst>
+                <a:ext uri="{FF2B5EF4-FFF2-40B4-BE49-F238E27FC236}">
+                  <a16:creationId xmlns:a16="http://schemas.microsoft.com/office/drawing/2014/main" id="{745FFC66-2F81-F147-A8A0-415666DD2E09}"/>
+                </a:ext>
+              </a:extLst>
+            </p:cNvPr>
+            <p:cNvGrpSpPr/>
+            <p:nvPr/>
+          </p:nvGrpSpPr>
+          <p:grpSpPr>
+            <a:xfrm>
+              <a:off x="7247835" y="3971848"/>
+              <a:ext cx="1876735" cy="1050587"/>
+              <a:chOff x="3891792" y="3940042"/>
+              <a:chExt cx="1876735" cy="1050587"/>
+            </a:xfrm>
+          </p:grpSpPr>
+          <p:pic>
+            <p:nvPicPr>
+              <p:cNvPr id="7" name="Picture 6">
+                <a:extLst>
+                  <a:ext uri="{FF2B5EF4-FFF2-40B4-BE49-F238E27FC236}">
+                    <a16:creationId xmlns:a16="http://schemas.microsoft.com/office/drawing/2014/main" id="{6A485F47-F0B8-094E-9BC8-123D1458286A}"/>
+                  </a:ext>
+                </a:extLst>
+              </p:cNvPr>
+              <p:cNvPicPr>
+                <a:picLocks noChangeAspect="1" noChangeArrowheads="1"/>
+              </p:cNvPicPr>
+              <p:nvPr/>
+            </p:nvPicPr>
+            <p:blipFill>
+              <a:blip r:embed="rId3">
+                <a:duotone>
+                  <a:prstClr val="black"/>
+                  <a:schemeClr val="tx1">
+                    <a:tint val="45000"/>
+                    <a:satMod val="400000"/>
+                  </a:schemeClr>
+                </a:duotone>
+                <a:alphaModFix amt="20000"/>
+              </a:blip>
+              <a:srcRect/>
+              <a:stretch/>
+            </p:blipFill>
+            <p:spPr bwMode="auto">
+              <a:xfrm>
+                <a:off x="4489805" y="3940042"/>
+                <a:ext cx="1050587" cy="1050587"/>
+              </a:xfrm>
+              <a:prstGeom prst="rect">
+                <a:avLst/>
+              </a:prstGeom>
+              <a:noFill/>
+              <a:extLst>
+                <a:ext uri="{909E8E84-426E-40DD-AFC4-6F175D3DCCD1}">
+                  <a14:hiddenFill xmlns:a14="http://schemas.microsoft.com/office/drawing/2010/main">
+                    <a:solidFill>
+                      <a:srgbClr val="FFFFFF"/>
+                    </a:solidFill>
+                  </a14:hiddenFill>
+                </a:ext>
+              </a:extLst>
+            </p:spPr>
+          </p:pic>
+          <p:pic>
+            <p:nvPicPr>
+              <p:cNvPr id="8" name="Picture 4" descr="Youtube logo | Logok">
+                <a:extLst>
+                  <a:ext uri="{FF2B5EF4-FFF2-40B4-BE49-F238E27FC236}">
+                    <a16:creationId xmlns:a16="http://schemas.microsoft.com/office/drawing/2014/main" id="{C8A02380-ECF2-CB40-B423-D27300F0EFC5}"/>
+                  </a:ext>
+                </a:extLst>
+              </p:cNvPr>
+              <p:cNvPicPr>
+                <a:picLocks noChangeAspect="1" noChangeArrowheads="1"/>
+              </p:cNvPicPr>
+              <p:nvPr/>
+            </p:nvPicPr>
+            <p:blipFill>
+              <a:blip r:embed="rId4">
+                <a:alphaModFix amt="20000"/>
+                <a:extLst>
+                  <a:ext uri="{28A0092B-C50C-407E-A947-70E740481C1C}">
+                    <a14:useLocalDpi xmlns:a14="http://schemas.microsoft.com/office/drawing/2010/main" val="0"/>
+                  </a:ext>
+                </a:extLst>
+              </a:blip>
+              <a:srcRect/>
+              <a:stretch>
+                <a:fillRect/>
+              </a:stretch>
+            </p:blipFill>
+            <p:spPr bwMode="auto">
+              <a:xfrm>
+                <a:off x="3891792" y="4187926"/>
+                <a:ext cx="739756" cy="554817"/>
+              </a:xfrm>
+              <a:prstGeom prst="rect">
+                <a:avLst/>
+              </a:prstGeom>
+              <a:noFill/>
+              <a:extLst>
+                <a:ext uri="{909E8E84-426E-40DD-AFC4-6F175D3DCCD1}">
+                  <a14:hiddenFill xmlns:a14="http://schemas.microsoft.com/office/drawing/2010/main">
+                    <a:solidFill>
+                      <a:srgbClr val="FFFFFF"/>
+                    </a:solidFill>
+                  </a14:hiddenFill>
+                </a:ext>
+              </a:extLst>
+            </p:spPr>
+          </p:pic>
+          <p:sp>
+            <p:nvSpPr>
+              <p:cNvPr id="9" name="Intelligent Information Retrieval Laboratory">
+                <a:extLst>
+                  <a:ext uri="{FF2B5EF4-FFF2-40B4-BE49-F238E27FC236}">
+                    <a16:creationId xmlns:a16="http://schemas.microsoft.com/office/drawing/2014/main" id="{C22F2B86-4348-A34D-A497-F3600C04FC03}"/>
+                  </a:ext>
+                </a:extLst>
+              </p:cNvPr>
+              <p:cNvSpPr txBox="1"/>
+              <p:nvPr/>
+            </p:nvSpPr>
+            <p:spPr>
+              <a:xfrm>
+                <a:off x="4549327" y="4308601"/>
+                <a:ext cx="1219200" cy="328935"/>
+              </a:xfrm>
+              <a:prstGeom prst="rect">
+                <a:avLst/>
+              </a:prstGeom>
+              <a:noFill/>
+              <a:ln w="12700" cap="flat">
+                <a:noFill/>
+                <a:miter lim="400000"/>
+              </a:ln>
+              <a:effectLst/>
+              <a:extLst>
+                <a:ext uri="{C572A759-6A51-4108-AA02-DFA0A04FC94B}">
+                  <ma14:wrappingTextBoxFlag xmlns:ma14="http://schemas.microsoft.com/office/mac/drawingml/2011/main" xmlns:a14="http://schemas.microsoft.com/office/drawing/2010/main" xmlns:m="http://schemas.openxmlformats.org/officeDocument/2006/math" xmlns="" val="1"/>
+                </a:ext>
+              </a:extLst>
+            </p:spPr>
+            <p:txBody>
+              <a:bodyPr wrap="square" lIns="71437" tIns="71437" rIns="71437" bIns="71437" numCol="1" anchor="ctr">
+                <a:spAutoFit/>
+              </a:bodyPr>
+              <a:lstStyle>
+                <a:lvl1pPr algn="l" defTabSz="821531">
+                  <a:defRPr sz="2400" b="0">
+                    <a:solidFill>
+                      <a:srgbClr val="FFFFFF"/>
+                    </a:solidFill>
+                    <a:latin typeface="Helvetica Neue Bold Condensed"/>
+                    <a:ea typeface="Helvetica Neue Bold Condensed"/>
+                    <a:cs typeface="Helvetica Neue Bold Condensed"/>
+                    <a:sym typeface="Helvetica Neue Bold Condensed"/>
+                  </a:defRPr>
+                </a:lvl1pPr>
+              </a:lstStyle>
+              <a:p>
+                <a:r>
+                  <a:rPr kumimoji="0" lang="en-US" altLang="zh-TW" sz="1200" b="0" i="0" u="none" strike="noStrike" cap="none" spc="0" normalizeH="0" baseline="0" dirty="0">
+                    <a:ln>
+                      <a:noFill/>
+                    </a:ln>
+                    <a:solidFill>
+                      <a:schemeClr val="tx1">
+                        <a:alpha val="15000"/>
+                      </a:schemeClr>
+                    </a:solidFill>
+                    <a:effectLst/>
+                    <a:uFillTx/>
+                    <a:latin typeface="Helvetica Neue Bold Condensed"/>
+                    <a:ea typeface="Helvetica Neue Bold Condensed"/>
+                    <a:cs typeface="Helvetica Neue Bold Condensed"/>
+                    <a:sym typeface="Helvetica Neue Bold Condensed"/>
+                  </a:rPr>
+                  <a:t>10</a:t>
+                </a:r>
+                <a:r>
+                  <a:rPr kumimoji="0" lang="zh-TW" altLang="en-US" sz="1200" b="0" i="0" u="none" strike="noStrike" cap="none" spc="0" normalizeH="0" baseline="0" dirty="0">
+                    <a:ln>
+                      <a:noFill/>
+                    </a:ln>
+                    <a:solidFill>
+                      <a:schemeClr val="tx1">
+                        <a:alpha val="15000"/>
+                      </a:schemeClr>
+                    </a:solidFill>
+                    <a:effectLst/>
+                    <a:uFillTx/>
+                    <a:sym typeface="Helvetica Neue Bold Condensed"/>
+                  </a:rPr>
+                  <a:t>程式中</a:t>
+                </a:r>
+                <a:endParaRPr sz="1400" dirty="0">
+                  <a:solidFill>
+                    <a:schemeClr val="tx1">
+                      <a:alpha val="15000"/>
+                    </a:schemeClr>
+                  </a:solidFill>
+                </a:endParaRPr>
+              </a:p>
+            </p:txBody>
+          </p:sp>
+        </p:grpSp>
+      </p:grpSp>
+    </p:spTree>
+    <p:extLst>
+      <p:ext uri="{BB962C8B-B14F-4D97-AF65-F5344CB8AC3E}">
+        <p14:creationId xmlns:p14="http://schemas.microsoft.com/office/powerpoint/2010/main" val="1113114249"/>
+      </p:ext>
+    </p:extLst>
+  </p:cSld>
+  <p:clrMapOvr>
+    <a:masterClrMapping/>
+  </p:clrMapOvr>
+</p:sld>
+</file>
+
+<file path=ppt/slides/slide15.xml><?xml version="1.0" encoding="utf-8"?>
+<p:sld xmlns:a="http://schemas.openxmlformats.org/drawingml/2006/main" xmlns:r="http://schemas.openxmlformats.org/officeDocument/2006/relationships" xmlns:p="http://schemas.openxmlformats.org/presentationml/2006/main">
+  <p:cSld>
+    <p:spTree>
+      <p:nvGrpSpPr>
+        <p:cNvPr id="1" name=""/>
+        <p:cNvGrpSpPr/>
+        <p:nvPr/>
+      </p:nvGrpSpPr>
+      <p:grpSpPr>
+        <a:xfrm>
+          <a:off x="0" y="0"/>
+          <a:ext cx="0" cy="0"/>
+          <a:chOff x="0" y="0"/>
+          <a:chExt cx="0" cy="0"/>
+        </a:xfrm>
+      </p:grpSpPr>
+      <p:pic>
+        <p:nvPicPr>
+          <p:cNvPr id="3" name="Picture 2">
+            <a:extLst>
+              <a:ext uri="{FF2B5EF4-FFF2-40B4-BE49-F238E27FC236}">
+                <a16:creationId xmlns:a16="http://schemas.microsoft.com/office/drawing/2014/main" id="{CF0D7691-36AD-B444-BDAD-C083350410D8}"/>
+              </a:ext>
+            </a:extLst>
+          </p:cNvPr>
+          <p:cNvPicPr>
+            <a:picLocks noChangeAspect="1"/>
+          </p:cNvPicPr>
+          <p:nvPr/>
+        </p:nvPicPr>
+        <p:blipFill>
+          <a:blip r:embed="rId2"/>
+          <a:stretch>
+            <a:fillRect/>
+          </a:stretch>
+        </p:blipFill>
+        <p:spPr>
+          <a:xfrm>
+            <a:off x="3238500" y="2990850"/>
+            <a:ext cx="5715000" cy="876300"/>
+          </a:xfrm>
+          <a:prstGeom prst="rect">
+            <a:avLst/>
+          </a:prstGeom>
+        </p:spPr>
+      </p:pic>
+      <p:grpSp>
+        <p:nvGrpSpPr>
+          <p:cNvPr id="4" name="Group 3">
+            <a:extLst>
+              <a:ext uri="{FF2B5EF4-FFF2-40B4-BE49-F238E27FC236}">
+                <a16:creationId xmlns:a16="http://schemas.microsoft.com/office/drawing/2014/main" id="{90FBC136-AAF0-D54A-8FD4-A35FD289CCD3}"/>
+              </a:ext>
+            </a:extLst>
+          </p:cNvPr>
+          <p:cNvGrpSpPr/>
+          <p:nvPr/>
+        </p:nvGrpSpPr>
+        <p:grpSpPr>
+          <a:xfrm>
+            <a:off x="3419260" y="3621653"/>
+            <a:ext cx="5764444" cy="1050587"/>
+            <a:chOff x="3360126" y="3971848"/>
+            <a:chExt cx="5764444" cy="1050587"/>
+          </a:xfrm>
+        </p:grpSpPr>
+        <p:grpSp>
+          <p:nvGrpSpPr>
+            <p:cNvPr id="5" name="Group 4">
+              <a:extLst>
+                <a:ext uri="{FF2B5EF4-FFF2-40B4-BE49-F238E27FC236}">
+                  <a16:creationId xmlns:a16="http://schemas.microsoft.com/office/drawing/2014/main" id="{9363F10B-DCF9-844A-A5EC-7A689D2924DF}"/>
+                </a:ext>
+              </a:extLst>
+            </p:cNvPr>
+            <p:cNvGrpSpPr/>
+            <p:nvPr/>
+          </p:nvGrpSpPr>
+          <p:grpSpPr>
+            <a:xfrm>
+              <a:off x="3360126" y="4324980"/>
+              <a:ext cx="2735874" cy="328935"/>
+              <a:chOff x="7237110" y="4273903"/>
+              <a:chExt cx="2735874" cy="328935"/>
+            </a:xfrm>
+          </p:grpSpPr>
+          <p:sp>
+            <p:nvSpPr>
+              <p:cNvPr id="10" name="Intelligent Information Retrieval Laboratory">
+                <a:extLst>
+                  <a:ext uri="{FF2B5EF4-FFF2-40B4-BE49-F238E27FC236}">
+                    <a16:creationId xmlns:a16="http://schemas.microsoft.com/office/drawing/2014/main" id="{0D6257B3-3E50-884F-97C3-1A8FE3C75B21}"/>
+                  </a:ext>
+                </a:extLst>
+              </p:cNvPr>
+              <p:cNvSpPr txBox="1"/>
+              <p:nvPr/>
+            </p:nvSpPr>
+            <p:spPr>
+              <a:xfrm>
+                <a:off x="7237110" y="4273903"/>
+                <a:ext cx="2590800" cy="328935"/>
+              </a:xfrm>
+              <a:prstGeom prst="rect">
+                <a:avLst/>
+              </a:prstGeom>
+              <a:noFill/>
+              <a:ln w="12700" cap="flat">
+                <a:noFill/>
+                <a:miter lim="400000"/>
+              </a:ln>
+              <a:effectLst/>
+              <a:extLst>
+                <a:ext uri="{C572A759-6A51-4108-AA02-DFA0A04FC94B}">
+                  <ma14:wrappingTextBoxFlag xmlns:ma14="http://schemas.microsoft.com/office/mac/drawingml/2011/main" xmlns:a14="http://schemas.microsoft.com/office/drawing/2010/main" xmlns:m="http://schemas.openxmlformats.org/officeDocument/2006/math" xmlns="" val="1"/>
+                </a:ext>
+              </a:extLst>
+            </p:spPr>
+            <p:txBody>
+              <a:bodyPr wrap="square" lIns="71437" tIns="71437" rIns="71437" bIns="71437" numCol="1" anchor="ctr">
+                <a:spAutoFit/>
+              </a:bodyPr>
+              <a:lstStyle>
+                <a:lvl1pPr algn="l" defTabSz="821531">
+                  <a:defRPr sz="2400" b="0">
+                    <a:solidFill>
+                      <a:srgbClr val="FFFFFF"/>
+                    </a:solidFill>
+                    <a:latin typeface="Helvetica Neue Bold Condensed"/>
+                    <a:ea typeface="Helvetica Neue Bold Condensed"/>
+                    <a:cs typeface="Helvetica Neue Bold Condensed"/>
+                    <a:sym typeface="Helvetica Neue Bold Condensed"/>
+                  </a:defRPr>
+                </a:lvl1pPr>
+              </a:lstStyle>
+              <a:p>
+                <a:r>
+                  <a:rPr kumimoji="0" lang="zh-TW" altLang="en-US" sz="1050" b="0" i="0" u="none" strike="noStrike" cap="none" spc="0" normalizeH="0" baseline="0" dirty="0">
+                    <a:ln>
+                      <a:noFill/>
+                    </a:ln>
+                    <a:solidFill>
+                      <a:schemeClr val="tx1">
+                        <a:alpha val="15000"/>
+                      </a:schemeClr>
+                    </a:solidFill>
+                    <a:effectLst/>
+                    <a:uFillTx/>
+                    <a:latin typeface="Helvetica Neue Bold Condensed"/>
+                    <a:ea typeface="Helvetica Neue Bold Condensed"/>
+                    <a:cs typeface="Helvetica Neue Bold Condensed"/>
+                    <a:sym typeface="Helvetica Neue Bold Condensed"/>
+                  </a:rPr>
+                  <a:t>第</a:t>
+                </a:r>
+                <a:r>
+                  <a:rPr kumimoji="0" lang="en-US" altLang="zh-TW" sz="1050" b="0" i="0" u="none" strike="noStrike" cap="none" spc="0" normalizeH="0" baseline="0" dirty="0">
+                    <a:ln>
+                      <a:noFill/>
+                    </a:ln>
+                    <a:solidFill>
+                      <a:schemeClr val="tx1">
+                        <a:alpha val="15000"/>
+                      </a:schemeClr>
+                    </a:solidFill>
+                    <a:effectLst/>
+                    <a:uFillTx/>
+                    <a:latin typeface="Helvetica Neue Bold Condensed"/>
+                    <a:ea typeface="Helvetica Neue Bold Condensed"/>
+                    <a:cs typeface="Helvetica Neue Bold Condensed"/>
+                    <a:sym typeface="Helvetica Neue Bold Condensed"/>
+                  </a:rPr>
+                  <a:t>13</a:t>
+                </a:r>
+                <a:r>
+                  <a:rPr kumimoji="0" lang="zh-TW" altLang="en-US" sz="1050" b="0" i="0" u="none" strike="noStrike" cap="none" spc="0" normalizeH="0" baseline="0" dirty="0">
+                    <a:ln>
+                      <a:noFill/>
+                    </a:ln>
+                    <a:solidFill>
+                      <a:schemeClr val="tx1">
+                        <a:alpha val="15000"/>
+                      </a:schemeClr>
+                    </a:solidFill>
+                    <a:effectLst/>
+                    <a:uFillTx/>
+                    <a:latin typeface="Helvetica Neue Bold Condensed"/>
+                    <a:ea typeface="Helvetica Neue Bold Condensed"/>
+                    <a:cs typeface="Helvetica Neue Bold Condensed"/>
+                    <a:sym typeface="Helvetica Neue Bold Condensed"/>
+                  </a:rPr>
+                  <a:t>屆 </a:t>
+                </a:r>
+                <a:r>
+                  <a:rPr kumimoji="0" lang="en-US" sz="1200" b="0" i="0" u="none" strike="noStrike" cap="none" spc="0" normalizeH="0" baseline="0" dirty="0">
+                    <a:ln>
+                      <a:noFill/>
+                    </a:ln>
+                    <a:solidFill>
+                      <a:schemeClr val="tx1">
+                        <a:alpha val="15000"/>
+                      </a:schemeClr>
+                    </a:solidFill>
+                    <a:effectLst/>
+                    <a:uFillTx/>
+                    <a:latin typeface="Helvetica Neue Bold Condensed"/>
+                    <a:ea typeface="Helvetica Neue Bold Condensed"/>
+                    <a:cs typeface="Helvetica Neue Bold Condensed"/>
+                    <a:sym typeface="Helvetica Neue Bold Condensed"/>
+                  </a:rPr>
+                  <a:t>iT</a:t>
+                </a:r>
+                <a:r>
+                  <a:rPr kumimoji="0" lang="zh-TW" altLang="en-US" sz="1100" b="0" i="0" u="none" strike="noStrike" cap="none" spc="0" normalizeH="0" baseline="0" dirty="0">
+                    <a:ln>
+                      <a:noFill/>
+                    </a:ln>
+                    <a:solidFill>
+                      <a:schemeClr val="tx1">
+                        <a:alpha val="15000"/>
+                      </a:schemeClr>
+                    </a:solidFill>
+                    <a:effectLst/>
+                    <a:uFillTx/>
+                    <a:latin typeface="Helvetica Neue Bold Condensed"/>
+                    <a:ea typeface="Helvetica Neue Bold Condensed"/>
+                    <a:cs typeface="Helvetica Neue Bold Condensed"/>
+                    <a:sym typeface="Helvetica Neue Bold Condensed"/>
+                  </a:rPr>
+                  <a:t>邦</a:t>
+                </a:r>
+                <a:r>
+                  <a:rPr kumimoji="0" lang="zh-TW" altLang="en-US" sz="1000" b="0" i="0" u="none" strike="noStrike" cap="none" spc="0" normalizeH="0" baseline="0" dirty="0">
+                    <a:ln>
+                      <a:noFill/>
+                    </a:ln>
+                    <a:solidFill>
+                      <a:schemeClr val="tx1">
+                        <a:alpha val="15000"/>
+                      </a:schemeClr>
+                    </a:solidFill>
+                    <a:effectLst/>
+                    <a:uFillTx/>
+                    <a:latin typeface="Helvetica Neue Bold Condensed"/>
+                    <a:ea typeface="Helvetica Neue Bold Condensed"/>
+                    <a:cs typeface="Helvetica Neue Bold Condensed"/>
+                    <a:sym typeface="Helvetica Neue Bold Condensed"/>
+                  </a:rPr>
+                  <a:t>幫忙</a:t>
+                </a:r>
+                <a:r>
+                  <a:rPr kumimoji="0" lang="zh-TW" altLang="en-US" sz="1100" b="0" i="0" u="none" strike="noStrike" cap="none" spc="0" normalizeH="0" baseline="0" dirty="0">
+                    <a:ln>
+                      <a:noFill/>
+                    </a:ln>
+                    <a:solidFill>
+                      <a:schemeClr val="tx1">
+                        <a:alpha val="15000"/>
+                      </a:schemeClr>
+                    </a:solidFill>
+                    <a:effectLst/>
+                    <a:uFillTx/>
+                    <a:latin typeface="Helvetica Neue Bold Condensed"/>
+                    <a:ea typeface="Helvetica Neue Bold Condensed"/>
+                    <a:cs typeface="Helvetica Neue Bold Condensed"/>
+                    <a:sym typeface="Helvetica Neue Bold Condensed"/>
+                  </a:rPr>
+                  <a:t> 鐵人賽</a:t>
+                </a:r>
+                <a:endParaRPr sz="1100" dirty="0">
+                  <a:solidFill>
+                    <a:schemeClr val="tx1">
+                      <a:alpha val="15000"/>
+                    </a:schemeClr>
+                  </a:solidFill>
+                </a:endParaRPr>
+              </a:p>
+            </p:txBody>
+          </p:sp>
+          <p:sp>
+            <p:nvSpPr>
+              <p:cNvPr id="11" name="Intelligent Information Retrieval Laboratory">
+                <a:extLst>
+                  <a:ext uri="{FF2B5EF4-FFF2-40B4-BE49-F238E27FC236}">
+                    <a16:creationId xmlns:a16="http://schemas.microsoft.com/office/drawing/2014/main" id="{48D22AD6-C466-5B4D-8B28-C9E269600A49}"/>
+                  </a:ext>
+                </a:extLst>
+              </p:cNvPr>
+              <p:cNvSpPr txBox="1"/>
+              <p:nvPr/>
+            </p:nvSpPr>
+            <p:spPr>
+              <a:xfrm>
+                <a:off x="8753784" y="4289292"/>
+                <a:ext cx="1219200" cy="313546"/>
+              </a:xfrm>
+              <a:prstGeom prst="rect">
+                <a:avLst/>
+              </a:prstGeom>
+              <a:noFill/>
+              <a:ln w="12700" cap="flat">
+                <a:noFill/>
+                <a:miter lim="400000"/>
+              </a:ln>
+              <a:effectLst/>
+              <a:extLst>
+                <a:ext uri="{C572A759-6A51-4108-AA02-DFA0A04FC94B}">
+                  <ma14:wrappingTextBoxFlag xmlns:ma14="http://schemas.microsoft.com/office/mac/drawingml/2011/main" xmlns:a14="http://schemas.microsoft.com/office/drawing/2010/main" xmlns:m="http://schemas.openxmlformats.org/officeDocument/2006/math" xmlns="" val="1"/>
+                </a:ext>
+              </a:extLst>
+            </p:spPr>
+            <p:txBody>
+              <a:bodyPr wrap="square" lIns="71437" tIns="71437" rIns="71437" bIns="71437" numCol="1" anchor="ctr">
+                <a:spAutoFit/>
+              </a:bodyPr>
+              <a:lstStyle>
+                <a:lvl1pPr algn="l" defTabSz="821531">
+                  <a:defRPr sz="2400" b="0">
+                    <a:solidFill>
+                      <a:srgbClr val="FFFFFF"/>
+                    </a:solidFill>
+                    <a:latin typeface="Helvetica Neue Bold Condensed"/>
+                    <a:ea typeface="Helvetica Neue Bold Condensed"/>
+                    <a:cs typeface="Helvetica Neue Bold Condensed"/>
+                    <a:sym typeface="Helvetica Neue Bold Condensed"/>
+                  </a:defRPr>
+                </a:lvl1pPr>
+              </a:lstStyle>
+              <a:p>
+                <a:r>
+                  <a:rPr kumimoji="0" lang="en-US" altLang="zh-TW" sz="1050" b="0" i="0" u="none" strike="noStrike" cap="none" spc="0" normalizeH="0" baseline="0" dirty="0">
+                    <a:ln>
+                      <a:noFill/>
+                    </a:ln>
+                    <a:solidFill>
+                      <a:schemeClr val="tx1">
+                        <a:alpha val="15000"/>
+                      </a:schemeClr>
+                    </a:solidFill>
+                    <a:effectLst/>
+                    <a:uFillTx/>
+                    <a:latin typeface="Helvetica Neue Bold Condensed"/>
+                    <a:ea typeface="Helvetica Neue Bold Condensed"/>
+                    <a:cs typeface="Helvetica Neue Bold Condensed"/>
+                    <a:sym typeface="Helvetica Neue Bold Condensed"/>
+                  </a:rPr>
+                  <a:t>AI &amp; Data </a:t>
+                </a:r>
+                <a:r>
+                  <a:rPr kumimoji="0" lang="zh-TW" altLang="en-US" sz="1050" b="0" i="0" u="none" strike="noStrike" cap="none" spc="0" normalizeH="0" baseline="0" dirty="0">
+                    <a:ln>
+                      <a:noFill/>
+                    </a:ln>
+                    <a:solidFill>
+                      <a:schemeClr val="tx1">
+                        <a:alpha val="15000"/>
+                      </a:schemeClr>
+                    </a:solidFill>
+                    <a:effectLst/>
+                    <a:uFillTx/>
+                    <a:latin typeface="Helvetica Neue Bold Condensed"/>
+                    <a:ea typeface="Helvetica Neue Bold Condensed"/>
+                    <a:cs typeface="Helvetica Neue Bold Condensed"/>
+                    <a:sym typeface="Helvetica Neue Bold Condensed"/>
+                  </a:rPr>
+                  <a:t>組</a:t>
+                </a:r>
+                <a:endParaRPr sz="1100" dirty="0">
+                  <a:solidFill>
+                    <a:schemeClr val="tx1">
+                      <a:alpha val="15000"/>
+                    </a:schemeClr>
+                  </a:solidFill>
+                </a:endParaRPr>
+              </a:p>
+            </p:txBody>
+          </p:sp>
+        </p:grpSp>
+        <p:grpSp>
+          <p:nvGrpSpPr>
+            <p:cNvPr id="6" name="Group 5">
+              <a:extLst>
+                <a:ext uri="{FF2B5EF4-FFF2-40B4-BE49-F238E27FC236}">
+                  <a16:creationId xmlns:a16="http://schemas.microsoft.com/office/drawing/2014/main" id="{C9BAA48A-4F7B-094F-9852-8CCEDC7B3251}"/>
+                </a:ext>
+              </a:extLst>
+            </p:cNvPr>
+            <p:cNvGrpSpPr/>
+            <p:nvPr/>
+          </p:nvGrpSpPr>
+          <p:grpSpPr>
+            <a:xfrm>
+              <a:off x="7247835" y="3971848"/>
+              <a:ext cx="1876735" cy="1050587"/>
+              <a:chOff x="3891792" y="3940042"/>
+              <a:chExt cx="1876735" cy="1050587"/>
+            </a:xfrm>
+          </p:grpSpPr>
+          <p:pic>
+            <p:nvPicPr>
+              <p:cNvPr id="7" name="Picture 6">
+                <a:extLst>
+                  <a:ext uri="{FF2B5EF4-FFF2-40B4-BE49-F238E27FC236}">
+                    <a16:creationId xmlns:a16="http://schemas.microsoft.com/office/drawing/2014/main" id="{FD768560-72FD-2645-9774-ECD2D773EB1C}"/>
+                  </a:ext>
+                </a:extLst>
+              </p:cNvPr>
+              <p:cNvPicPr>
+                <a:picLocks noChangeAspect="1" noChangeArrowheads="1"/>
+              </p:cNvPicPr>
+              <p:nvPr/>
+            </p:nvPicPr>
+            <p:blipFill>
+              <a:blip r:embed="rId3">
+                <a:duotone>
+                  <a:prstClr val="black"/>
+                  <a:schemeClr val="tx1">
+                    <a:tint val="45000"/>
+                    <a:satMod val="400000"/>
+                  </a:schemeClr>
+                </a:duotone>
+                <a:alphaModFix amt="20000"/>
+              </a:blip>
+              <a:srcRect/>
+              <a:stretch/>
+            </p:blipFill>
+            <p:spPr bwMode="auto">
+              <a:xfrm>
+                <a:off x="4489805" y="3940042"/>
+                <a:ext cx="1050587" cy="1050587"/>
+              </a:xfrm>
+              <a:prstGeom prst="rect">
+                <a:avLst/>
+              </a:prstGeom>
+              <a:noFill/>
+              <a:extLst>
+                <a:ext uri="{909E8E84-426E-40DD-AFC4-6F175D3DCCD1}">
+                  <a14:hiddenFill xmlns:a14="http://schemas.microsoft.com/office/drawing/2010/main">
+                    <a:solidFill>
+                      <a:srgbClr val="FFFFFF"/>
+                    </a:solidFill>
+                  </a14:hiddenFill>
+                </a:ext>
+              </a:extLst>
+            </p:spPr>
+          </p:pic>
+          <p:pic>
+            <p:nvPicPr>
+              <p:cNvPr id="8" name="Picture 4" descr="Youtube logo | Logok">
+                <a:extLst>
+                  <a:ext uri="{FF2B5EF4-FFF2-40B4-BE49-F238E27FC236}">
+                    <a16:creationId xmlns:a16="http://schemas.microsoft.com/office/drawing/2014/main" id="{B4F33EA8-6707-CD4D-B851-78399021A387}"/>
+                  </a:ext>
+                </a:extLst>
+              </p:cNvPr>
+              <p:cNvPicPr>
+                <a:picLocks noChangeAspect="1" noChangeArrowheads="1"/>
+              </p:cNvPicPr>
+              <p:nvPr/>
+            </p:nvPicPr>
+            <p:blipFill>
+              <a:blip r:embed="rId4">
+                <a:alphaModFix amt="20000"/>
+                <a:extLst>
+                  <a:ext uri="{28A0092B-C50C-407E-A947-70E740481C1C}">
+                    <a14:useLocalDpi xmlns:a14="http://schemas.microsoft.com/office/drawing/2010/main" val="0"/>
+                  </a:ext>
+                </a:extLst>
+              </a:blip>
+              <a:srcRect/>
+              <a:stretch>
+                <a:fillRect/>
+              </a:stretch>
+            </p:blipFill>
+            <p:spPr bwMode="auto">
+              <a:xfrm>
+                <a:off x="3891792" y="4187926"/>
+                <a:ext cx="739756" cy="554817"/>
+              </a:xfrm>
+              <a:prstGeom prst="rect">
+                <a:avLst/>
+              </a:prstGeom>
+              <a:noFill/>
+              <a:extLst>
+                <a:ext uri="{909E8E84-426E-40DD-AFC4-6F175D3DCCD1}">
+                  <a14:hiddenFill xmlns:a14="http://schemas.microsoft.com/office/drawing/2010/main">
+                    <a:solidFill>
+                      <a:srgbClr val="FFFFFF"/>
+                    </a:solidFill>
+                  </a14:hiddenFill>
+                </a:ext>
+              </a:extLst>
+            </p:spPr>
+          </p:pic>
+          <p:sp>
+            <p:nvSpPr>
+              <p:cNvPr id="9" name="Intelligent Information Retrieval Laboratory">
+                <a:extLst>
+                  <a:ext uri="{FF2B5EF4-FFF2-40B4-BE49-F238E27FC236}">
+                    <a16:creationId xmlns:a16="http://schemas.microsoft.com/office/drawing/2014/main" id="{D80BE963-E988-AA4F-87E7-415B669C34E6}"/>
+                  </a:ext>
+                </a:extLst>
+              </p:cNvPr>
+              <p:cNvSpPr txBox="1"/>
+              <p:nvPr/>
+            </p:nvSpPr>
+            <p:spPr>
+              <a:xfrm>
+                <a:off x="4549327" y="4308601"/>
+                <a:ext cx="1219200" cy="328935"/>
+              </a:xfrm>
+              <a:prstGeom prst="rect">
+                <a:avLst/>
+              </a:prstGeom>
+              <a:noFill/>
+              <a:ln w="12700" cap="flat">
+                <a:noFill/>
+                <a:miter lim="400000"/>
+              </a:ln>
+              <a:effectLst/>
+              <a:extLst>
+                <a:ext uri="{C572A759-6A51-4108-AA02-DFA0A04FC94B}">
+                  <ma14:wrappingTextBoxFlag xmlns:ma14="http://schemas.microsoft.com/office/mac/drawingml/2011/main" xmlns:a14="http://schemas.microsoft.com/office/drawing/2010/main" xmlns:m="http://schemas.openxmlformats.org/officeDocument/2006/math" xmlns="" val="1"/>
+                </a:ext>
+              </a:extLst>
+            </p:spPr>
+            <p:txBody>
+              <a:bodyPr wrap="square" lIns="71437" tIns="71437" rIns="71437" bIns="71437" numCol="1" anchor="ctr">
+                <a:spAutoFit/>
+              </a:bodyPr>
+              <a:lstStyle>
+                <a:lvl1pPr algn="l" defTabSz="821531">
+                  <a:defRPr sz="2400" b="0">
+                    <a:solidFill>
+                      <a:srgbClr val="FFFFFF"/>
+                    </a:solidFill>
+                    <a:latin typeface="Helvetica Neue Bold Condensed"/>
+                    <a:ea typeface="Helvetica Neue Bold Condensed"/>
+                    <a:cs typeface="Helvetica Neue Bold Condensed"/>
+                    <a:sym typeface="Helvetica Neue Bold Condensed"/>
+                  </a:defRPr>
+                </a:lvl1pPr>
+              </a:lstStyle>
+              <a:p>
+                <a:r>
+                  <a:rPr kumimoji="0" lang="en-US" altLang="zh-TW" sz="1200" b="0" i="0" u="none" strike="noStrike" cap="none" spc="0" normalizeH="0" baseline="0" dirty="0">
+                    <a:ln>
+                      <a:noFill/>
+                    </a:ln>
+                    <a:solidFill>
+                      <a:schemeClr val="tx1">
+                        <a:alpha val="15000"/>
+                      </a:schemeClr>
+                    </a:solidFill>
+                    <a:effectLst/>
+                    <a:uFillTx/>
+                    <a:latin typeface="Helvetica Neue Bold Condensed"/>
+                    <a:ea typeface="Helvetica Neue Bold Condensed"/>
+                    <a:cs typeface="Helvetica Neue Bold Condensed"/>
+                    <a:sym typeface="Helvetica Neue Bold Condensed"/>
+                  </a:rPr>
+                  <a:t>10</a:t>
+                </a:r>
+                <a:r>
+                  <a:rPr kumimoji="0" lang="zh-TW" altLang="en-US" sz="1200" b="0" i="0" u="none" strike="noStrike" cap="none" spc="0" normalizeH="0" baseline="0" dirty="0">
+                    <a:ln>
+                      <a:noFill/>
+                    </a:ln>
+                    <a:solidFill>
+                      <a:schemeClr val="tx1">
+                        <a:alpha val="15000"/>
+                      </a:schemeClr>
+                    </a:solidFill>
+                    <a:effectLst/>
+                    <a:uFillTx/>
+                    <a:sym typeface="Helvetica Neue Bold Condensed"/>
+                  </a:rPr>
+                  <a:t>程式中</a:t>
+                </a:r>
+                <a:endParaRPr sz="1400" dirty="0">
+                  <a:solidFill>
+                    <a:schemeClr val="tx1">
+                      <a:alpha val="15000"/>
+                    </a:schemeClr>
+                  </a:solidFill>
+                </a:endParaRPr>
+              </a:p>
+            </p:txBody>
+          </p:sp>
+        </p:grpSp>
+      </p:grpSp>
+    </p:spTree>
+    <p:extLst>
+      <p:ext uri="{BB962C8B-B14F-4D97-AF65-F5344CB8AC3E}">
+        <p14:creationId xmlns:p14="http://schemas.microsoft.com/office/powerpoint/2010/main" val="4048574112"/>
+      </p:ext>
+    </p:extLst>
+  </p:cSld>
+  <p:clrMapOvr>
+    <a:masterClrMapping/>
+  </p:clrMapOvr>
+</p:sld>
+</file>
+
 <file path=ppt/slides/slide2.xml><?xml version="1.0" encoding="utf-8"?>
 <p:sld xmlns:a="http://schemas.openxmlformats.org/drawingml/2006/main" xmlns:r="http://schemas.openxmlformats.org/officeDocument/2006/relationships" xmlns:p="http://schemas.openxmlformats.org/presentationml/2006/main">
   <p:cSld>
@@ -6349,6 +9988,1821 @@
     <p:extLst>
       <p:ext uri="{BB962C8B-B14F-4D97-AF65-F5344CB8AC3E}">
         <p14:creationId xmlns:p14="http://schemas.microsoft.com/office/powerpoint/2010/main" val="3652359073"/>
+      </p:ext>
+    </p:extLst>
+  </p:cSld>
+  <p:clrMapOvr>
+    <a:masterClrMapping/>
+  </p:clrMapOvr>
+</p:sld>
+</file>
+
+<file path=ppt/slides/slide7.xml><?xml version="1.0" encoding="utf-8"?>
+<p:sld xmlns:a="http://schemas.openxmlformats.org/drawingml/2006/main" xmlns:r="http://schemas.openxmlformats.org/officeDocument/2006/relationships" xmlns:p="http://schemas.openxmlformats.org/presentationml/2006/main">
+  <p:cSld>
+    <p:spTree>
+      <p:nvGrpSpPr>
+        <p:cNvPr id="1" name=""/>
+        <p:cNvGrpSpPr/>
+        <p:nvPr/>
+      </p:nvGrpSpPr>
+      <p:grpSpPr>
+        <a:xfrm>
+          <a:off x="0" y="0"/>
+          <a:ext cx="0" cy="0"/>
+          <a:chOff x="0" y="0"/>
+          <a:chExt cx="0" cy="0"/>
+        </a:xfrm>
+      </p:grpSpPr>
+      <p:pic>
+        <p:nvPicPr>
+          <p:cNvPr id="3" name="Picture 2">
+            <a:extLst>
+              <a:ext uri="{FF2B5EF4-FFF2-40B4-BE49-F238E27FC236}">
+                <a16:creationId xmlns:a16="http://schemas.microsoft.com/office/drawing/2014/main" id="{55F160BF-265E-E04B-80A5-5AA7FC2438A2}"/>
+              </a:ext>
+            </a:extLst>
+          </p:cNvPr>
+          <p:cNvPicPr>
+            <a:picLocks noChangeAspect="1"/>
+          </p:cNvPicPr>
+          <p:nvPr/>
+        </p:nvPicPr>
+        <p:blipFill>
+          <a:blip r:embed="rId2"/>
+          <a:stretch>
+            <a:fillRect/>
+          </a:stretch>
+        </p:blipFill>
+        <p:spPr>
+          <a:xfrm>
+            <a:off x="2632057" y="1306939"/>
+            <a:ext cx="6927885" cy="2917004"/>
+          </a:xfrm>
+          <a:prstGeom prst="rect">
+            <a:avLst/>
+          </a:prstGeom>
+        </p:spPr>
+      </p:pic>
+      <p:grpSp>
+        <p:nvGrpSpPr>
+          <p:cNvPr id="4" name="Group 3">
+            <a:extLst>
+              <a:ext uri="{FF2B5EF4-FFF2-40B4-BE49-F238E27FC236}">
+                <a16:creationId xmlns:a16="http://schemas.microsoft.com/office/drawing/2014/main" id="{2518B2B2-3DB6-EA4F-AADE-CDF2A193D265}"/>
+              </a:ext>
+            </a:extLst>
+          </p:cNvPr>
+          <p:cNvGrpSpPr/>
+          <p:nvPr/>
+        </p:nvGrpSpPr>
+        <p:grpSpPr>
+          <a:xfrm>
+            <a:off x="3306246" y="3878505"/>
+            <a:ext cx="5764444" cy="1050587"/>
+            <a:chOff x="3360126" y="3971848"/>
+            <a:chExt cx="5764444" cy="1050587"/>
+          </a:xfrm>
+        </p:grpSpPr>
+        <p:grpSp>
+          <p:nvGrpSpPr>
+            <p:cNvPr id="5" name="Group 4">
+              <a:extLst>
+                <a:ext uri="{FF2B5EF4-FFF2-40B4-BE49-F238E27FC236}">
+                  <a16:creationId xmlns:a16="http://schemas.microsoft.com/office/drawing/2014/main" id="{EC216E37-8F85-0140-A5CF-35CF4EBA89C0}"/>
+                </a:ext>
+              </a:extLst>
+            </p:cNvPr>
+            <p:cNvGrpSpPr/>
+            <p:nvPr/>
+          </p:nvGrpSpPr>
+          <p:grpSpPr>
+            <a:xfrm>
+              <a:off x="3360126" y="4324980"/>
+              <a:ext cx="2735874" cy="328935"/>
+              <a:chOff x="7237110" y="4273903"/>
+              <a:chExt cx="2735874" cy="328935"/>
+            </a:xfrm>
+          </p:grpSpPr>
+          <p:sp>
+            <p:nvSpPr>
+              <p:cNvPr id="10" name="Intelligent Information Retrieval Laboratory">
+                <a:extLst>
+                  <a:ext uri="{FF2B5EF4-FFF2-40B4-BE49-F238E27FC236}">
+                    <a16:creationId xmlns:a16="http://schemas.microsoft.com/office/drawing/2014/main" id="{3FA94141-9D27-CC40-983D-10723D3B8148}"/>
+                  </a:ext>
+                </a:extLst>
+              </p:cNvPr>
+              <p:cNvSpPr txBox="1"/>
+              <p:nvPr/>
+            </p:nvSpPr>
+            <p:spPr>
+              <a:xfrm>
+                <a:off x="7237110" y="4273903"/>
+                <a:ext cx="2590800" cy="328935"/>
+              </a:xfrm>
+              <a:prstGeom prst="rect">
+                <a:avLst/>
+              </a:prstGeom>
+              <a:noFill/>
+              <a:ln w="12700" cap="flat">
+                <a:noFill/>
+                <a:miter lim="400000"/>
+              </a:ln>
+              <a:effectLst/>
+              <a:extLst>
+                <a:ext uri="{C572A759-6A51-4108-AA02-DFA0A04FC94B}">
+                  <ma14:wrappingTextBoxFlag xmlns:ma14="http://schemas.microsoft.com/office/mac/drawingml/2011/main" xmlns:a14="http://schemas.microsoft.com/office/drawing/2010/main" xmlns:m="http://schemas.openxmlformats.org/officeDocument/2006/math" xmlns="" val="1"/>
+                </a:ext>
+              </a:extLst>
+            </p:spPr>
+            <p:txBody>
+              <a:bodyPr wrap="square" lIns="71437" tIns="71437" rIns="71437" bIns="71437" numCol="1" anchor="ctr">
+                <a:spAutoFit/>
+              </a:bodyPr>
+              <a:lstStyle>
+                <a:lvl1pPr algn="l" defTabSz="821531">
+                  <a:defRPr sz="2400" b="0">
+                    <a:solidFill>
+                      <a:srgbClr val="FFFFFF"/>
+                    </a:solidFill>
+                    <a:latin typeface="Helvetica Neue Bold Condensed"/>
+                    <a:ea typeface="Helvetica Neue Bold Condensed"/>
+                    <a:cs typeface="Helvetica Neue Bold Condensed"/>
+                    <a:sym typeface="Helvetica Neue Bold Condensed"/>
+                  </a:defRPr>
+                </a:lvl1pPr>
+              </a:lstStyle>
+              <a:p>
+                <a:r>
+                  <a:rPr kumimoji="0" lang="zh-TW" altLang="en-US" sz="1050" b="0" i="0" u="none" strike="noStrike" cap="none" spc="0" normalizeH="0" baseline="0" dirty="0">
+                    <a:ln>
+                      <a:noFill/>
+                    </a:ln>
+                    <a:solidFill>
+                      <a:schemeClr val="tx1">
+                        <a:alpha val="15000"/>
+                      </a:schemeClr>
+                    </a:solidFill>
+                    <a:effectLst/>
+                    <a:uFillTx/>
+                    <a:latin typeface="Helvetica Neue Bold Condensed"/>
+                    <a:ea typeface="Helvetica Neue Bold Condensed"/>
+                    <a:cs typeface="Helvetica Neue Bold Condensed"/>
+                    <a:sym typeface="Helvetica Neue Bold Condensed"/>
+                  </a:rPr>
+                  <a:t>第</a:t>
+                </a:r>
+                <a:r>
+                  <a:rPr kumimoji="0" lang="en-US" altLang="zh-TW" sz="1050" b="0" i="0" u="none" strike="noStrike" cap="none" spc="0" normalizeH="0" baseline="0" dirty="0">
+                    <a:ln>
+                      <a:noFill/>
+                    </a:ln>
+                    <a:solidFill>
+                      <a:schemeClr val="tx1">
+                        <a:alpha val="15000"/>
+                      </a:schemeClr>
+                    </a:solidFill>
+                    <a:effectLst/>
+                    <a:uFillTx/>
+                    <a:latin typeface="Helvetica Neue Bold Condensed"/>
+                    <a:ea typeface="Helvetica Neue Bold Condensed"/>
+                    <a:cs typeface="Helvetica Neue Bold Condensed"/>
+                    <a:sym typeface="Helvetica Neue Bold Condensed"/>
+                  </a:rPr>
+                  <a:t>13</a:t>
+                </a:r>
+                <a:r>
+                  <a:rPr kumimoji="0" lang="zh-TW" altLang="en-US" sz="1050" b="0" i="0" u="none" strike="noStrike" cap="none" spc="0" normalizeH="0" baseline="0" dirty="0">
+                    <a:ln>
+                      <a:noFill/>
+                    </a:ln>
+                    <a:solidFill>
+                      <a:schemeClr val="tx1">
+                        <a:alpha val="15000"/>
+                      </a:schemeClr>
+                    </a:solidFill>
+                    <a:effectLst/>
+                    <a:uFillTx/>
+                    <a:latin typeface="Helvetica Neue Bold Condensed"/>
+                    <a:ea typeface="Helvetica Neue Bold Condensed"/>
+                    <a:cs typeface="Helvetica Neue Bold Condensed"/>
+                    <a:sym typeface="Helvetica Neue Bold Condensed"/>
+                  </a:rPr>
+                  <a:t>屆 </a:t>
+                </a:r>
+                <a:r>
+                  <a:rPr kumimoji="0" lang="en-US" sz="1200" b="0" i="0" u="none" strike="noStrike" cap="none" spc="0" normalizeH="0" baseline="0" dirty="0">
+                    <a:ln>
+                      <a:noFill/>
+                    </a:ln>
+                    <a:solidFill>
+                      <a:schemeClr val="tx1">
+                        <a:alpha val="15000"/>
+                      </a:schemeClr>
+                    </a:solidFill>
+                    <a:effectLst/>
+                    <a:uFillTx/>
+                    <a:latin typeface="Helvetica Neue Bold Condensed"/>
+                    <a:ea typeface="Helvetica Neue Bold Condensed"/>
+                    <a:cs typeface="Helvetica Neue Bold Condensed"/>
+                    <a:sym typeface="Helvetica Neue Bold Condensed"/>
+                  </a:rPr>
+                  <a:t>iT</a:t>
+                </a:r>
+                <a:r>
+                  <a:rPr kumimoji="0" lang="zh-TW" altLang="en-US" sz="1100" b="0" i="0" u="none" strike="noStrike" cap="none" spc="0" normalizeH="0" baseline="0" dirty="0">
+                    <a:ln>
+                      <a:noFill/>
+                    </a:ln>
+                    <a:solidFill>
+                      <a:schemeClr val="tx1">
+                        <a:alpha val="15000"/>
+                      </a:schemeClr>
+                    </a:solidFill>
+                    <a:effectLst/>
+                    <a:uFillTx/>
+                    <a:latin typeface="Helvetica Neue Bold Condensed"/>
+                    <a:ea typeface="Helvetica Neue Bold Condensed"/>
+                    <a:cs typeface="Helvetica Neue Bold Condensed"/>
+                    <a:sym typeface="Helvetica Neue Bold Condensed"/>
+                  </a:rPr>
+                  <a:t>邦</a:t>
+                </a:r>
+                <a:r>
+                  <a:rPr kumimoji="0" lang="zh-TW" altLang="en-US" sz="1000" b="0" i="0" u="none" strike="noStrike" cap="none" spc="0" normalizeH="0" baseline="0" dirty="0">
+                    <a:ln>
+                      <a:noFill/>
+                    </a:ln>
+                    <a:solidFill>
+                      <a:schemeClr val="tx1">
+                        <a:alpha val="15000"/>
+                      </a:schemeClr>
+                    </a:solidFill>
+                    <a:effectLst/>
+                    <a:uFillTx/>
+                    <a:latin typeface="Helvetica Neue Bold Condensed"/>
+                    <a:ea typeface="Helvetica Neue Bold Condensed"/>
+                    <a:cs typeface="Helvetica Neue Bold Condensed"/>
+                    <a:sym typeface="Helvetica Neue Bold Condensed"/>
+                  </a:rPr>
+                  <a:t>幫忙</a:t>
+                </a:r>
+                <a:r>
+                  <a:rPr kumimoji="0" lang="zh-TW" altLang="en-US" sz="1100" b="0" i="0" u="none" strike="noStrike" cap="none" spc="0" normalizeH="0" baseline="0" dirty="0">
+                    <a:ln>
+                      <a:noFill/>
+                    </a:ln>
+                    <a:solidFill>
+                      <a:schemeClr val="tx1">
+                        <a:alpha val="15000"/>
+                      </a:schemeClr>
+                    </a:solidFill>
+                    <a:effectLst/>
+                    <a:uFillTx/>
+                    <a:latin typeface="Helvetica Neue Bold Condensed"/>
+                    <a:ea typeface="Helvetica Neue Bold Condensed"/>
+                    <a:cs typeface="Helvetica Neue Bold Condensed"/>
+                    <a:sym typeface="Helvetica Neue Bold Condensed"/>
+                  </a:rPr>
+                  <a:t> 鐵人賽</a:t>
+                </a:r>
+                <a:endParaRPr sz="1100" dirty="0">
+                  <a:solidFill>
+                    <a:schemeClr val="tx1">
+                      <a:alpha val="15000"/>
+                    </a:schemeClr>
+                  </a:solidFill>
+                </a:endParaRPr>
+              </a:p>
+            </p:txBody>
+          </p:sp>
+          <p:sp>
+            <p:nvSpPr>
+              <p:cNvPr id="11" name="Intelligent Information Retrieval Laboratory">
+                <a:extLst>
+                  <a:ext uri="{FF2B5EF4-FFF2-40B4-BE49-F238E27FC236}">
+                    <a16:creationId xmlns:a16="http://schemas.microsoft.com/office/drawing/2014/main" id="{A75C1105-5BAC-1042-BA3D-E1C6E9940C9A}"/>
+                  </a:ext>
+                </a:extLst>
+              </p:cNvPr>
+              <p:cNvSpPr txBox="1"/>
+              <p:nvPr/>
+            </p:nvSpPr>
+            <p:spPr>
+              <a:xfrm>
+                <a:off x="8753784" y="4289292"/>
+                <a:ext cx="1219200" cy="313546"/>
+              </a:xfrm>
+              <a:prstGeom prst="rect">
+                <a:avLst/>
+              </a:prstGeom>
+              <a:noFill/>
+              <a:ln w="12700" cap="flat">
+                <a:noFill/>
+                <a:miter lim="400000"/>
+              </a:ln>
+              <a:effectLst/>
+              <a:extLst>
+                <a:ext uri="{C572A759-6A51-4108-AA02-DFA0A04FC94B}">
+                  <ma14:wrappingTextBoxFlag xmlns:ma14="http://schemas.microsoft.com/office/mac/drawingml/2011/main" xmlns:a14="http://schemas.microsoft.com/office/drawing/2010/main" xmlns:m="http://schemas.openxmlformats.org/officeDocument/2006/math" xmlns="" val="1"/>
+                </a:ext>
+              </a:extLst>
+            </p:spPr>
+            <p:txBody>
+              <a:bodyPr wrap="square" lIns="71437" tIns="71437" rIns="71437" bIns="71437" numCol="1" anchor="ctr">
+                <a:spAutoFit/>
+              </a:bodyPr>
+              <a:lstStyle>
+                <a:lvl1pPr algn="l" defTabSz="821531">
+                  <a:defRPr sz="2400" b="0">
+                    <a:solidFill>
+                      <a:srgbClr val="FFFFFF"/>
+                    </a:solidFill>
+                    <a:latin typeface="Helvetica Neue Bold Condensed"/>
+                    <a:ea typeface="Helvetica Neue Bold Condensed"/>
+                    <a:cs typeface="Helvetica Neue Bold Condensed"/>
+                    <a:sym typeface="Helvetica Neue Bold Condensed"/>
+                  </a:defRPr>
+                </a:lvl1pPr>
+              </a:lstStyle>
+              <a:p>
+                <a:r>
+                  <a:rPr kumimoji="0" lang="en-US" altLang="zh-TW" sz="1050" b="0" i="0" u="none" strike="noStrike" cap="none" spc="0" normalizeH="0" baseline="0" dirty="0">
+                    <a:ln>
+                      <a:noFill/>
+                    </a:ln>
+                    <a:solidFill>
+                      <a:schemeClr val="tx1">
+                        <a:alpha val="15000"/>
+                      </a:schemeClr>
+                    </a:solidFill>
+                    <a:effectLst/>
+                    <a:uFillTx/>
+                    <a:latin typeface="Helvetica Neue Bold Condensed"/>
+                    <a:ea typeface="Helvetica Neue Bold Condensed"/>
+                    <a:cs typeface="Helvetica Neue Bold Condensed"/>
+                    <a:sym typeface="Helvetica Neue Bold Condensed"/>
+                  </a:rPr>
+                  <a:t>AI &amp; Data </a:t>
+                </a:r>
+                <a:r>
+                  <a:rPr kumimoji="0" lang="zh-TW" altLang="en-US" sz="1050" b="0" i="0" u="none" strike="noStrike" cap="none" spc="0" normalizeH="0" baseline="0" dirty="0">
+                    <a:ln>
+                      <a:noFill/>
+                    </a:ln>
+                    <a:solidFill>
+                      <a:schemeClr val="tx1">
+                        <a:alpha val="15000"/>
+                      </a:schemeClr>
+                    </a:solidFill>
+                    <a:effectLst/>
+                    <a:uFillTx/>
+                    <a:latin typeface="Helvetica Neue Bold Condensed"/>
+                    <a:ea typeface="Helvetica Neue Bold Condensed"/>
+                    <a:cs typeface="Helvetica Neue Bold Condensed"/>
+                    <a:sym typeface="Helvetica Neue Bold Condensed"/>
+                  </a:rPr>
+                  <a:t>組</a:t>
+                </a:r>
+                <a:endParaRPr sz="1100" dirty="0">
+                  <a:solidFill>
+                    <a:schemeClr val="tx1">
+                      <a:alpha val="15000"/>
+                    </a:schemeClr>
+                  </a:solidFill>
+                </a:endParaRPr>
+              </a:p>
+            </p:txBody>
+          </p:sp>
+        </p:grpSp>
+        <p:grpSp>
+          <p:nvGrpSpPr>
+            <p:cNvPr id="6" name="Group 5">
+              <a:extLst>
+                <a:ext uri="{FF2B5EF4-FFF2-40B4-BE49-F238E27FC236}">
+                  <a16:creationId xmlns:a16="http://schemas.microsoft.com/office/drawing/2014/main" id="{9D6FB1A9-89C8-0947-A0BD-8EDB2F66B82A}"/>
+                </a:ext>
+              </a:extLst>
+            </p:cNvPr>
+            <p:cNvGrpSpPr/>
+            <p:nvPr/>
+          </p:nvGrpSpPr>
+          <p:grpSpPr>
+            <a:xfrm>
+              <a:off x="7247835" y="3971848"/>
+              <a:ext cx="1876735" cy="1050587"/>
+              <a:chOff x="3891792" y="3940042"/>
+              <a:chExt cx="1876735" cy="1050587"/>
+            </a:xfrm>
+          </p:grpSpPr>
+          <p:pic>
+            <p:nvPicPr>
+              <p:cNvPr id="7" name="Picture 6">
+                <a:extLst>
+                  <a:ext uri="{FF2B5EF4-FFF2-40B4-BE49-F238E27FC236}">
+                    <a16:creationId xmlns:a16="http://schemas.microsoft.com/office/drawing/2014/main" id="{C7ECEEB4-75FD-704D-9A7E-909FE74843C1}"/>
+                  </a:ext>
+                </a:extLst>
+              </p:cNvPr>
+              <p:cNvPicPr>
+                <a:picLocks noChangeAspect="1" noChangeArrowheads="1"/>
+              </p:cNvPicPr>
+              <p:nvPr/>
+            </p:nvPicPr>
+            <p:blipFill>
+              <a:blip r:embed="rId3">
+                <a:duotone>
+                  <a:prstClr val="black"/>
+                  <a:schemeClr val="tx1">
+                    <a:tint val="45000"/>
+                    <a:satMod val="400000"/>
+                  </a:schemeClr>
+                </a:duotone>
+                <a:alphaModFix amt="20000"/>
+              </a:blip>
+              <a:srcRect/>
+              <a:stretch/>
+            </p:blipFill>
+            <p:spPr bwMode="auto">
+              <a:xfrm>
+                <a:off x="4489805" y="3940042"/>
+                <a:ext cx="1050587" cy="1050587"/>
+              </a:xfrm>
+              <a:prstGeom prst="rect">
+                <a:avLst/>
+              </a:prstGeom>
+              <a:noFill/>
+              <a:extLst>
+                <a:ext uri="{909E8E84-426E-40DD-AFC4-6F175D3DCCD1}">
+                  <a14:hiddenFill xmlns:a14="http://schemas.microsoft.com/office/drawing/2010/main">
+                    <a:solidFill>
+                      <a:srgbClr val="FFFFFF"/>
+                    </a:solidFill>
+                  </a14:hiddenFill>
+                </a:ext>
+              </a:extLst>
+            </p:spPr>
+          </p:pic>
+          <p:pic>
+            <p:nvPicPr>
+              <p:cNvPr id="8" name="Picture 4" descr="Youtube logo | Logok">
+                <a:extLst>
+                  <a:ext uri="{FF2B5EF4-FFF2-40B4-BE49-F238E27FC236}">
+                    <a16:creationId xmlns:a16="http://schemas.microsoft.com/office/drawing/2014/main" id="{583B882E-83DB-E44C-8252-7174108B67F8}"/>
+                  </a:ext>
+                </a:extLst>
+              </p:cNvPr>
+              <p:cNvPicPr>
+                <a:picLocks noChangeAspect="1" noChangeArrowheads="1"/>
+              </p:cNvPicPr>
+              <p:nvPr/>
+            </p:nvPicPr>
+            <p:blipFill>
+              <a:blip r:embed="rId4">
+                <a:alphaModFix amt="20000"/>
+                <a:extLst>
+                  <a:ext uri="{28A0092B-C50C-407E-A947-70E740481C1C}">
+                    <a14:useLocalDpi xmlns:a14="http://schemas.microsoft.com/office/drawing/2010/main" val="0"/>
+                  </a:ext>
+                </a:extLst>
+              </a:blip>
+              <a:srcRect/>
+              <a:stretch>
+                <a:fillRect/>
+              </a:stretch>
+            </p:blipFill>
+            <p:spPr bwMode="auto">
+              <a:xfrm>
+                <a:off x="3891792" y="4187926"/>
+                <a:ext cx="739756" cy="554817"/>
+              </a:xfrm>
+              <a:prstGeom prst="rect">
+                <a:avLst/>
+              </a:prstGeom>
+              <a:noFill/>
+              <a:extLst>
+                <a:ext uri="{909E8E84-426E-40DD-AFC4-6F175D3DCCD1}">
+                  <a14:hiddenFill xmlns:a14="http://schemas.microsoft.com/office/drawing/2010/main">
+                    <a:solidFill>
+                      <a:srgbClr val="FFFFFF"/>
+                    </a:solidFill>
+                  </a14:hiddenFill>
+                </a:ext>
+              </a:extLst>
+            </p:spPr>
+          </p:pic>
+          <p:sp>
+            <p:nvSpPr>
+              <p:cNvPr id="9" name="Intelligent Information Retrieval Laboratory">
+                <a:extLst>
+                  <a:ext uri="{FF2B5EF4-FFF2-40B4-BE49-F238E27FC236}">
+                    <a16:creationId xmlns:a16="http://schemas.microsoft.com/office/drawing/2014/main" id="{AB9CC097-64E7-6246-8CA8-7B7C2EFB90D2}"/>
+                  </a:ext>
+                </a:extLst>
+              </p:cNvPr>
+              <p:cNvSpPr txBox="1"/>
+              <p:nvPr/>
+            </p:nvSpPr>
+            <p:spPr>
+              <a:xfrm>
+                <a:off x="4549327" y="4308601"/>
+                <a:ext cx="1219200" cy="328935"/>
+              </a:xfrm>
+              <a:prstGeom prst="rect">
+                <a:avLst/>
+              </a:prstGeom>
+              <a:noFill/>
+              <a:ln w="12700" cap="flat">
+                <a:noFill/>
+                <a:miter lim="400000"/>
+              </a:ln>
+              <a:effectLst/>
+              <a:extLst>
+                <a:ext uri="{C572A759-6A51-4108-AA02-DFA0A04FC94B}">
+                  <ma14:wrappingTextBoxFlag xmlns:ma14="http://schemas.microsoft.com/office/mac/drawingml/2011/main" xmlns:a14="http://schemas.microsoft.com/office/drawing/2010/main" xmlns:m="http://schemas.openxmlformats.org/officeDocument/2006/math" xmlns="" val="1"/>
+                </a:ext>
+              </a:extLst>
+            </p:spPr>
+            <p:txBody>
+              <a:bodyPr wrap="square" lIns="71437" tIns="71437" rIns="71437" bIns="71437" numCol="1" anchor="ctr">
+                <a:spAutoFit/>
+              </a:bodyPr>
+              <a:lstStyle>
+                <a:lvl1pPr algn="l" defTabSz="821531">
+                  <a:defRPr sz="2400" b="0">
+                    <a:solidFill>
+                      <a:srgbClr val="FFFFFF"/>
+                    </a:solidFill>
+                    <a:latin typeface="Helvetica Neue Bold Condensed"/>
+                    <a:ea typeface="Helvetica Neue Bold Condensed"/>
+                    <a:cs typeface="Helvetica Neue Bold Condensed"/>
+                    <a:sym typeface="Helvetica Neue Bold Condensed"/>
+                  </a:defRPr>
+                </a:lvl1pPr>
+              </a:lstStyle>
+              <a:p>
+                <a:r>
+                  <a:rPr kumimoji="0" lang="en-US" altLang="zh-TW" sz="1200" b="0" i="0" u="none" strike="noStrike" cap="none" spc="0" normalizeH="0" baseline="0" dirty="0">
+                    <a:ln>
+                      <a:noFill/>
+                    </a:ln>
+                    <a:solidFill>
+                      <a:schemeClr val="tx1">
+                        <a:alpha val="15000"/>
+                      </a:schemeClr>
+                    </a:solidFill>
+                    <a:effectLst/>
+                    <a:uFillTx/>
+                    <a:latin typeface="Helvetica Neue Bold Condensed"/>
+                    <a:ea typeface="Helvetica Neue Bold Condensed"/>
+                    <a:cs typeface="Helvetica Neue Bold Condensed"/>
+                    <a:sym typeface="Helvetica Neue Bold Condensed"/>
+                  </a:rPr>
+                  <a:t>10</a:t>
+                </a:r>
+                <a:r>
+                  <a:rPr kumimoji="0" lang="zh-TW" altLang="en-US" sz="1200" b="0" i="0" u="none" strike="noStrike" cap="none" spc="0" normalizeH="0" baseline="0" dirty="0">
+                    <a:ln>
+                      <a:noFill/>
+                    </a:ln>
+                    <a:solidFill>
+                      <a:schemeClr val="tx1">
+                        <a:alpha val="15000"/>
+                      </a:schemeClr>
+                    </a:solidFill>
+                    <a:effectLst/>
+                    <a:uFillTx/>
+                    <a:sym typeface="Helvetica Neue Bold Condensed"/>
+                  </a:rPr>
+                  <a:t>程式中</a:t>
+                </a:r>
+                <a:endParaRPr sz="1400" dirty="0">
+                  <a:solidFill>
+                    <a:schemeClr val="tx1">
+                      <a:alpha val="15000"/>
+                    </a:schemeClr>
+                  </a:solidFill>
+                </a:endParaRPr>
+              </a:p>
+            </p:txBody>
+          </p:sp>
+        </p:grpSp>
+      </p:grpSp>
+    </p:spTree>
+    <p:extLst>
+      <p:ext uri="{BB962C8B-B14F-4D97-AF65-F5344CB8AC3E}">
+        <p14:creationId xmlns:p14="http://schemas.microsoft.com/office/powerpoint/2010/main" val="3382300345"/>
+      </p:ext>
+    </p:extLst>
+  </p:cSld>
+  <p:clrMapOvr>
+    <a:masterClrMapping/>
+  </p:clrMapOvr>
+</p:sld>
+</file>
+
+<file path=ppt/slides/slide8.xml><?xml version="1.0" encoding="utf-8"?>
+<p:sld xmlns:a="http://schemas.openxmlformats.org/drawingml/2006/main" xmlns:r="http://schemas.openxmlformats.org/officeDocument/2006/relationships" xmlns:p="http://schemas.openxmlformats.org/presentationml/2006/main">
+  <p:cSld>
+    <p:spTree>
+      <p:nvGrpSpPr>
+        <p:cNvPr id="1" name=""/>
+        <p:cNvGrpSpPr/>
+        <p:nvPr/>
+      </p:nvGrpSpPr>
+      <p:grpSpPr>
+        <a:xfrm>
+          <a:off x="0" y="0"/>
+          <a:ext cx="0" cy="0"/>
+          <a:chOff x="0" y="0"/>
+          <a:chExt cx="0" cy="0"/>
+        </a:xfrm>
+      </p:grpSpPr>
+      <p:pic>
+        <p:nvPicPr>
+          <p:cNvPr id="3" name="Picture 2">
+            <a:extLst>
+              <a:ext uri="{FF2B5EF4-FFF2-40B4-BE49-F238E27FC236}">
+                <a16:creationId xmlns:a16="http://schemas.microsoft.com/office/drawing/2014/main" id="{0D8022A3-80FB-234A-845A-7387D9FDC723}"/>
+              </a:ext>
+            </a:extLst>
+          </p:cNvPr>
+          <p:cNvPicPr>
+            <a:picLocks noChangeAspect="1"/>
+          </p:cNvPicPr>
+          <p:nvPr/>
+        </p:nvPicPr>
+        <p:blipFill>
+          <a:blip r:embed="rId2"/>
+          <a:stretch>
+            <a:fillRect/>
+          </a:stretch>
+        </p:blipFill>
+        <p:spPr>
+          <a:xfrm>
+            <a:off x="2623691" y="1896638"/>
+            <a:ext cx="6944617" cy="3064724"/>
+          </a:xfrm>
+          <a:prstGeom prst="rect">
+            <a:avLst/>
+          </a:prstGeom>
+        </p:spPr>
+      </p:pic>
+      <p:grpSp>
+        <p:nvGrpSpPr>
+          <p:cNvPr id="4" name="Group 3">
+            <a:extLst>
+              <a:ext uri="{FF2B5EF4-FFF2-40B4-BE49-F238E27FC236}">
+                <a16:creationId xmlns:a16="http://schemas.microsoft.com/office/drawing/2014/main" id="{48BBE356-C25D-D643-A32A-0D15E2B63C78}"/>
+              </a:ext>
+            </a:extLst>
+          </p:cNvPr>
+          <p:cNvGrpSpPr/>
+          <p:nvPr/>
+        </p:nvGrpSpPr>
+        <p:grpSpPr>
+          <a:xfrm>
+            <a:off x="3419261" y="4546326"/>
+            <a:ext cx="5764444" cy="1050587"/>
+            <a:chOff x="3360126" y="3971848"/>
+            <a:chExt cx="5764444" cy="1050587"/>
+          </a:xfrm>
+        </p:grpSpPr>
+        <p:grpSp>
+          <p:nvGrpSpPr>
+            <p:cNvPr id="5" name="Group 4">
+              <a:extLst>
+                <a:ext uri="{FF2B5EF4-FFF2-40B4-BE49-F238E27FC236}">
+                  <a16:creationId xmlns:a16="http://schemas.microsoft.com/office/drawing/2014/main" id="{902310F6-D353-704E-876C-4BCC93A4767B}"/>
+                </a:ext>
+              </a:extLst>
+            </p:cNvPr>
+            <p:cNvGrpSpPr/>
+            <p:nvPr/>
+          </p:nvGrpSpPr>
+          <p:grpSpPr>
+            <a:xfrm>
+              <a:off x="3360126" y="4324980"/>
+              <a:ext cx="2735874" cy="328935"/>
+              <a:chOff x="7237110" y="4273903"/>
+              <a:chExt cx="2735874" cy="328935"/>
+            </a:xfrm>
+          </p:grpSpPr>
+          <p:sp>
+            <p:nvSpPr>
+              <p:cNvPr id="10" name="Intelligent Information Retrieval Laboratory">
+                <a:extLst>
+                  <a:ext uri="{FF2B5EF4-FFF2-40B4-BE49-F238E27FC236}">
+                    <a16:creationId xmlns:a16="http://schemas.microsoft.com/office/drawing/2014/main" id="{81026F95-252A-C840-ADB0-956CA369D67E}"/>
+                  </a:ext>
+                </a:extLst>
+              </p:cNvPr>
+              <p:cNvSpPr txBox="1"/>
+              <p:nvPr/>
+            </p:nvSpPr>
+            <p:spPr>
+              <a:xfrm>
+                <a:off x="7237110" y="4273903"/>
+                <a:ext cx="2590800" cy="328935"/>
+              </a:xfrm>
+              <a:prstGeom prst="rect">
+                <a:avLst/>
+              </a:prstGeom>
+              <a:noFill/>
+              <a:ln w="12700" cap="flat">
+                <a:noFill/>
+                <a:miter lim="400000"/>
+              </a:ln>
+              <a:effectLst/>
+              <a:extLst>
+                <a:ext uri="{C572A759-6A51-4108-AA02-DFA0A04FC94B}">
+                  <ma14:wrappingTextBoxFlag xmlns:ma14="http://schemas.microsoft.com/office/mac/drawingml/2011/main" xmlns:a14="http://schemas.microsoft.com/office/drawing/2010/main" xmlns:m="http://schemas.openxmlformats.org/officeDocument/2006/math" xmlns="" val="1"/>
+                </a:ext>
+              </a:extLst>
+            </p:spPr>
+            <p:txBody>
+              <a:bodyPr wrap="square" lIns="71437" tIns="71437" rIns="71437" bIns="71437" numCol="1" anchor="ctr">
+                <a:spAutoFit/>
+              </a:bodyPr>
+              <a:lstStyle>
+                <a:lvl1pPr algn="l" defTabSz="821531">
+                  <a:defRPr sz="2400" b="0">
+                    <a:solidFill>
+                      <a:srgbClr val="FFFFFF"/>
+                    </a:solidFill>
+                    <a:latin typeface="Helvetica Neue Bold Condensed"/>
+                    <a:ea typeface="Helvetica Neue Bold Condensed"/>
+                    <a:cs typeface="Helvetica Neue Bold Condensed"/>
+                    <a:sym typeface="Helvetica Neue Bold Condensed"/>
+                  </a:defRPr>
+                </a:lvl1pPr>
+              </a:lstStyle>
+              <a:p>
+                <a:r>
+                  <a:rPr kumimoji="0" lang="zh-TW" altLang="en-US" sz="1050" b="0" i="0" u="none" strike="noStrike" cap="none" spc="0" normalizeH="0" baseline="0" dirty="0">
+                    <a:ln>
+                      <a:noFill/>
+                    </a:ln>
+                    <a:solidFill>
+                      <a:schemeClr val="tx1">
+                        <a:alpha val="15000"/>
+                      </a:schemeClr>
+                    </a:solidFill>
+                    <a:effectLst/>
+                    <a:uFillTx/>
+                    <a:latin typeface="Helvetica Neue Bold Condensed"/>
+                    <a:ea typeface="Helvetica Neue Bold Condensed"/>
+                    <a:cs typeface="Helvetica Neue Bold Condensed"/>
+                    <a:sym typeface="Helvetica Neue Bold Condensed"/>
+                  </a:rPr>
+                  <a:t>第</a:t>
+                </a:r>
+                <a:r>
+                  <a:rPr kumimoji="0" lang="en-US" altLang="zh-TW" sz="1050" b="0" i="0" u="none" strike="noStrike" cap="none" spc="0" normalizeH="0" baseline="0" dirty="0">
+                    <a:ln>
+                      <a:noFill/>
+                    </a:ln>
+                    <a:solidFill>
+                      <a:schemeClr val="tx1">
+                        <a:alpha val="15000"/>
+                      </a:schemeClr>
+                    </a:solidFill>
+                    <a:effectLst/>
+                    <a:uFillTx/>
+                    <a:latin typeface="Helvetica Neue Bold Condensed"/>
+                    <a:ea typeface="Helvetica Neue Bold Condensed"/>
+                    <a:cs typeface="Helvetica Neue Bold Condensed"/>
+                    <a:sym typeface="Helvetica Neue Bold Condensed"/>
+                  </a:rPr>
+                  <a:t>13</a:t>
+                </a:r>
+                <a:r>
+                  <a:rPr kumimoji="0" lang="zh-TW" altLang="en-US" sz="1050" b="0" i="0" u="none" strike="noStrike" cap="none" spc="0" normalizeH="0" baseline="0" dirty="0">
+                    <a:ln>
+                      <a:noFill/>
+                    </a:ln>
+                    <a:solidFill>
+                      <a:schemeClr val="tx1">
+                        <a:alpha val="15000"/>
+                      </a:schemeClr>
+                    </a:solidFill>
+                    <a:effectLst/>
+                    <a:uFillTx/>
+                    <a:latin typeface="Helvetica Neue Bold Condensed"/>
+                    <a:ea typeface="Helvetica Neue Bold Condensed"/>
+                    <a:cs typeface="Helvetica Neue Bold Condensed"/>
+                    <a:sym typeface="Helvetica Neue Bold Condensed"/>
+                  </a:rPr>
+                  <a:t>屆 </a:t>
+                </a:r>
+                <a:r>
+                  <a:rPr kumimoji="0" lang="en-US" sz="1200" b="0" i="0" u="none" strike="noStrike" cap="none" spc="0" normalizeH="0" baseline="0" dirty="0">
+                    <a:ln>
+                      <a:noFill/>
+                    </a:ln>
+                    <a:solidFill>
+                      <a:schemeClr val="tx1">
+                        <a:alpha val="15000"/>
+                      </a:schemeClr>
+                    </a:solidFill>
+                    <a:effectLst/>
+                    <a:uFillTx/>
+                    <a:latin typeface="Helvetica Neue Bold Condensed"/>
+                    <a:ea typeface="Helvetica Neue Bold Condensed"/>
+                    <a:cs typeface="Helvetica Neue Bold Condensed"/>
+                    <a:sym typeface="Helvetica Neue Bold Condensed"/>
+                  </a:rPr>
+                  <a:t>iT</a:t>
+                </a:r>
+                <a:r>
+                  <a:rPr kumimoji="0" lang="zh-TW" altLang="en-US" sz="1100" b="0" i="0" u="none" strike="noStrike" cap="none" spc="0" normalizeH="0" baseline="0" dirty="0">
+                    <a:ln>
+                      <a:noFill/>
+                    </a:ln>
+                    <a:solidFill>
+                      <a:schemeClr val="tx1">
+                        <a:alpha val="15000"/>
+                      </a:schemeClr>
+                    </a:solidFill>
+                    <a:effectLst/>
+                    <a:uFillTx/>
+                    <a:latin typeface="Helvetica Neue Bold Condensed"/>
+                    <a:ea typeface="Helvetica Neue Bold Condensed"/>
+                    <a:cs typeface="Helvetica Neue Bold Condensed"/>
+                    <a:sym typeface="Helvetica Neue Bold Condensed"/>
+                  </a:rPr>
+                  <a:t>邦</a:t>
+                </a:r>
+                <a:r>
+                  <a:rPr kumimoji="0" lang="zh-TW" altLang="en-US" sz="1000" b="0" i="0" u="none" strike="noStrike" cap="none" spc="0" normalizeH="0" baseline="0" dirty="0">
+                    <a:ln>
+                      <a:noFill/>
+                    </a:ln>
+                    <a:solidFill>
+                      <a:schemeClr val="tx1">
+                        <a:alpha val="15000"/>
+                      </a:schemeClr>
+                    </a:solidFill>
+                    <a:effectLst/>
+                    <a:uFillTx/>
+                    <a:latin typeface="Helvetica Neue Bold Condensed"/>
+                    <a:ea typeface="Helvetica Neue Bold Condensed"/>
+                    <a:cs typeface="Helvetica Neue Bold Condensed"/>
+                    <a:sym typeface="Helvetica Neue Bold Condensed"/>
+                  </a:rPr>
+                  <a:t>幫忙</a:t>
+                </a:r>
+                <a:r>
+                  <a:rPr kumimoji="0" lang="zh-TW" altLang="en-US" sz="1100" b="0" i="0" u="none" strike="noStrike" cap="none" spc="0" normalizeH="0" baseline="0" dirty="0">
+                    <a:ln>
+                      <a:noFill/>
+                    </a:ln>
+                    <a:solidFill>
+                      <a:schemeClr val="tx1">
+                        <a:alpha val="15000"/>
+                      </a:schemeClr>
+                    </a:solidFill>
+                    <a:effectLst/>
+                    <a:uFillTx/>
+                    <a:latin typeface="Helvetica Neue Bold Condensed"/>
+                    <a:ea typeface="Helvetica Neue Bold Condensed"/>
+                    <a:cs typeface="Helvetica Neue Bold Condensed"/>
+                    <a:sym typeface="Helvetica Neue Bold Condensed"/>
+                  </a:rPr>
+                  <a:t> 鐵人賽</a:t>
+                </a:r>
+                <a:endParaRPr sz="1100" dirty="0">
+                  <a:solidFill>
+                    <a:schemeClr val="tx1">
+                      <a:alpha val="15000"/>
+                    </a:schemeClr>
+                  </a:solidFill>
+                </a:endParaRPr>
+              </a:p>
+            </p:txBody>
+          </p:sp>
+          <p:sp>
+            <p:nvSpPr>
+              <p:cNvPr id="11" name="Intelligent Information Retrieval Laboratory">
+                <a:extLst>
+                  <a:ext uri="{FF2B5EF4-FFF2-40B4-BE49-F238E27FC236}">
+                    <a16:creationId xmlns:a16="http://schemas.microsoft.com/office/drawing/2014/main" id="{F6F8DC82-4F4A-4044-A409-CE7350305D59}"/>
+                  </a:ext>
+                </a:extLst>
+              </p:cNvPr>
+              <p:cNvSpPr txBox="1"/>
+              <p:nvPr/>
+            </p:nvSpPr>
+            <p:spPr>
+              <a:xfrm>
+                <a:off x="8753784" y="4289292"/>
+                <a:ext cx="1219200" cy="313546"/>
+              </a:xfrm>
+              <a:prstGeom prst="rect">
+                <a:avLst/>
+              </a:prstGeom>
+              <a:noFill/>
+              <a:ln w="12700" cap="flat">
+                <a:noFill/>
+                <a:miter lim="400000"/>
+              </a:ln>
+              <a:effectLst/>
+              <a:extLst>
+                <a:ext uri="{C572A759-6A51-4108-AA02-DFA0A04FC94B}">
+                  <ma14:wrappingTextBoxFlag xmlns:ma14="http://schemas.microsoft.com/office/mac/drawingml/2011/main" xmlns:a14="http://schemas.microsoft.com/office/drawing/2010/main" xmlns:m="http://schemas.openxmlformats.org/officeDocument/2006/math" xmlns="" val="1"/>
+                </a:ext>
+              </a:extLst>
+            </p:spPr>
+            <p:txBody>
+              <a:bodyPr wrap="square" lIns="71437" tIns="71437" rIns="71437" bIns="71437" numCol="1" anchor="ctr">
+                <a:spAutoFit/>
+              </a:bodyPr>
+              <a:lstStyle>
+                <a:lvl1pPr algn="l" defTabSz="821531">
+                  <a:defRPr sz="2400" b="0">
+                    <a:solidFill>
+                      <a:srgbClr val="FFFFFF"/>
+                    </a:solidFill>
+                    <a:latin typeface="Helvetica Neue Bold Condensed"/>
+                    <a:ea typeface="Helvetica Neue Bold Condensed"/>
+                    <a:cs typeface="Helvetica Neue Bold Condensed"/>
+                    <a:sym typeface="Helvetica Neue Bold Condensed"/>
+                  </a:defRPr>
+                </a:lvl1pPr>
+              </a:lstStyle>
+              <a:p>
+                <a:r>
+                  <a:rPr kumimoji="0" lang="en-US" altLang="zh-TW" sz="1050" b="0" i="0" u="none" strike="noStrike" cap="none" spc="0" normalizeH="0" baseline="0" dirty="0">
+                    <a:ln>
+                      <a:noFill/>
+                    </a:ln>
+                    <a:solidFill>
+                      <a:schemeClr val="tx1">
+                        <a:alpha val="15000"/>
+                      </a:schemeClr>
+                    </a:solidFill>
+                    <a:effectLst/>
+                    <a:uFillTx/>
+                    <a:latin typeface="Helvetica Neue Bold Condensed"/>
+                    <a:ea typeface="Helvetica Neue Bold Condensed"/>
+                    <a:cs typeface="Helvetica Neue Bold Condensed"/>
+                    <a:sym typeface="Helvetica Neue Bold Condensed"/>
+                  </a:rPr>
+                  <a:t>AI &amp; Data </a:t>
+                </a:r>
+                <a:r>
+                  <a:rPr kumimoji="0" lang="zh-TW" altLang="en-US" sz="1050" b="0" i="0" u="none" strike="noStrike" cap="none" spc="0" normalizeH="0" baseline="0" dirty="0">
+                    <a:ln>
+                      <a:noFill/>
+                    </a:ln>
+                    <a:solidFill>
+                      <a:schemeClr val="tx1">
+                        <a:alpha val="15000"/>
+                      </a:schemeClr>
+                    </a:solidFill>
+                    <a:effectLst/>
+                    <a:uFillTx/>
+                    <a:latin typeface="Helvetica Neue Bold Condensed"/>
+                    <a:ea typeface="Helvetica Neue Bold Condensed"/>
+                    <a:cs typeface="Helvetica Neue Bold Condensed"/>
+                    <a:sym typeface="Helvetica Neue Bold Condensed"/>
+                  </a:rPr>
+                  <a:t>組</a:t>
+                </a:r>
+                <a:endParaRPr sz="1100" dirty="0">
+                  <a:solidFill>
+                    <a:schemeClr val="tx1">
+                      <a:alpha val="15000"/>
+                    </a:schemeClr>
+                  </a:solidFill>
+                </a:endParaRPr>
+              </a:p>
+            </p:txBody>
+          </p:sp>
+        </p:grpSp>
+        <p:grpSp>
+          <p:nvGrpSpPr>
+            <p:cNvPr id="6" name="Group 5">
+              <a:extLst>
+                <a:ext uri="{FF2B5EF4-FFF2-40B4-BE49-F238E27FC236}">
+                  <a16:creationId xmlns:a16="http://schemas.microsoft.com/office/drawing/2014/main" id="{5602665D-5604-9743-AD57-60A009C804A8}"/>
+                </a:ext>
+              </a:extLst>
+            </p:cNvPr>
+            <p:cNvGrpSpPr/>
+            <p:nvPr/>
+          </p:nvGrpSpPr>
+          <p:grpSpPr>
+            <a:xfrm>
+              <a:off x="7247835" y="3971848"/>
+              <a:ext cx="1876735" cy="1050587"/>
+              <a:chOff x="3891792" y="3940042"/>
+              <a:chExt cx="1876735" cy="1050587"/>
+            </a:xfrm>
+          </p:grpSpPr>
+          <p:pic>
+            <p:nvPicPr>
+              <p:cNvPr id="7" name="Picture 6">
+                <a:extLst>
+                  <a:ext uri="{FF2B5EF4-FFF2-40B4-BE49-F238E27FC236}">
+                    <a16:creationId xmlns:a16="http://schemas.microsoft.com/office/drawing/2014/main" id="{D46FF951-4BB4-414D-8B23-FAA5864F4ACB}"/>
+                  </a:ext>
+                </a:extLst>
+              </p:cNvPr>
+              <p:cNvPicPr>
+                <a:picLocks noChangeAspect="1" noChangeArrowheads="1"/>
+              </p:cNvPicPr>
+              <p:nvPr/>
+            </p:nvPicPr>
+            <p:blipFill>
+              <a:blip r:embed="rId3">
+                <a:duotone>
+                  <a:prstClr val="black"/>
+                  <a:schemeClr val="tx1">
+                    <a:tint val="45000"/>
+                    <a:satMod val="400000"/>
+                  </a:schemeClr>
+                </a:duotone>
+                <a:alphaModFix amt="20000"/>
+              </a:blip>
+              <a:srcRect/>
+              <a:stretch/>
+            </p:blipFill>
+            <p:spPr bwMode="auto">
+              <a:xfrm>
+                <a:off x="4489805" y="3940042"/>
+                <a:ext cx="1050587" cy="1050587"/>
+              </a:xfrm>
+              <a:prstGeom prst="rect">
+                <a:avLst/>
+              </a:prstGeom>
+              <a:noFill/>
+              <a:extLst>
+                <a:ext uri="{909E8E84-426E-40DD-AFC4-6F175D3DCCD1}">
+                  <a14:hiddenFill xmlns:a14="http://schemas.microsoft.com/office/drawing/2010/main">
+                    <a:solidFill>
+                      <a:srgbClr val="FFFFFF"/>
+                    </a:solidFill>
+                  </a14:hiddenFill>
+                </a:ext>
+              </a:extLst>
+            </p:spPr>
+          </p:pic>
+          <p:pic>
+            <p:nvPicPr>
+              <p:cNvPr id="8" name="Picture 4" descr="Youtube logo | Logok">
+                <a:extLst>
+                  <a:ext uri="{FF2B5EF4-FFF2-40B4-BE49-F238E27FC236}">
+                    <a16:creationId xmlns:a16="http://schemas.microsoft.com/office/drawing/2014/main" id="{944A8A57-4474-0542-A4BB-5848CC754A32}"/>
+                  </a:ext>
+                </a:extLst>
+              </p:cNvPr>
+              <p:cNvPicPr>
+                <a:picLocks noChangeAspect="1" noChangeArrowheads="1"/>
+              </p:cNvPicPr>
+              <p:nvPr/>
+            </p:nvPicPr>
+            <p:blipFill>
+              <a:blip r:embed="rId4">
+                <a:alphaModFix amt="20000"/>
+                <a:extLst>
+                  <a:ext uri="{28A0092B-C50C-407E-A947-70E740481C1C}">
+                    <a14:useLocalDpi xmlns:a14="http://schemas.microsoft.com/office/drawing/2010/main" val="0"/>
+                  </a:ext>
+                </a:extLst>
+              </a:blip>
+              <a:srcRect/>
+              <a:stretch>
+                <a:fillRect/>
+              </a:stretch>
+            </p:blipFill>
+            <p:spPr bwMode="auto">
+              <a:xfrm>
+                <a:off x="3891792" y="4187926"/>
+                <a:ext cx="739756" cy="554817"/>
+              </a:xfrm>
+              <a:prstGeom prst="rect">
+                <a:avLst/>
+              </a:prstGeom>
+              <a:noFill/>
+              <a:extLst>
+                <a:ext uri="{909E8E84-426E-40DD-AFC4-6F175D3DCCD1}">
+                  <a14:hiddenFill xmlns:a14="http://schemas.microsoft.com/office/drawing/2010/main">
+                    <a:solidFill>
+                      <a:srgbClr val="FFFFFF"/>
+                    </a:solidFill>
+                  </a14:hiddenFill>
+                </a:ext>
+              </a:extLst>
+            </p:spPr>
+          </p:pic>
+          <p:sp>
+            <p:nvSpPr>
+              <p:cNvPr id="9" name="Intelligent Information Retrieval Laboratory">
+                <a:extLst>
+                  <a:ext uri="{FF2B5EF4-FFF2-40B4-BE49-F238E27FC236}">
+                    <a16:creationId xmlns:a16="http://schemas.microsoft.com/office/drawing/2014/main" id="{2928961A-8C2A-DB4D-A6DD-8D98208B841A}"/>
+                  </a:ext>
+                </a:extLst>
+              </p:cNvPr>
+              <p:cNvSpPr txBox="1"/>
+              <p:nvPr/>
+            </p:nvSpPr>
+            <p:spPr>
+              <a:xfrm>
+                <a:off x="4549327" y="4308601"/>
+                <a:ext cx="1219200" cy="328935"/>
+              </a:xfrm>
+              <a:prstGeom prst="rect">
+                <a:avLst/>
+              </a:prstGeom>
+              <a:noFill/>
+              <a:ln w="12700" cap="flat">
+                <a:noFill/>
+                <a:miter lim="400000"/>
+              </a:ln>
+              <a:effectLst/>
+              <a:extLst>
+                <a:ext uri="{C572A759-6A51-4108-AA02-DFA0A04FC94B}">
+                  <ma14:wrappingTextBoxFlag xmlns:ma14="http://schemas.microsoft.com/office/mac/drawingml/2011/main" xmlns:a14="http://schemas.microsoft.com/office/drawing/2010/main" xmlns:m="http://schemas.openxmlformats.org/officeDocument/2006/math" xmlns="" val="1"/>
+                </a:ext>
+              </a:extLst>
+            </p:spPr>
+            <p:txBody>
+              <a:bodyPr wrap="square" lIns="71437" tIns="71437" rIns="71437" bIns="71437" numCol="1" anchor="ctr">
+                <a:spAutoFit/>
+              </a:bodyPr>
+              <a:lstStyle>
+                <a:lvl1pPr algn="l" defTabSz="821531">
+                  <a:defRPr sz="2400" b="0">
+                    <a:solidFill>
+                      <a:srgbClr val="FFFFFF"/>
+                    </a:solidFill>
+                    <a:latin typeface="Helvetica Neue Bold Condensed"/>
+                    <a:ea typeface="Helvetica Neue Bold Condensed"/>
+                    <a:cs typeface="Helvetica Neue Bold Condensed"/>
+                    <a:sym typeface="Helvetica Neue Bold Condensed"/>
+                  </a:defRPr>
+                </a:lvl1pPr>
+              </a:lstStyle>
+              <a:p>
+                <a:r>
+                  <a:rPr kumimoji="0" lang="en-US" altLang="zh-TW" sz="1200" b="0" i="0" u="none" strike="noStrike" cap="none" spc="0" normalizeH="0" baseline="0" dirty="0">
+                    <a:ln>
+                      <a:noFill/>
+                    </a:ln>
+                    <a:solidFill>
+                      <a:schemeClr val="tx1">
+                        <a:alpha val="15000"/>
+                      </a:schemeClr>
+                    </a:solidFill>
+                    <a:effectLst/>
+                    <a:uFillTx/>
+                    <a:latin typeface="Helvetica Neue Bold Condensed"/>
+                    <a:ea typeface="Helvetica Neue Bold Condensed"/>
+                    <a:cs typeface="Helvetica Neue Bold Condensed"/>
+                    <a:sym typeface="Helvetica Neue Bold Condensed"/>
+                  </a:rPr>
+                  <a:t>10</a:t>
+                </a:r>
+                <a:r>
+                  <a:rPr kumimoji="0" lang="zh-TW" altLang="en-US" sz="1200" b="0" i="0" u="none" strike="noStrike" cap="none" spc="0" normalizeH="0" baseline="0" dirty="0">
+                    <a:ln>
+                      <a:noFill/>
+                    </a:ln>
+                    <a:solidFill>
+                      <a:schemeClr val="tx1">
+                        <a:alpha val="15000"/>
+                      </a:schemeClr>
+                    </a:solidFill>
+                    <a:effectLst/>
+                    <a:uFillTx/>
+                    <a:sym typeface="Helvetica Neue Bold Condensed"/>
+                  </a:rPr>
+                  <a:t>程式中</a:t>
+                </a:r>
+                <a:endParaRPr sz="1400" dirty="0">
+                  <a:solidFill>
+                    <a:schemeClr val="tx1">
+                      <a:alpha val="15000"/>
+                    </a:schemeClr>
+                  </a:solidFill>
+                </a:endParaRPr>
+              </a:p>
+            </p:txBody>
+          </p:sp>
+        </p:grpSp>
+      </p:grpSp>
+    </p:spTree>
+    <p:extLst>
+      <p:ext uri="{BB962C8B-B14F-4D97-AF65-F5344CB8AC3E}">
+        <p14:creationId xmlns:p14="http://schemas.microsoft.com/office/powerpoint/2010/main" val="922598426"/>
+      </p:ext>
+    </p:extLst>
+  </p:cSld>
+  <p:clrMapOvr>
+    <a:masterClrMapping/>
+  </p:clrMapOvr>
+</p:sld>
+</file>
+
+<file path=ppt/slides/slide9.xml><?xml version="1.0" encoding="utf-8"?>
+<p:sld xmlns:a="http://schemas.openxmlformats.org/drawingml/2006/main" xmlns:r="http://schemas.openxmlformats.org/officeDocument/2006/relationships" xmlns:p="http://schemas.openxmlformats.org/presentationml/2006/main">
+  <p:cSld>
+    <p:spTree>
+      <p:nvGrpSpPr>
+        <p:cNvPr id="1" name=""/>
+        <p:cNvGrpSpPr/>
+        <p:nvPr/>
+      </p:nvGrpSpPr>
+      <p:grpSpPr>
+        <a:xfrm>
+          <a:off x="0" y="0"/>
+          <a:ext cx="0" cy="0"/>
+          <a:chOff x="0" y="0"/>
+          <a:chExt cx="0" cy="0"/>
+        </a:xfrm>
+      </p:grpSpPr>
+      <p:grpSp>
+        <p:nvGrpSpPr>
+          <p:cNvPr id="3" name="Group 2">
+            <a:extLst>
+              <a:ext uri="{FF2B5EF4-FFF2-40B4-BE49-F238E27FC236}">
+                <a16:creationId xmlns:a16="http://schemas.microsoft.com/office/drawing/2014/main" id="{920D2E6B-824E-2F4A-A09F-787D470158CF}"/>
+              </a:ext>
+            </a:extLst>
+          </p:cNvPr>
+          <p:cNvGrpSpPr/>
+          <p:nvPr/>
+        </p:nvGrpSpPr>
+        <p:grpSpPr>
+          <a:xfrm>
+            <a:off x="3419261" y="4546326"/>
+            <a:ext cx="5764444" cy="1050587"/>
+            <a:chOff x="3360126" y="3971848"/>
+            <a:chExt cx="5764444" cy="1050587"/>
+          </a:xfrm>
+        </p:grpSpPr>
+        <p:grpSp>
+          <p:nvGrpSpPr>
+            <p:cNvPr id="4" name="Group 3">
+              <a:extLst>
+                <a:ext uri="{FF2B5EF4-FFF2-40B4-BE49-F238E27FC236}">
+                  <a16:creationId xmlns:a16="http://schemas.microsoft.com/office/drawing/2014/main" id="{332FF322-4BC1-C24D-AE44-8A99E48F2291}"/>
+                </a:ext>
+              </a:extLst>
+            </p:cNvPr>
+            <p:cNvGrpSpPr/>
+            <p:nvPr/>
+          </p:nvGrpSpPr>
+          <p:grpSpPr>
+            <a:xfrm>
+              <a:off x="3360126" y="4324980"/>
+              <a:ext cx="2735874" cy="328935"/>
+              <a:chOff x="7237110" y="4273903"/>
+              <a:chExt cx="2735874" cy="328935"/>
+            </a:xfrm>
+          </p:grpSpPr>
+          <p:sp>
+            <p:nvSpPr>
+              <p:cNvPr id="9" name="Intelligent Information Retrieval Laboratory">
+                <a:extLst>
+                  <a:ext uri="{FF2B5EF4-FFF2-40B4-BE49-F238E27FC236}">
+                    <a16:creationId xmlns:a16="http://schemas.microsoft.com/office/drawing/2014/main" id="{C20E52D4-8F72-4949-A3C0-CB1DEEE10758}"/>
+                  </a:ext>
+                </a:extLst>
+              </p:cNvPr>
+              <p:cNvSpPr txBox="1"/>
+              <p:nvPr/>
+            </p:nvSpPr>
+            <p:spPr>
+              <a:xfrm>
+                <a:off x="7237110" y="4273903"/>
+                <a:ext cx="2590800" cy="328935"/>
+              </a:xfrm>
+              <a:prstGeom prst="rect">
+                <a:avLst/>
+              </a:prstGeom>
+              <a:noFill/>
+              <a:ln w="12700" cap="flat">
+                <a:noFill/>
+                <a:miter lim="400000"/>
+              </a:ln>
+              <a:effectLst/>
+              <a:extLst>
+                <a:ext uri="{C572A759-6A51-4108-AA02-DFA0A04FC94B}">
+                  <ma14:wrappingTextBoxFlag xmlns:ma14="http://schemas.microsoft.com/office/mac/drawingml/2011/main" xmlns:a14="http://schemas.microsoft.com/office/drawing/2010/main" xmlns:m="http://schemas.openxmlformats.org/officeDocument/2006/math" xmlns="" val="1"/>
+                </a:ext>
+              </a:extLst>
+            </p:spPr>
+            <p:txBody>
+              <a:bodyPr wrap="square" lIns="71437" tIns="71437" rIns="71437" bIns="71437" numCol="1" anchor="ctr">
+                <a:spAutoFit/>
+              </a:bodyPr>
+              <a:lstStyle>
+                <a:lvl1pPr algn="l" defTabSz="821531">
+                  <a:defRPr sz="2400" b="0">
+                    <a:solidFill>
+                      <a:srgbClr val="FFFFFF"/>
+                    </a:solidFill>
+                    <a:latin typeface="Helvetica Neue Bold Condensed"/>
+                    <a:ea typeface="Helvetica Neue Bold Condensed"/>
+                    <a:cs typeface="Helvetica Neue Bold Condensed"/>
+                    <a:sym typeface="Helvetica Neue Bold Condensed"/>
+                  </a:defRPr>
+                </a:lvl1pPr>
+              </a:lstStyle>
+              <a:p>
+                <a:r>
+                  <a:rPr kumimoji="0" lang="zh-TW" altLang="en-US" sz="1050" b="0" i="0" u="none" strike="noStrike" cap="none" spc="0" normalizeH="0" baseline="0" dirty="0">
+                    <a:ln>
+                      <a:noFill/>
+                    </a:ln>
+                    <a:solidFill>
+                      <a:schemeClr val="tx1">
+                        <a:alpha val="15000"/>
+                      </a:schemeClr>
+                    </a:solidFill>
+                    <a:effectLst/>
+                    <a:uFillTx/>
+                    <a:latin typeface="Helvetica Neue Bold Condensed"/>
+                    <a:ea typeface="Helvetica Neue Bold Condensed"/>
+                    <a:cs typeface="Helvetica Neue Bold Condensed"/>
+                    <a:sym typeface="Helvetica Neue Bold Condensed"/>
+                  </a:rPr>
+                  <a:t>第</a:t>
+                </a:r>
+                <a:r>
+                  <a:rPr kumimoji="0" lang="en-US" altLang="zh-TW" sz="1050" b="0" i="0" u="none" strike="noStrike" cap="none" spc="0" normalizeH="0" baseline="0" dirty="0">
+                    <a:ln>
+                      <a:noFill/>
+                    </a:ln>
+                    <a:solidFill>
+                      <a:schemeClr val="tx1">
+                        <a:alpha val="15000"/>
+                      </a:schemeClr>
+                    </a:solidFill>
+                    <a:effectLst/>
+                    <a:uFillTx/>
+                    <a:latin typeface="Helvetica Neue Bold Condensed"/>
+                    <a:ea typeface="Helvetica Neue Bold Condensed"/>
+                    <a:cs typeface="Helvetica Neue Bold Condensed"/>
+                    <a:sym typeface="Helvetica Neue Bold Condensed"/>
+                  </a:rPr>
+                  <a:t>13</a:t>
+                </a:r>
+                <a:r>
+                  <a:rPr kumimoji="0" lang="zh-TW" altLang="en-US" sz="1050" b="0" i="0" u="none" strike="noStrike" cap="none" spc="0" normalizeH="0" baseline="0" dirty="0">
+                    <a:ln>
+                      <a:noFill/>
+                    </a:ln>
+                    <a:solidFill>
+                      <a:schemeClr val="tx1">
+                        <a:alpha val="15000"/>
+                      </a:schemeClr>
+                    </a:solidFill>
+                    <a:effectLst/>
+                    <a:uFillTx/>
+                    <a:latin typeface="Helvetica Neue Bold Condensed"/>
+                    <a:ea typeface="Helvetica Neue Bold Condensed"/>
+                    <a:cs typeface="Helvetica Neue Bold Condensed"/>
+                    <a:sym typeface="Helvetica Neue Bold Condensed"/>
+                  </a:rPr>
+                  <a:t>屆 </a:t>
+                </a:r>
+                <a:r>
+                  <a:rPr kumimoji="0" lang="en-US" sz="1200" b="0" i="0" u="none" strike="noStrike" cap="none" spc="0" normalizeH="0" baseline="0" dirty="0">
+                    <a:ln>
+                      <a:noFill/>
+                    </a:ln>
+                    <a:solidFill>
+                      <a:schemeClr val="tx1">
+                        <a:alpha val="15000"/>
+                      </a:schemeClr>
+                    </a:solidFill>
+                    <a:effectLst/>
+                    <a:uFillTx/>
+                    <a:latin typeface="Helvetica Neue Bold Condensed"/>
+                    <a:ea typeface="Helvetica Neue Bold Condensed"/>
+                    <a:cs typeface="Helvetica Neue Bold Condensed"/>
+                    <a:sym typeface="Helvetica Neue Bold Condensed"/>
+                  </a:rPr>
+                  <a:t>iT</a:t>
+                </a:r>
+                <a:r>
+                  <a:rPr kumimoji="0" lang="zh-TW" altLang="en-US" sz="1100" b="0" i="0" u="none" strike="noStrike" cap="none" spc="0" normalizeH="0" baseline="0" dirty="0">
+                    <a:ln>
+                      <a:noFill/>
+                    </a:ln>
+                    <a:solidFill>
+                      <a:schemeClr val="tx1">
+                        <a:alpha val="15000"/>
+                      </a:schemeClr>
+                    </a:solidFill>
+                    <a:effectLst/>
+                    <a:uFillTx/>
+                    <a:latin typeface="Helvetica Neue Bold Condensed"/>
+                    <a:ea typeface="Helvetica Neue Bold Condensed"/>
+                    <a:cs typeface="Helvetica Neue Bold Condensed"/>
+                    <a:sym typeface="Helvetica Neue Bold Condensed"/>
+                  </a:rPr>
+                  <a:t>邦</a:t>
+                </a:r>
+                <a:r>
+                  <a:rPr kumimoji="0" lang="zh-TW" altLang="en-US" sz="1000" b="0" i="0" u="none" strike="noStrike" cap="none" spc="0" normalizeH="0" baseline="0" dirty="0">
+                    <a:ln>
+                      <a:noFill/>
+                    </a:ln>
+                    <a:solidFill>
+                      <a:schemeClr val="tx1">
+                        <a:alpha val="15000"/>
+                      </a:schemeClr>
+                    </a:solidFill>
+                    <a:effectLst/>
+                    <a:uFillTx/>
+                    <a:latin typeface="Helvetica Neue Bold Condensed"/>
+                    <a:ea typeface="Helvetica Neue Bold Condensed"/>
+                    <a:cs typeface="Helvetica Neue Bold Condensed"/>
+                    <a:sym typeface="Helvetica Neue Bold Condensed"/>
+                  </a:rPr>
+                  <a:t>幫忙</a:t>
+                </a:r>
+                <a:r>
+                  <a:rPr kumimoji="0" lang="zh-TW" altLang="en-US" sz="1100" b="0" i="0" u="none" strike="noStrike" cap="none" spc="0" normalizeH="0" baseline="0" dirty="0">
+                    <a:ln>
+                      <a:noFill/>
+                    </a:ln>
+                    <a:solidFill>
+                      <a:schemeClr val="tx1">
+                        <a:alpha val="15000"/>
+                      </a:schemeClr>
+                    </a:solidFill>
+                    <a:effectLst/>
+                    <a:uFillTx/>
+                    <a:latin typeface="Helvetica Neue Bold Condensed"/>
+                    <a:ea typeface="Helvetica Neue Bold Condensed"/>
+                    <a:cs typeface="Helvetica Neue Bold Condensed"/>
+                    <a:sym typeface="Helvetica Neue Bold Condensed"/>
+                  </a:rPr>
+                  <a:t> 鐵人賽</a:t>
+                </a:r>
+                <a:endParaRPr sz="1100" dirty="0">
+                  <a:solidFill>
+                    <a:schemeClr val="tx1">
+                      <a:alpha val="15000"/>
+                    </a:schemeClr>
+                  </a:solidFill>
+                </a:endParaRPr>
+              </a:p>
+            </p:txBody>
+          </p:sp>
+          <p:sp>
+            <p:nvSpPr>
+              <p:cNvPr id="10" name="Intelligent Information Retrieval Laboratory">
+                <a:extLst>
+                  <a:ext uri="{FF2B5EF4-FFF2-40B4-BE49-F238E27FC236}">
+                    <a16:creationId xmlns:a16="http://schemas.microsoft.com/office/drawing/2014/main" id="{C59630D4-42C1-2A44-B542-ABCB6BDDB4F8}"/>
+                  </a:ext>
+                </a:extLst>
+              </p:cNvPr>
+              <p:cNvSpPr txBox="1"/>
+              <p:nvPr/>
+            </p:nvSpPr>
+            <p:spPr>
+              <a:xfrm>
+                <a:off x="8753784" y="4289292"/>
+                <a:ext cx="1219200" cy="313546"/>
+              </a:xfrm>
+              <a:prstGeom prst="rect">
+                <a:avLst/>
+              </a:prstGeom>
+              <a:noFill/>
+              <a:ln w="12700" cap="flat">
+                <a:noFill/>
+                <a:miter lim="400000"/>
+              </a:ln>
+              <a:effectLst/>
+              <a:extLst>
+                <a:ext uri="{C572A759-6A51-4108-AA02-DFA0A04FC94B}">
+                  <ma14:wrappingTextBoxFlag xmlns:ma14="http://schemas.microsoft.com/office/mac/drawingml/2011/main" xmlns:a14="http://schemas.microsoft.com/office/drawing/2010/main" xmlns:m="http://schemas.openxmlformats.org/officeDocument/2006/math" xmlns="" val="1"/>
+                </a:ext>
+              </a:extLst>
+            </p:spPr>
+            <p:txBody>
+              <a:bodyPr wrap="square" lIns="71437" tIns="71437" rIns="71437" bIns="71437" numCol="1" anchor="ctr">
+                <a:spAutoFit/>
+              </a:bodyPr>
+              <a:lstStyle>
+                <a:lvl1pPr algn="l" defTabSz="821531">
+                  <a:defRPr sz="2400" b="0">
+                    <a:solidFill>
+                      <a:srgbClr val="FFFFFF"/>
+                    </a:solidFill>
+                    <a:latin typeface="Helvetica Neue Bold Condensed"/>
+                    <a:ea typeface="Helvetica Neue Bold Condensed"/>
+                    <a:cs typeface="Helvetica Neue Bold Condensed"/>
+                    <a:sym typeface="Helvetica Neue Bold Condensed"/>
+                  </a:defRPr>
+                </a:lvl1pPr>
+              </a:lstStyle>
+              <a:p>
+                <a:r>
+                  <a:rPr kumimoji="0" lang="en-US" altLang="zh-TW" sz="1050" b="0" i="0" u="none" strike="noStrike" cap="none" spc="0" normalizeH="0" baseline="0" dirty="0">
+                    <a:ln>
+                      <a:noFill/>
+                    </a:ln>
+                    <a:solidFill>
+                      <a:schemeClr val="tx1">
+                        <a:alpha val="15000"/>
+                      </a:schemeClr>
+                    </a:solidFill>
+                    <a:effectLst/>
+                    <a:uFillTx/>
+                    <a:latin typeface="Helvetica Neue Bold Condensed"/>
+                    <a:ea typeface="Helvetica Neue Bold Condensed"/>
+                    <a:cs typeface="Helvetica Neue Bold Condensed"/>
+                    <a:sym typeface="Helvetica Neue Bold Condensed"/>
+                  </a:rPr>
+                  <a:t>AI &amp; Data </a:t>
+                </a:r>
+                <a:r>
+                  <a:rPr kumimoji="0" lang="zh-TW" altLang="en-US" sz="1050" b="0" i="0" u="none" strike="noStrike" cap="none" spc="0" normalizeH="0" baseline="0" dirty="0">
+                    <a:ln>
+                      <a:noFill/>
+                    </a:ln>
+                    <a:solidFill>
+                      <a:schemeClr val="tx1">
+                        <a:alpha val="15000"/>
+                      </a:schemeClr>
+                    </a:solidFill>
+                    <a:effectLst/>
+                    <a:uFillTx/>
+                    <a:latin typeface="Helvetica Neue Bold Condensed"/>
+                    <a:ea typeface="Helvetica Neue Bold Condensed"/>
+                    <a:cs typeface="Helvetica Neue Bold Condensed"/>
+                    <a:sym typeface="Helvetica Neue Bold Condensed"/>
+                  </a:rPr>
+                  <a:t>組</a:t>
+                </a:r>
+                <a:endParaRPr sz="1100" dirty="0">
+                  <a:solidFill>
+                    <a:schemeClr val="tx1">
+                      <a:alpha val="15000"/>
+                    </a:schemeClr>
+                  </a:solidFill>
+                </a:endParaRPr>
+              </a:p>
+            </p:txBody>
+          </p:sp>
+        </p:grpSp>
+        <p:grpSp>
+          <p:nvGrpSpPr>
+            <p:cNvPr id="5" name="Group 4">
+              <a:extLst>
+                <a:ext uri="{FF2B5EF4-FFF2-40B4-BE49-F238E27FC236}">
+                  <a16:creationId xmlns:a16="http://schemas.microsoft.com/office/drawing/2014/main" id="{5A6763B1-B700-DC42-A4E2-81BB0D8F7C59}"/>
+                </a:ext>
+              </a:extLst>
+            </p:cNvPr>
+            <p:cNvGrpSpPr/>
+            <p:nvPr/>
+          </p:nvGrpSpPr>
+          <p:grpSpPr>
+            <a:xfrm>
+              <a:off x="7247835" y="3971848"/>
+              <a:ext cx="1876735" cy="1050587"/>
+              <a:chOff x="3891792" y="3940042"/>
+              <a:chExt cx="1876735" cy="1050587"/>
+            </a:xfrm>
+          </p:grpSpPr>
+          <p:pic>
+            <p:nvPicPr>
+              <p:cNvPr id="6" name="Picture 5">
+                <a:extLst>
+                  <a:ext uri="{FF2B5EF4-FFF2-40B4-BE49-F238E27FC236}">
+                    <a16:creationId xmlns:a16="http://schemas.microsoft.com/office/drawing/2014/main" id="{68288A9E-2E80-9E47-8C73-334BF6351AEE}"/>
+                  </a:ext>
+                </a:extLst>
+              </p:cNvPr>
+              <p:cNvPicPr>
+                <a:picLocks noChangeAspect="1" noChangeArrowheads="1"/>
+              </p:cNvPicPr>
+              <p:nvPr/>
+            </p:nvPicPr>
+            <p:blipFill>
+              <a:blip r:embed="rId2">
+                <a:duotone>
+                  <a:prstClr val="black"/>
+                  <a:schemeClr val="tx1">
+                    <a:tint val="45000"/>
+                    <a:satMod val="400000"/>
+                  </a:schemeClr>
+                </a:duotone>
+                <a:alphaModFix amt="20000"/>
+              </a:blip>
+              <a:srcRect/>
+              <a:stretch/>
+            </p:blipFill>
+            <p:spPr bwMode="auto">
+              <a:xfrm>
+                <a:off x="4489805" y="3940042"/>
+                <a:ext cx="1050587" cy="1050587"/>
+              </a:xfrm>
+              <a:prstGeom prst="rect">
+                <a:avLst/>
+              </a:prstGeom>
+              <a:noFill/>
+              <a:extLst>
+                <a:ext uri="{909E8E84-426E-40DD-AFC4-6F175D3DCCD1}">
+                  <a14:hiddenFill xmlns:a14="http://schemas.microsoft.com/office/drawing/2010/main">
+                    <a:solidFill>
+                      <a:srgbClr val="FFFFFF"/>
+                    </a:solidFill>
+                  </a14:hiddenFill>
+                </a:ext>
+              </a:extLst>
+            </p:spPr>
+          </p:pic>
+          <p:pic>
+            <p:nvPicPr>
+              <p:cNvPr id="7" name="Picture 4" descr="Youtube logo | Logok">
+                <a:extLst>
+                  <a:ext uri="{FF2B5EF4-FFF2-40B4-BE49-F238E27FC236}">
+                    <a16:creationId xmlns:a16="http://schemas.microsoft.com/office/drawing/2014/main" id="{30E28DFC-CA9B-E64F-8095-463F33888386}"/>
+                  </a:ext>
+                </a:extLst>
+              </p:cNvPr>
+              <p:cNvPicPr>
+                <a:picLocks noChangeAspect="1" noChangeArrowheads="1"/>
+              </p:cNvPicPr>
+              <p:nvPr/>
+            </p:nvPicPr>
+            <p:blipFill>
+              <a:blip r:embed="rId3">
+                <a:alphaModFix amt="20000"/>
+                <a:extLst>
+                  <a:ext uri="{28A0092B-C50C-407E-A947-70E740481C1C}">
+                    <a14:useLocalDpi xmlns:a14="http://schemas.microsoft.com/office/drawing/2010/main" val="0"/>
+                  </a:ext>
+                </a:extLst>
+              </a:blip>
+              <a:srcRect/>
+              <a:stretch>
+                <a:fillRect/>
+              </a:stretch>
+            </p:blipFill>
+            <p:spPr bwMode="auto">
+              <a:xfrm>
+                <a:off x="3891792" y="4187926"/>
+                <a:ext cx="739756" cy="554817"/>
+              </a:xfrm>
+              <a:prstGeom prst="rect">
+                <a:avLst/>
+              </a:prstGeom>
+              <a:noFill/>
+              <a:extLst>
+                <a:ext uri="{909E8E84-426E-40DD-AFC4-6F175D3DCCD1}">
+                  <a14:hiddenFill xmlns:a14="http://schemas.microsoft.com/office/drawing/2010/main">
+                    <a:solidFill>
+                      <a:srgbClr val="FFFFFF"/>
+                    </a:solidFill>
+                  </a14:hiddenFill>
+                </a:ext>
+              </a:extLst>
+            </p:spPr>
+          </p:pic>
+          <p:sp>
+            <p:nvSpPr>
+              <p:cNvPr id="8" name="Intelligent Information Retrieval Laboratory">
+                <a:extLst>
+                  <a:ext uri="{FF2B5EF4-FFF2-40B4-BE49-F238E27FC236}">
+                    <a16:creationId xmlns:a16="http://schemas.microsoft.com/office/drawing/2014/main" id="{1B1A521F-FE77-7B4D-8525-0836C3B85313}"/>
+                  </a:ext>
+                </a:extLst>
+              </p:cNvPr>
+              <p:cNvSpPr txBox="1"/>
+              <p:nvPr/>
+            </p:nvSpPr>
+            <p:spPr>
+              <a:xfrm>
+                <a:off x="4549327" y="4308601"/>
+                <a:ext cx="1219200" cy="328935"/>
+              </a:xfrm>
+              <a:prstGeom prst="rect">
+                <a:avLst/>
+              </a:prstGeom>
+              <a:noFill/>
+              <a:ln w="12700" cap="flat">
+                <a:noFill/>
+                <a:miter lim="400000"/>
+              </a:ln>
+              <a:effectLst/>
+              <a:extLst>
+                <a:ext uri="{C572A759-6A51-4108-AA02-DFA0A04FC94B}">
+                  <ma14:wrappingTextBoxFlag xmlns:ma14="http://schemas.microsoft.com/office/mac/drawingml/2011/main" xmlns:a14="http://schemas.microsoft.com/office/drawing/2010/main" xmlns:m="http://schemas.openxmlformats.org/officeDocument/2006/math" xmlns="" val="1"/>
+                </a:ext>
+              </a:extLst>
+            </p:spPr>
+            <p:txBody>
+              <a:bodyPr wrap="square" lIns="71437" tIns="71437" rIns="71437" bIns="71437" numCol="1" anchor="ctr">
+                <a:spAutoFit/>
+              </a:bodyPr>
+              <a:lstStyle>
+                <a:lvl1pPr algn="l" defTabSz="821531">
+                  <a:defRPr sz="2400" b="0">
+                    <a:solidFill>
+                      <a:srgbClr val="FFFFFF"/>
+                    </a:solidFill>
+                    <a:latin typeface="Helvetica Neue Bold Condensed"/>
+                    <a:ea typeface="Helvetica Neue Bold Condensed"/>
+                    <a:cs typeface="Helvetica Neue Bold Condensed"/>
+                    <a:sym typeface="Helvetica Neue Bold Condensed"/>
+                  </a:defRPr>
+                </a:lvl1pPr>
+              </a:lstStyle>
+              <a:p>
+                <a:r>
+                  <a:rPr kumimoji="0" lang="en-US" altLang="zh-TW" sz="1200" b="0" i="0" u="none" strike="noStrike" cap="none" spc="0" normalizeH="0" baseline="0" dirty="0">
+                    <a:ln>
+                      <a:noFill/>
+                    </a:ln>
+                    <a:solidFill>
+                      <a:schemeClr val="tx1">
+                        <a:alpha val="15000"/>
+                      </a:schemeClr>
+                    </a:solidFill>
+                    <a:effectLst/>
+                    <a:uFillTx/>
+                    <a:latin typeface="Helvetica Neue Bold Condensed"/>
+                    <a:ea typeface="Helvetica Neue Bold Condensed"/>
+                    <a:cs typeface="Helvetica Neue Bold Condensed"/>
+                    <a:sym typeface="Helvetica Neue Bold Condensed"/>
+                  </a:rPr>
+                  <a:t>10</a:t>
+                </a:r>
+                <a:r>
+                  <a:rPr kumimoji="0" lang="zh-TW" altLang="en-US" sz="1200" b="0" i="0" u="none" strike="noStrike" cap="none" spc="0" normalizeH="0" baseline="0" dirty="0">
+                    <a:ln>
+                      <a:noFill/>
+                    </a:ln>
+                    <a:solidFill>
+                      <a:schemeClr val="tx1">
+                        <a:alpha val="15000"/>
+                      </a:schemeClr>
+                    </a:solidFill>
+                    <a:effectLst/>
+                    <a:uFillTx/>
+                    <a:sym typeface="Helvetica Neue Bold Condensed"/>
+                  </a:rPr>
+                  <a:t>程式中</a:t>
+                </a:r>
+                <a:endParaRPr sz="1400" dirty="0">
+                  <a:solidFill>
+                    <a:schemeClr val="tx1">
+                      <a:alpha val="15000"/>
+                    </a:schemeClr>
+                  </a:solidFill>
+                </a:endParaRPr>
+              </a:p>
+            </p:txBody>
+          </p:sp>
+        </p:grpSp>
+      </p:grpSp>
+      <p:pic>
+        <p:nvPicPr>
+          <p:cNvPr id="12" name="Picture 11">
+            <a:extLst>
+              <a:ext uri="{FF2B5EF4-FFF2-40B4-BE49-F238E27FC236}">
+                <a16:creationId xmlns:a16="http://schemas.microsoft.com/office/drawing/2014/main" id="{FBAB170A-CCEC-9E46-851F-DFD53A20DC20}"/>
+              </a:ext>
+            </a:extLst>
+          </p:cNvPr>
+          <p:cNvPicPr>
+            <a:picLocks noChangeAspect="1"/>
+          </p:cNvPicPr>
+          <p:nvPr/>
+        </p:nvPicPr>
+        <p:blipFill>
+          <a:blip r:embed="rId4"/>
+          <a:stretch>
+            <a:fillRect/>
+          </a:stretch>
+        </p:blipFill>
+        <p:spPr>
+          <a:xfrm>
+            <a:off x="2808185" y="2118693"/>
+            <a:ext cx="6693899" cy="2720427"/>
+          </a:xfrm>
+          <a:prstGeom prst="rect">
+            <a:avLst/>
+          </a:prstGeom>
+        </p:spPr>
+      </p:pic>
+    </p:spTree>
+    <p:extLst>
+      <p:ext uri="{BB962C8B-B14F-4D97-AF65-F5344CB8AC3E}">
+        <p14:creationId xmlns:p14="http://schemas.microsoft.com/office/powerpoint/2010/main" val="541555561"/>
       </p:ext>
     </p:extLst>
   </p:cSld>
